--- a/Final_project3.pptx
+++ b/Final_project3.pptx
@@ -9,7 +9,7 @@
     <p:sldMasterId id="2147483780" r:id="rId5"/>
   </p:sldMasterIdLst>
   <p:notesMasterIdLst>
-    <p:notesMasterId r:id="rId18"/>
+    <p:notesMasterId r:id="rId19"/>
   </p:notesMasterIdLst>
   <p:sldIdLst>
     <p:sldId id="266" r:id="rId6"/>
@@ -23,7 +23,8 @@
     <p:sldId id="277" r:id="rId14"/>
     <p:sldId id="273" r:id="rId15"/>
     <p:sldId id="275" r:id="rId16"/>
-    <p:sldId id="276" r:id="rId17"/>
+    <p:sldId id="279" r:id="rId17"/>
+    <p:sldId id="276" r:id="rId18"/>
   </p:sldIdLst>
   <p:sldSz cx="9144000" cy="6858000" type="screen4x3"/>
   <p:notesSz cx="6858000" cy="9144000"/>
@@ -124,7 +125,7 @@
   </p:defaultTextStyle>
   <p:extLst>
     <p:ext uri="{EFAFB233-063F-42B5-8137-9DF3F51BA10A}">
-      <p15:sldGuideLst xmlns:p15="http://schemas.microsoft.com/office/powerpoint/2012/main">
+      <p15:sldGuideLst xmlns="" xmlns:p15="http://schemas.microsoft.com/office/powerpoint/2012/main">
         <p15:guide id="1" orient="horz" pos="2160">
           <p15:clr>
             <a:srgbClr val="A4A3A4"/>
@@ -556,7 +557,175 @@
           <a:p>
             <a:fld id="{F0E1499E-AA82-484E-8910-40B310F50E0A}" type="slidenum">
               <a:rPr lang="zh-TW" altLang="en-US" smtClean="0"/>
+              <a:t>9</a:t>
+            </a:fld>
+            <a:endParaRPr lang="zh-TW" altLang="en-US"/>
+          </a:p>
+        </p:txBody>
+      </p:sp>
+    </p:spTree>
+    <p:extLst>
+      <p:ext uri="{BB962C8B-B14F-4D97-AF65-F5344CB8AC3E}">
+        <p14:creationId xmlns:p14="http://schemas.microsoft.com/office/powerpoint/2010/main" val="219579130"/>
+      </p:ext>
+    </p:extLst>
+  </p:cSld>
+  <p:clrMapOvr>
+    <a:masterClrMapping/>
+  </p:clrMapOvr>
+</p:notes>
+</file>
+
+<file path=ppt/notesSlides/notesSlide2.xml><?xml version="1.0" encoding="utf-8"?>
+<p:notes xmlns:a="http://schemas.openxmlformats.org/drawingml/2006/main" xmlns:r="http://schemas.openxmlformats.org/officeDocument/2006/relationships" xmlns:p="http://schemas.openxmlformats.org/presentationml/2006/main">
+  <p:cSld>
+    <p:spTree>
+      <p:nvGrpSpPr>
+        <p:cNvPr id="1" name=""/>
+        <p:cNvGrpSpPr/>
+        <p:nvPr/>
+      </p:nvGrpSpPr>
+      <p:grpSpPr>
+        <a:xfrm>
+          <a:off x="0" y="0"/>
+          <a:ext cx="0" cy="0"/>
+          <a:chOff x="0" y="0"/>
+          <a:chExt cx="0" cy="0"/>
+        </a:xfrm>
+      </p:grpSpPr>
+      <p:sp>
+        <p:nvSpPr>
+          <p:cNvPr id="2" name="投影片圖像版面配置區 1"/>
+          <p:cNvSpPr>
+            <a:spLocks noGrp="1" noRot="1" noChangeAspect="1"/>
+          </p:cNvSpPr>
+          <p:nvPr>
+            <p:ph type="sldImg"/>
+          </p:nvPr>
+        </p:nvSpPr>
+        <p:spPr/>
+      </p:sp>
+      <p:sp>
+        <p:nvSpPr>
+          <p:cNvPr id="3" name="備忘稿版面配置區 2"/>
+          <p:cNvSpPr>
+            <a:spLocks noGrp="1"/>
+          </p:cNvSpPr>
+          <p:nvPr>
+            <p:ph type="body" idx="1"/>
+          </p:nvPr>
+        </p:nvSpPr>
+        <p:spPr/>
+        <p:txBody>
+          <a:bodyPr/>
+          <a:lstStyle/>
+          <a:p>
+            <a:endParaRPr lang="zh-TW" altLang="en-US" dirty="0"/>
+          </a:p>
+        </p:txBody>
+      </p:sp>
+      <p:sp>
+        <p:nvSpPr>
+          <p:cNvPr id="4" name="投影片編號版面配置區 3"/>
+          <p:cNvSpPr>
+            <a:spLocks noGrp="1"/>
+          </p:cNvSpPr>
+          <p:nvPr>
+            <p:ph type="sldNum" sz="quarter" idx="10"/>
+          </p:nvPr>
+        </p:nvSpPr>
+        <p:spPr/>
+        <p:txBody>
+          <a:bodyPr/>
+          <a:lstStyle/>
+          <a:p>
+            <a:fld id="{F0E1499E-AA82-484E-8910-40B310F50E0A}" type="slidenum">
+              <a:rPr lang="zh-TW" altLang="en-US" smtClean="0"/>
               <a:t>11</a:t>
+            </a:fld>
+            <a:endParaRPr lang="zh-TW" altLang="en-US"/>
+          </a:p>
+        </p:txBody>
+      </p:sp>
+    </p:spTree>
+    <p:extLst>
+      <p:ext uri="{BB962C8B-B14F-4D97-AF65-F5344CB8AC3E}">
+        <p14:creationId xmlns:p14="http://schemas.microsoft.com/office/powerpoint/2010/main" val="2943879249"/>
+      </p:ext>
+    </p:extLst>
+  </p:cSld>
+  <p:clrMapOvr>
+    <a:masterClrMapping/>
+  </p:clrMapOvr>
+</p:notes>
+</file>
+
+<file path=ppt/notesSlides/notesSlide3.xml><?xml version="1.0" encoding="utf-8"?>
+<p:notes xmlns:a="http://schemas.openxmlformats.org/drawingml/2006/main" xmlns:r="http://schemas.openxmlformats.org/officeDocument/2006/relationships" xmlns:p="http://schemas.openxmlformats.org/presentationml/2006/main">
+  <p:cSld>
+    <p:spTree>
+      <p:nvGrpSpPr>
+        <p:cNvPr id="1" name=""/>
+        <p:cNvGrpSpPr/>
+        <p:nvPr/>
+      </p:nvGrpSpPr>
+      <p:grpSpPr>
+        <a:xfrm>
+          <a:off x="0" y="0"/>
+          <a:ext cx="0" cy="0"/>
+          <a:chOff x="0" y="0"/>
+          <a:chExt cx="0" cy="0"/>
+        </a:xfrm>
+      </p:grpSpPr>
+      <p:sp>
+        <p:nvSpPr>
+          <p:cNvPr id="2" name="投影片圖像版面配置區 1"/>
+          <p:cNvSpPr>
+            <a:spLocks noGrp="1" noRot="1" noChangeAspect="1"/>
+          </p:cNvSpPr>
+          <p:nvPr>
+            <p:ph type="sldImg"/>
+          </p:nvPr>
+        </p:nvSpPr>
+        <p:spPr/>
+      </p:sp>
+      <p:sp>
+        <p:nvSpPr>
+          <p:cNvPr id="3" name="備忘稿版面配置區 2"/>
+          <p:cNvSpPr>
+            <a:spLocks noGrp="1"/>
+          </p:cNvSpPr>
+          <p:nvPr>
+            <p:ph type="body" idx="1"/>
+          </p:nvPr>
+        </p:nvSpPr>
+        <p:spPr/>
+        <p:txBody>
+          <a:bodyPr/>
+          <a:lstStyle/>
+          <a:p>
+            <a:endParaRPr lang="zh-TW" altLang="en-US" dirty="0"/>
+          </a:p>
+        </p:txBody>
+      </p:sp>
+      <p:sp>
+        <p:nvSpPr>
+          <p:cNvPr id="4" name="投影片編號版面配置區 3"/>
+          <p:cNvSpPr>
+            <a:spLocks noGrp="1"/>
+          </p:cNvSpPr>
+          <p:nvPr>
+            <p:ph type="sldNum" sz="quarter" idx="10"/>
+          </p:nvPr>
+        </p:nvSpPr>
+        <p:spPr/>
+        <p:txBody>
+          <a:bodyPr/>
+          <a:lstStyle/>
+          <a:p>
+            <a:fld id="{F0E1499E-AA82-484E-8910-40B310F50E0A}" type="slidenum">
+              <a:rPr lang="zh-TW" altLang="en-US" smtClean="0"/>
+              <a:t>12</a:t>
             </a:fld>
             <a:endParaRPr lang="zh-TW" altLang="en-US"/>
           </a:p>
@@ -597,7 +766,7 @@
           <p:cNvPr id="2" name="标题 1">
             <a:extLst>
               <a:ext uri="{FF2B5EF4-FFF2-40B4-BE49-F238E27FC236}">
-                <a16:creationId xmlns:a16="http://schemas.microsoft.com/office/drawing/2014/main" id="{4CDA0CE5-9BBF-4B0F-8419-84C4A33B239C}"/>
+                <a16:creationId xmlns="" xmlns:a16="http://schemas.microsoft.com/office/drawing/2014/main" id="{4CDA0CE5-9BBF-4B0F-8419-84C4A33B239C}"/>
               </a:ext>
             </a:extLst>
           </p:cNvPr>
@@ -634,7 +803,7 @@
           <p:cNvPr id="3" name="副标题 2">
             <a:extLst>
               <a:ext uri="{FF2B5EF4-FFF2-40B4-BE49-F238E27FC236}">
-                <a16:creationId xmlns:a16="http://schemas.microsoft.com/office/drawing/2014/main" id="{03040E88-1C35-4C9C-B763-30DEDBEC1E8F}"/>
+                <a16:creationId xmlns="" xmlns:a16="http://schemas.microsoft.com/office/drawing/2014/main" id="{03040E88-1C35-4C9C-B763-30DEDBEC1E8F}"/>
               </a:ext>
             </a:extLst>
           </p:cNvPr>
@@ -704,7 +873,7 @@
           <p:cNvPr id="4" name="日期占位符 3">
             <a:extLst>
               <a:ext uri="{FF2B5EF4-FFF2-40B4-BE49-F238E27FC236}">
-                <a16:creationId xmlns:a16="http://schemas.microsoft.com/office/drawing/2014/main" id="{74A2F367-CB10-426F-9C24-BE0E648E1F79}"/>
+                <a16:creationId xmlns="" xmlns:a16="http://schemas.microsoft.com/office/drawing/2014/main" id="{74A2F367-CB10-426F-9C24-BE0E648E1F79}"/>
               </a:ext>
             </a:extLst>
           </p:cNvPr>
@@ -747,7 +916,7 @@
           <p:cNvPr id="5" name="页脚占位符 4">
             <a:extLst>
               <a:ext uri="{FF2B5EF4-FFF2-40B4-BE49-F238E27FC236}">
-                <a16:creationId xmlns:a16="http://schemas.microsoft.com/office/drawing/2014/main" id="{087FD322-4C8C-4EDC-BA44-5452C8097CBC}"/>
+                <a16:creationId xmlns="" xmlns:a16="http://schemas.microsoft.com/office/drawing/2014/main" id="{087FD322-4C8C-4EDC-BA44-5452C8097CBC}"/>
               </a:ext>
             </a:extLst>
           </p:cNvPr>
@@ -779,7 +948,7 @@
           <p:cNvPr id="6" name="灯片编号占位符 5">
             <a:extLst>
               <a:ext uri="{FF2B5EF4-FFF2-40B4-BE49-F238E27FC236}">
-                <a16:creationId xmlns:a16="http://schemas.microsoft.com/office/drawing/2014/main" id="{175CD708-2C70-4B9D-BF42-78FB9EDB54C1}"/>
+                <a16:creationId xmlns="" xmlns:a16="http://schemas.microsoft.com/office/drawing/2014/main" id="{175CD708-2C70-4B9D-BF42-78FB9EDB54C1}"/>
               </a:ext>
             </a:extLst>
           </p:cNvPr>
@@ -852,7 +1021,7 @@
           <p:cNvPr id="2" name="标题 1">
             <a:extLst>
               <a:ext uri="{FF2B5EF4-FFF2-40B4-BE49-F238E27FC236}">
-                <a16:creationId xmlns:a16="http://schemas.microsoft.com/office/drawing/2014/main" id="{5106DD19-863A-4173-A7DD-343666B6AE37}"/>
+                <a16:creationId xmlns="" xmlns:a16="http://schemas.microsoft.com/office/drawing/2014/main" id="{5106DD19-863A-4173-A7DD-343666B6AE37}"/>
               </a:ext>
             </a:extLst>
           </p:cNvPr>
@@ -880,7 +1049,7 @@
           <p:cNvPr id="3" name="竖排文字占位符 2">
             <a:extLst>
               <a:ext uri="{FF2B5EF4-FFF2-40B4-BE49-F238E27FC236}">
-                <a16:creationId xmlns:a16="http://schemas.microsoft.com/office/drawing/2014/main" id="{C49E998E-C471-4CE9-8D1D-DCDBC2627F97}"/>
+                <a16:creationId xmlns="" xmlns:a16="http://schemas.microsoft.com/office/drawing/2014/main" id="{C49E998E-C471-4CE9-8D1D-DCDBC2627F97}"/>
               </a:ext>
             </a:extLst>
           </p:cNvPr>
@@ -937,7 +1106,7 @@
           <p:cNvPr id="4" name="日期占位符 3">
             <a:extLst>
               <a:ext uri="{FF2B5EF4-FFF2-40B4-BE49-F238E27FC236}">
-                <a16:creationId xmlns:a16="http://schemas.microsoft.com/office/drawing/2014/main" id="{525666F0-615B-4046-9A44-9BE1310A59B8}"/>
+                <a16:creationId xmlns="" xmlns:a16="http://schemas.microsoft.com/office/drawing/2014/main" id="{525666F0-615B-4046-9A44-9BE1310A59B8}"/>
               </a:ext>
             </a:extLst>
           </p:cNvPr>
@@ -980,7 +1149,7 @@
           <p:cNvPr id="5" name="页脚占位符 4">
             <a:extLst>
               <a:ext uri="{FF2B5EF4-FFF2-40B4-BE49-F238E27FC236}">
-                <a16:creationId xmlns:a16="http://schemas.microsoft.com/office/drawing/2014/main" id="{52A6DCCC-7181-46BF-978B-9D96A4458FB4}"/>
+                <a16:creationId xmlns="" xmlns:a16="http://schemas.microsoft.com/office/drawing/2014/main" id="{52A6DCCC-7181-46BF-978B-9D96A4458FB4}"/>
               </a:ext>
             </a:extLst>
           </p:cNvPr>
@@ -1012,7 +1181,7 @@
           <p:cNvPr id="6" name="灯片编号占位符 5">
             <a:extLst>
               <a:ext uri="{FF2B5EF4-FFF2-40B4-BE49-F238E27FC236}">
-                <a16:creationId xmlns:a16="http://schemas.microsoft.com/office/drawing/2014/main" id="{5529F146-305D-428C-B06D-627ECEE1BC28}"/>
+                <a16:creationId xmlns="" xmlns:a16="http://schemas.microsoft.com/office/drawing/2014/main" id="{5529F146-305D-428C-B06D-627ECEE1BC28}"/>
               </a:ext>
             </a:extLst>
           </p:cNvPr>
@@ -1085,7 +1254,7 @@
           <p:cNvPr id="2" name="竖排标题 1">
             <a:extLst>
               <a:ext uri="{FF2B5EF4-FFF2-40B4-BE49-F238E27FC236}">
-                <a16:creationId xmlns:a16="http://schemas.microsoft.com/office/drawing/2014/main" id="{640C0A29-BA35-4D37-B38D-A1D697072C13}"/>
+                <a16:creationId xmlns="" xmlns:a16="http://schemas.microsoft.com/office/drawing/2014/main" id="{640C0A29-BA35-4D37-B38D-A1D697072C13}"/>
               </a:ext>
             </a:extLst>
           </p:cNvPr>
@@ -1118,7 +1287,7 @@
           <p:cNvPr id="3" name="竖排文字占位符 2">
             <a:extLst>
               <a:ext uri="{FF2B5EF4-FFF2-40B4-BE49-F238E27FC236}">
-                <a16:creationId xmlns:a16="http://schemas.microsoft.com/office/drawing/2014/main" id="{7180B562-8662-40FC-B4FD-9F6B037F0DBF}"/>
+                <a16:creationId xmlns="" xmlns:a16="http://schemas.microsoft.com/office/drawing/2014/main" id="{7180B562-8662-40FC-B4FD-9F6B037F0DBF}"/>
               </a:ext>
             </a:extLst>
           </p:cNvPr>
@@ -1180,7 +1349,7 @@
           <p:cNvPr id="4" name="日期占位符 3">
             <a:extLst>
               <a:ext uri="{FF2B5EF4-FFF2-40B4-BE49-F238E27FC236}">
-                <a16:creationId xmlns:a16="http://schemas.microsoft.com/office/drawing/2014/main" id="{D35698FC-2778-462B-9CB4-343D95B25CBB}"/>
+                <a16:creationId xmlns="" xmlns:a16="http://schemas.microsoft.com/office/drawing/2014/main" id="{D35698FC-2778-462B-9CB4-343D95B25CBB}"/>
               </a:ext>
             </a:extLst>
           </p:cNvPr>
@@ -1223,7 +1392,7 @@
           <p:cNvPr id="5" name="页脚占位符 4">
             <a:extLst>
               <a:ext uri="{FF2B5EF4-FFF2-40B4-BE49-F238E27FC236}">
-                <a16:creationId xmlns:a16="http://schemas.microsoft.com/office/drawing/2014/main" id="{6A87B416-60A7-4FED-8C85-C2372A2C9C6A}"/>
+                <a16:creationId xmlns="" xmlns:a16="http://schemas.microsoft.com/office/drawing/2014/main" id="{6A87B416-60A7-4FED-8C85-C2372A2C9C6A}"/>
               </a:ext>
             </a:extLst>
           </p:cNvPr>
@@ -1255,7 +1424,7 @@
           <p:cNvPr id="6" name="灯片编号占位符 5">
             <a:extLst>
               <a:ext uri="{FF2B5EF4-FFF2-40B4-BE49-F238E27FC236}">
-                <a16:creationId xmlns:a16="http://schemas.microsoft.com/office/drawing/2014/main" id="{D929907B-D747-4776-8DF9-49A75218492D}"/>
+                <a16:creationId xmlns="" xmlns:a16="http://schemas.microsoft.com/office/drawing/2014/main" id="{D929907B-D747-4776-8DF9-49A75218492D}"/>
               </a:ext>
             </a:extLst>
           </p:cNvPr>
@@ -1328,7 +1497,7 @@
           <p:cNvPr id="2" name="标题 1">
             <a:extLst>
               <a:ext uri="{FF2B5EF4-FFF2-40B4-BE49-F238E27FC236}">
-                <a16:creationId xmlns:a16="http://schemas.microsoft.com/office/drawing/2014/main" id="{4CDA0CE5-9BBF-4B0F-8419-84C4A33B239C}"/>
+                <a16:creationId xmlns="" xmlns:a16="http://schemas.microsoft.com/office/drawing/2014/main" id="{4CDA0CE5-9BBF-4B0F-8419-84C4A33B239C}"/>
               </a:ext>
             </a:extLst>
           </p:cNvPr>
@@ -1365,7 +1534,7 @@
           <p:cNvPr id="3" name="副标题 2">
             <a:extLst>
               <a:ext uri="{FF2B5EF4-FFF2-40B4-BE49-F238E27FC236}">
-                <a16:creationId xmlns:a16="http://schemas.microsoft.com/office/drawing/2014/main" id="{03040E88-1C35-4C9C-B763-30DEDBEC1E8F}"/>
+                <a16:creationId xmlns="" xmlns:a16="http://schemas.microsoft.com/office/drawing/2014/main" id="{03040E88-1C35-4C9C-B763-30DEDBEC1E8F}"/>
               </a:ext>
             </a:extLst>
           </p:cNvPr>
@@ -1435,7 +1604,7 @@
           <p:cNvPr id="4" name="日期占位符 3">
             <a:extLst>
               <a:ext uri="{FF2B5EF4-FFF2-40B4-BE49-F238E27FC236}">
-                <a16:creationId xmlns:a16="http://schemas.microsoft.com/office/drawing/2014/main" id="{74A2F367-CB10-426F-9C24-BE0E648E1F79}"/>
+                <a16:creationId xmlns="" xmlns:a16="http://schemas.microsoft.com/office/drawing/2014/main" id="{74A2F367-CB10-426F-9C24-BE0E648E1F79}"/>
               </a:ext>
             </a:extLst>
           </p:cNvPr>
@@ -1478,7 +1647,7 @@
           <p:cNvPr id="5" name="页脚占位符 4">
             <a:extLst>
               <a:ext uri="{FF2B5EF4-FFF2-40B4-BE49-F238E27FC236}">
-                <a16:creationId xmlns:a16="http://schemas.microsoft.com/office/drawing/2014/main" id="{087FD322-4C8C-4EDC-BA44-5452C8097CBC}"/>
+                <a16:creationId xmlns="" xmlns:a16="http://schemas.microsoft.com/office/drawing/2014/main" id="{087FD322-4C8C-4EDC-BA44-5452C8097CBC}"/>
               </a:ext>
             </a:extLst>
           </p:cNvPr>
@@ -1510,7 +1679,7 @@
           <p:cNvPr id="6" name="灯片编号占位符 5">
             <a:extLst>
               <a:ext uri="{FF2B5EF4-FFF2-40B4-BE49-F238E27FC236}">
-                <a16:creationId xmlns:a16="http://schemas.microsoft.com/office/drawing/2014/main" id="{175CD708-2C70-4B9D-BF42-78FB9EDB54C1}"/>
+                <a16:creationId xmlns="" xmlns:a16="http://schemas.microsoft.com/office/drawing/2014/main" id="{175CD708-2C70-4B9D-BF42-78FB9EDB54C1}"/>
               </a:ext>
             </a:extLst>
           </p:cNvPr>
@@ -1583,7 +1752,7 @@
           <p:cNvPr id="2" name="标题 1">
             <a:extLst>
               <a:ext uri="{FF2B5EF4-FFF2-40B4-BE49-F238E27FC236}">
-                <a16:creationId xmlns:a16="http://schemas.microsoft.com/office/drawing/2014/main" id="{3B901850-5E42-409C-A40B-429300FF91F3}"/>
+                <a16:creationId xmlns="" xmlns:a16="http://schemas.microsoft.com/office/drawing/2014/main" id="{3B901850-5E42-409C-A40B-429300FF91F3}"/>
               </a:ext>
             </a:extLst>
           </p:cNvPr>
@@ -1611,7 +1780,7 @@
           <p:cNvPr id="3" name="内容占位符 2">
             <a:extLst>
               <a:ext uri="{FF2B5EF4-FFF2-40B4-BE49-F238E27FC236}">
-                <a16:creationId xmlns:a16="http://schemas.microsoft.com/office/drawing/2014/main" id="{E1D8B5B5-56C2-445D-BAF5-B4940B41DE69}"/>
+                <a16:creationId xmlns="" xmlns:a16="http://schemas.microsoft.com/office/drawing/2014/main" id="{E1D8B5B5-56C2-445D-BAF5-B4940B41DE69}"/>
               </a:ext>
             </a:extLst>
           </p:cNvPr>
@@ -1668,7 +1837,7 @@
           <p:cNvPr id="4" name="日期占位符 3">
             <a:extLst>
               <a:ext uri="{FF2B5EF4-FFF2-40B4-BE49-F238E27FC236}">
-                <a16:creationId xmlns:a16="http://schemas.microsoft.com/office/drawing/2014/main" id="{6A0369C5-ADE1-4A9E-9BB4-B7B8762B2D8A}"/>
+                <a16:creationId xmlns="" xmlns:a16="http://schemas.microsoft.com/office/drawing/2014/main" id="{6A0369C5-ADE1-4A9E-9BB4-B7B8762B2D8A}"/>
               </a:ext>
             </a:extLst>
           </p:cNvPr>
@@ -1711,7 +1880,7 @@
           <p:cNvPr id="5" name="页脚占位符 4">
             <a:extLst>
               <a:ext uri="{FF2B5EF4-FFF2-40B4-BE49-F238E27FC236}">
-                <a16:creationId xmlns:a16="http://schemas.microsoft.com/office/drawing/2014/main" id="{26039A34-1B5E-4C64-9EBC-9D70B75E1C2D}"/>
+                <a16:creationId xmlns="" xmlns:a16="http://schemas.microsoft.com/office/drawing/2014/main" id="{26039A34-1B5E-4C64-9EBC-9D70B75E1C2D}"/>
               </a:ext>
             </a:extLst>
           </p:cNvPr>
@@ -1743,7 +1912,7 @@
           <p:cNvPr id="6" name="灯片编号占位符 5">
             <a:extLst>
               <a:ext uri="{FF2B5EF4-FFF2-40B4-BE49-F238E27FC236}">
-                <a16:creationId xmlns:a16="http://schemas.microsoft.com/office/drawing/2014/main" id="{DE50808B-1E80-4536-886A-3E7DF55A8903}"/>
+                <a16:creationId xmlns="" xmlns:a16="http://schemas.microsoft.com/office/drawing/2014/main" id="{DE50808B-1E80-4536-886A-3E7DF55A8903}"/>
               </a:ext>
             </a:extLst>
           </p:cNvPr>
@@ -1816,7 +1985,7 @@
           <p:cNvPr id="2" name="标题 1">
             <a:extLst>
               <a:ext uri="{FF2B5EF4-FFF2-40B4-BE49-F238E27FC236}">
-                <a16:creationId xmlns:a16="http://schemas.microsoft.com/office/drawing/2014/main" id="{A115171A-B79C-422D-9F6B-235E3D8155BE}"/>
+                <a16:creationId xmlns="" xmlns:a16="http://schemas.microsoft.com/office/drawing/2014/main" id="{A115171A-B79C-422D-9F6B-235E3D8155BE}"/>
               </a:ext>
             </a:extLst>
           </p:cNvPr>
@@ -1853,7 +2022,7 @@
           <p:cNvPr id="3" name="文本占位符 2">
             <a:extLst>
               <a:ext uri="{FF2B5EF4-FFF2-40B4-BE49-F238E27FC236}">
-                <a16:creationId xmlns:a16="http://schemas.microsoft.com/office/drawing/2014/main" id="{2BCDC11C-2739-4645-A3E2-75A59243582F}"/>
+                <a16:creationId xmlns="" xmlns:a16="http://schemas.microsoft.com/office/drawing/2014/main" id="{2BCDC11C-2739-4645-A3E2-75A59243582F}"/>
               </a:ext>
             </a:extLst>
           </p:cNvPr>
@@ -1978,7 +2147,7 @@
           <p:cNvPr id="4" name="日期占位符 3">
             <a:extLst>
               <a:ext uri="{FF2B5EF4-FFF2-40B4-BE49-F238E27FC236}">
-                <a16:creationId xmlns:a16="http://schemas.microsoft.com/office/drawing/2014/main" id="{C4B4C6FA-F97B-4A4C-915C-D626051D53B2}"/>
+                <a16:creationId xmlns="" xmlns:a16="http://schemas.microsoft.com/office/drawing/2014/main" id="{C4B4C6FA-F97B-4A4C-915C-D626051D53B2}"/>
               </a:ext>
             </a:extLst>
           </p:cNvPr>
@@ -2021,7 +2190,7 @@
           <p:cNvPr id="5" name="页脚占位符 4">
             <a:extLst>
               <a:ext uri="{FF2B5EF4-FFF2-40B4-BE49-F238E27FC236}">
-                <a16:creationId xmlns:a16="http://schemas.microsoft.com/office/drawing/2014/main" id="{38DE72DC-9317-435D-9AC2-84A22B64CF51}"/>
+                <a16:creationId xmlns="" xmlns:a16="http://schemas.microsoft.com/office/drawing/2014/main" id="{38DE72DC-9317-435D-9AC2-84A22B64CF51}"/>
               </a:ext>
             </a:extLst>
           </p:cNvPr>
@@ -2053,7 +2222,7 @@
           <p:cNvPr id="6" name="灯片编号占位符 5">
             <a:extLst>
               <a:ext uri="{FF2B5EF4-FFF2-40B4-BE49-F238E27FC236}">
-                <a16:creationId xmlns:a16="http://schemas.microsoft.com/office/drawing/2014/main" id="{81FD245E-3865-458E-B77F-FF1509083582}"/>
+                <a16:creationId xmlns="" xmlns:a16="http://schemas.microsoft.com/office/drawing/2014/main" id="{81FD245E-3865-458E-B77F-FF1509083582}"/>
               </a:ext>
             </a:extLst>
           </p:cNvPr>
@@ -2126,7 +2295,7 @@
           <p:cNvPr id="2" name="标题 1">
             <a:extLst>
               <a:ext uri="{FF2B5EF4-FFF2-40B4-BE49-F238E27FC236}">
-                <a16:creationId xmlns:a16="http://schemas.microsoft.com/office/drawing/2014/main" id="{3917087B-E063-4F30-9A75-DAA193F94160}"/>
+                <a16:creationId xmlns="" xmlns:a16="http://schemas.microsoft.com/office/drawing/2014/main" id="{3917087B-E063-4F30-9A75-DAA193F94160}"/>
               </a:ext>
             </a:extLst>
           </p:cNvPr>
@@ -2154,7 +2323,7 @@
           <p:cNvPr id="3" name="内容占位符 2">
             <a:extLst>
               <a:ext uri="{FF2B5EF4-FFF2-40B4-BE49-F238E27FC236}">
-                <a16:creationId xmlns:a16="http://schemas.microsoft.com/office/drawing/2014/main" id="{FF50BC0F-E395-4398-9508-3C65345EB094}"/>
+                <a16:creationId xmlns="" xmlns:a16="http://schemas.microsoft.com/office/drawing/2014/main" id="{FF50BC0F-E395-4398-9508-3C65345EB094}"/>
               </a:ext>
             </a:extLst>
           </p:cNvPr>
@@ -2216,7 +2385,7 @@
           <p:cNvPr id="4" name="内容占位符 3">
             <a:extLst>
               <a:ext uri="{FF2B5EF4-FFF2-40B4-BE49-F238E27FC236}">
-                <a16:creationId xmlns:a16="http://schemas.microsoft.com/office/drawing/2014/main" id="{C357DE1C-38E8-4657-90F5-CBEA7E26B919}"/>
+                <a16:creationId xmlns="" xmlns:a16="http://schemas.microsoft.com/office/drawing/2014/main" id="{C357DE1C-38E8-4657-90F5-CBEA7E26B919}"/>
               </a:ext>
             </a:extLst>
           </p:cNvPr>
@@ -2278,7 +2447,7 @@
           <p:cNvPr id="5" name="日期占位符 4">
             <a:extLst>
               <a:ext uri="{FF2B5EF4-FFF2-40B4-BE49-F238E27FC236}">
-                <a16:creationId xmlns:a16="http://schemas.microsoft.com/office/drawing/2014/main" id="{AD935ED2-89D0-4B2C-AA8D-F2738B00FB0A}"/>
+                <a16:creationId xmlns="" xmlns:a16="http://schemas.microsoft.com/office/drawing/2014/main" id="{AD935ED2-89D0-4B2C-AA8D-F2738B00FB0A}"/>
               </a:ext>
             </a:extLst>
           </p:cNvPr>
@@ -2321,7 +2490,7 @@
           <p:cNvPr id="6" name="页脚占位符 5">
             <a:extLst>
               <a:ext uri="{FF2B5EF4-FFF2-40B4-BE49-F238E27FC236}">
-                <a16:creationId xmlns:a16="http://schemas.microsoft.com/office/drawing/2014/main" id="{16E945BB-7CF4-48D2-BA1F-5ADD2038290D}"/>
+                <a16:creationId xmlns="" xmlns:a16="http://schemas.microsoft.com/office/drawing/2014/main" id="{16E945BB-7CF4-48D2-BA1F-5ADD2038290D}"/>
               </a:ext>
             </a:extLst>
           </p:cNvPr>
@@ -2353,7 +2522,7 @@
           <p:cNvPr id="7" name="灯片编号占位符 6">
             <a:extLst>
               <a:ext uri="{FF2B5EF4-FFF2-40B4-BE49-F238E27FC236}">
-                <a16:creationId xmlns:a16="http://schemas.microsoft.com/office/drawing/2014/main" id="{755B513F-2021-47EF-94C8-6B39BE7AF7AD}"/>
+                <a16:creationId xmlns="" xmlns:a16="http://schemas.microsoft.com/office/drawing/2014/main" id="{755B513F-2021-47EF-94C8-6B39BE7AF7AD}"/>
               </a:ext>
             </a:extLst>
           </p:cNvPr>
@@ -2426,7 +2595,7 @@
           <p:cNvPr id="2" name="标题 1">
             <a:extLst>
               <a:ext uri="{FF2B5EF4-FFF2-40B4-BE49-F238E27FC236}">
-                <a16:creationId xmlns:a16="http://schemas.microsoft.com/office/drawing/2014/main" id="{B7942CEF-1E81-4240-AFDE-E1D65B3F3928}"/>
+                <a16:creationId xmlns="" xmlns:a16="http://schemas.microsoft.com/office/drawing/2014/main" id="{B7942CEF-1E81-4240-AFDE-E1D65B3F3928}"/>
               </a:ext>
             </a:extLst>
           </p:cNvPr>
@@ -2459,7 +2628,7 @@
           <p:cNvPr id="3" name="文本占位符 2">
             <a:extLst>
               <a:ext uri="{FF2B5EF4-FFF2-40B4-BE49-F238E27FC236}">
-                <a16:creationId xmlns:a16="http://schemas.microsoft.com/office/drawing/2014/main" id="{D488AB64-8AA0-481A-91C6-91395E3B5274}"/>
+                <a16:creationId xmlns="" xmlns:a16="http://schemas.microsoft.com/office/drawing/2014/main" id="{D488AB64-8AA0-481A-91C6-91395E3B5274}"/>
               </a:ext>
             </a:extLst>
           </p:cNvPr>
@@ -2530,7 +2699,7 @@
           <p:cNvPr id="4" name="内容占位符 3">
             <a:extLst>
               <a:ext uri="{FF2B5EF4-FFF2-40B4-BE49-F238E27FC236}">
-                <a16:creationId xmlns:a16="http://schemas.microsoft.com/office/drawing/2014/main" id="{F9F12DF2-B199-4070-A5EF-1D66B1BAA290}"/>
+                <a16:creationId xmlns="" xmlns:a16="http://schemas.microsoft.com/office/drawing/2014/main" id="{F9F12DF2-B199-4070-A5EF-1D66B1BAA290}"/>
               </a:ext>
             </a:extLst>
           </p:cNvPr>
@@ -2592,7 +2761,7 @@
           <p:cNvPr id="5" name="文本占位符 4">
             <a:extLst>
               <a:ext uri="{FF2B5EF4-FFF2-40B4-BE49-F238E27FC236}">
-                <a16:creationId xmlns:a16="http://schemas.microsoft.com/office/drawing/2014/main" id="{F53A0C5E-AB2F-436B-98C0-904ECC8AB794}"/>
+                <a16:creationId xmlns="" xmlns:a16="http://schemas.microsoft.com/office/drawing/2014/main" id="{F53A0C5E-AB2F-436B-98C0-904ECC8AB794}"/>
               </a:ext>
             </a:extLst>
           </p:cNvPr>
@@ -2663,7 +2832,7 @@
           <p:cNvPr id="6" name="内容占位符 5">
             <a:extLst>
               <a:ext uri="{FF2B5EF4-FFF2-40B4-BE49-F238E27FC236}">
-                <a16:creationId xmlns:a16="http://schemas.microsoft.com/office/drawing/2014/main" id="{C0B8CAFD-4690-4E76-BA79-7FDF2F5300A6}"/>
+                <a16:creationId xmlns="" xmlns:a16="http://schemas.microsoft.com/office/drawing/2014/main" id="{C0B8CAFD-4690-4E76-BA79-7FDF2F5300A6}"/>
               </a:ext>
             </a:extLst>
           </p:cNvPr>
@@ -2725,7 +2894,7 @@
           <p:cNvPr id="7" name="日期占位符 6">
             <a:extLst>
               <a:ext uri="{FF2B5EF4-FFF2-40B4-BE49-F238E27FC236}">
-                <a16:creationId xmlns:a16="http://schemas.microsoft.com/office/drawing/2014/main" id="{66F39C9E-DB77-493C-B3ED-9011418175C8}"/>
+                <a16:creationId xmlns="" xmlns:a16="http://schemas.microsoft.com/office/drawing/2014/main" id="{66F39C9E-DB77-493C-B3ED-9011418175C8}"/>
               </a:ext>
             </a:extLst>
           </p:cNvPr>
@@ -2768,7 +2937,7 @@
           <p:cNvPr id="8" name="页脚占位符 7">
             <a:extLst>
               <a:ext uri="{FF2B5EF4-FFF2-40B4-BE49-F238E27FC236}">
-                <a16:creationId xmlns:a16="http://schemas.microsoft.com/office/drawing/2014/main" id="{1663A30C-82BC-46DB-8F06-36D87050C8CF}"/>
+                <a16:creationId xmlns="" xmlns:a16="http://schemas.microsoft.com/office/drawing/2014/main" id="{1663A30C-82BC-46DB-8F06-36D87050C8CF}"/>
               </a:ext>
             </a:extLst>
           </p:cNvPr>
@@ -2800,7 +2969,7 @@
           <p:cNvPr id="9" name="灯片编号占位符 8">
             <a:extLst>
               <a:ext uri="{FF2B5EF4-FFF2-40B4-BE49-F238E27FC236}">
-                <a16:creationId xmlns:a16="http://schemas.microsoft.com/office/drawing/2014/main" id="{BAFD7E5C-3920-40C4-A1B3-C100EBF73E2B}"/>
+                <a16:creationId xmlns="" xmlns:a16="http://schemas.microsoft.com/office/drawing/2014/main" id="{BAFD7E5C-3920-40C4-A1B3-C100EBF73E2B}"/>
               </a:ext>
             </a:extLst>
           </p:cNvPr>
@@ -2873,7 +3042,7 @@
           <p:cNvPr id="2" name="标题 1">
             <a:extLst>
               <a:ext uri="{FF2B5EF4-FFF2-40B4-BE49-F238E27FC236}">
-                <a16:creationId xmlns:a16="http://schemas.microsoft.com/office/drawing/2014/main" id="{579CB88E-5BC7-4B28-A5F1-CA7165F15A6C}"/>
+                <a16:creationId xmlns="" xmlns:a16="http://schemas.microsoft.com/office/drawing/2014/main" id="{579CB88E-5BC7-4B28-A5F1-CA7165F15A6C}"/>
               </a:ext>
             </a:extLst>
           </p:cNvPr>
@@ -2901,7 +3070,7 @@
           <p:cNvPr id="3" name="日期占位符 2">
             <a:extLst>
               <a:ext uri="{FF2B5EF4-FFF2-40B4-BE49-F238E27FC236}">
-                <a16:creationId xmlns:a16="http://schemas.microsoft.com/office/drawing/2014/main" id="{C90AEBDB-B99D-49D8-8841-F295D0242826}"/>
+                <a16:creationId xmlns="" xmlns:a16="http://schemas.microsoft.com/office/drawing/2014/main" id="{C90AEBDB-B99D-49D8-8841-F295D0242826}"/>
               </a:ext>
             </a:extLst>
           </p:cNvPr>
@@ -2944,7 +3113,7 @@
           <p:cNvPr id="4" name="页脚占位符 3">
             <a:extLst>
               <a:ext uri="{FF2B5EF4-FFF2-40B4-BE49-F238E27FC236}">
-                <a16:creationId xmlns:a16="http://schemas.microsoft.com/office/drawing/2014/main" id="{0E0E1B7D-C6A8-443E-B341-7A65324028C1}"/>
+                <a16:creationId xmlns="" xmlns:a16="http://schemas.microsoft.com/office/drawing/2014/main" id="{0E0E1B7D-C6A8-443E-B341-7A65324028C1}"/>
               </a:ext>
             </a:extLst>
           </p:cNvPr>
@@ -2976,7 +3145,7 @@
           <p:cNvPr id="5" name="灯片编号占位符 4">
             <a:extLst>
               <a:ext uri="{FF2B5EF4-FFF2-40B4-BE49-F238E27FC236}">
-                <a16:creationId xmlns:a16="http://schemas.microsoft.com/office/drawing/2014/main" id="{CB57A735-1833-40D3-B017-B4AC8278D7E1}"/>
+                <a16:creationId xmlns="" xmlns:a16="http://schemas.microsoft.com/office/drawing/2014/main" id="{CB57A735-1833-40D3-B017-B4AC8278D7E1}"/>
               </a:ext>
             </a:extLst>
           </p:cNvPr>
@@ -3049,7 +3218,7 @@
           <p:cNvPr id="2" name="日期占位符 1">
             <a:extLst>
               <a:ext uri="{FF2B5EF4-FFF2-40B4-BE49-F238E27FC236}">
-                <a16:creationId xmlns:a16="http://schemas.microsoft.com/office/drawing/2014/main" id="{46673B50-E800-420B-8E03-335209D7630D}"/>
+                <a16:creationId xmlns="" xmlns:a16="http://schemas.microsoft.com/office/drawing/2014/main" id="{46673B50-E800-420B-8E03-335209D7630D}"/>
               </a:ext>
             </a:extLst>
           </p:cNvPr>
@@ -3092,7 +3261,7 @@
           <p:cNvPr id="3" name="页脚占位符 2">
             <a:extLst>
               <a:ext uri="{FF2B5EF4-FFF2-40B4-BE49-F238E27FC236}">
-                <a16:creationId xmlns:a16="http://schemas.microsoft.com/office/drawing/2014/main" id="{111590AA-59C8-475E-A80E-B3CBC55BB742}"/>
+                <a16:creationId xmlns="" xmlns:a16="http://schemas.microsoft.com/office/drawing/2014/main" id="{111590AA-59C8-475E-A80E-B3CBC55BB742}"/>
               </a:ext>
             </a:extLst>
           </p:cNvPr>
@@ -3124,7 +3293,7 @@
           <p:cNvPr id="4" name="灯片编号占位符 3">
             <a:extLst>
               <a:ext uri="{FF2B5EF4-FFF2-40B4-BE49-F238E27FC236}">
-                <a16:creationId xmlns:a16="http://schemas.microsoft.com/office/drawing/2014/main" id="{B25D38E6-0BD1-4C30-AFE1-4A17AEAB2F6F}"/>
+                <a16:creationId xmlns="" xmlns:a16="http://schemas.microsoft.com/office/drawing/2014/main" id="{B25D38E6-0BD1-4C30-AFE1-4A17AEAB2F6F}"/>
               </a:ext>
             </a:extLst>
           </p:cNvPr>
@@ -3197,7 +3366,7 @@
           <p:cNvPr id="2" name="标题 1">
             <a:extLst>
               <a:ext uri="{FF2B5EF4-FFF2-40B4-BE49-F238E27FC236}">
-                <a16:creationId xmlns:a16="http://schemas.microsoft.com/office/drawing/2014/main" id="{63C72369-1EAC-45C0-A3A1-F5C624137B30}"/>
+                <a16:creationId xmlns="" xmlns:a16="http://schemas.microsoft.com/office/drawing/2014/main" id="{63C72369-1EAC-45C0-A3A1-F5C624137B30}"/>
               </a:ext>
             </a:extLst>
           </p:cNvPr>
@@ -3234,7 +3403,7 @@
           <p:cNvPr id="3" name="内容占位符 2">
             <a:extLst>
               <a:ext uri="{FF2B5EF4-FFF2-40B4-BE49-F238E27FC236}">
-                <a16:creationId xmlns:a16="http://schemas.microsoft.com/office/drawing/2014/main" id="{341C33CC-1D49-48B9-AD8D-C026374D4048}"/>
+                <a16:creationId xmlns="" xmlns:a16="http://schemas.microsoft.com/office/drawing/2014/main" id="{341C33CC-1D49-48B9-AD8D-C026374D4048}"/>
               </a:ext>
             </a:extLst>
           </p:cNvPr>
@@ -3324,7 +3493,7 @@
           <p:cNvPr id="4" name="文本占位符 3">
             <a:extLst>
               <a:ext uri="{FF2B5EF4-FFF2-40B4-BE49-F238E27FC236}">
-                <a16:creationId xmlns:a16="http://schemas.microsoft.com/office/drawing/2014/main" id="{AB1496AC-4EE6-49C3-8C9B-EF5DF2FA8938}"/>
+                <a16:creationId xmlns="" xmlns:a16="http://schemas.microsoft.com/office/drawing/2014/main" id="{AB1496AC-4EE6-49C3-8C9B-EF5DF2FA8938}"/>
               </a:ext>
             </a:extLst>
           </p:cNvPr>
@@ -3395,7 +3564,7 @@
           <p:cNvPr id="5" name="日期占位符 4">
             <a:extLst>
               <a:ext uri="{FF2B5EF4-FFF2-40B4-BE49-F238E27FC236}">
-                <a16:creationId xmlns:a16="http://schemas.microsoft.com/office/drawing/2014/main" id="{7A833486-B6E2-4A6A-8556-C93BA0BFC9D5}"/>
+                <a16:creationId xmlns="" xmlns:a16="http://schemas.microsoft.com/office/drawing/2014/main" id="{7A833486-B6E2-4A6A-8556-C93BA0BFC9D5}"/>
               </a:ext>
             </a:extLst>
           </p:cNvPr>
@@ -3438,7 +3607,7 @@
           <p:cNvPr id="6" name="页脚占位符 5">
             <a:extLst>
               <a:ext uri="{FF2B5EF4-FFF2-40B4-BE49-F238E27FC236}">
-                <a16:creationId xmlns:a16="http://schemas.microsoft.com/office/drawing/2014/main" id="{0CAA03D7-D362-4D9A-A42F-E0B61F8EFFB2}"/>
+                <a16:creationId xmlns="" xmlns:a16="http://schemas.microsoft.com/office/drawing/2014/main" id="{0CAA03D7-D362-4D9A-A42F-E0B61F8EFFB2}"/>
               </a:ext>
             </a:extLst>
           </p:cNvPr>
@@ -3470,7 +3639,7 @@
           <p:cNvPr id="7" name="灯片编号占位符 6">
             <a:extLst>
               <a:ext uri="{FF2B5EF4-FFF2-40B4-BE49-F238E27FC236}">
-                <a16:creationId xmlns:a16="http://schemas.microsoft.com/office/drawing/2014/main" id="{712E8C6E-626E-4B49-9AB5-8FDC322F6658}"/>
+                <a16:creationId xmlns="" xmlns:a16="http://schemas.microsoft.com/office/drawing/2014/main" id="{712E8C6E-626E-4B49-9AB5-8FDC322F6658}"/>
               </a:ext>
             </a:extLst>
           </p:cNvPr>
@@ -3543,7 +3712,7 @@
           <p:cNvPr id="2" name="标题 1">
             <a:extLst>
               <a:ext uri="{FF2B5EF4-FFF2-40B4-BE49-F238E27FC236}">
-                <a16:creationId xmlns:a16="http://schemas.microsoft.com/office/drawing/2014/main" id="{3B901850-5E42-409C-A40B-429300FF91F3}"/>
+                <a16:creationId xmlns="" xmlns:a16="http://schemas.microsoft.com/office/drawing/2014/main" id="{3B901850-5E42-409C-A40B-429300FF91F3}"/>
               </a:ext>
             </a:extLst>
           </p:cNvPr>
@@ -3571,7 +3740,7 @@
           <p:cNvPr id="3" name="内容占位符 2">
             <a:extLst>
               <a:ext uri="{FF2B5EF4-FFF2-40B4-BE49-F238E27FC236}">
-                <a16:creationId xmlns:a16="http://schemas.microsoft.com/office/drawing/2014/main" id="{E1D8B5B5-56C2-445D-BAF5-B4940B41DE69}"/>
+                <a16:creationId xmlns="" xmlns:a16="http://schemas.microsoft.com/office/drawing/2014/main" id="{E1D8B5B5-56C2-445D-BAF5-B4940B41DE69}"/>
               </a:ext>
             </a:extLst>
           </p:cNvPr>
@@ -3628,7 +3797,7 @@
           <p:cNvPr id="4" name="日期占位符 3">
             <a:extLst>
               <a:ext uri="{FF2B5EF4-FFF2-40B4-BE49-F238E27FC236}">
-                <a16:creationId xmlns:a16="http://schemas.microsoft.com/office/drawing/2014/main" id="{6A0369C5-ADE1-4A9E-9BB4-B7B8762B2D8A}"/>
+                <a16:creationId xmlns="" xmlns:a16="http://schemas.microsoft.com/office/drawing/2014/main" id="{6A0369C5-ADE1-4A9E-9BB4-B7B8762B2D8A}"/>
               </a:ext>
             </a:extLst>
           </p:cNvPr>
@@ -3671,7 +3840,7 @@
           <p:cNvPr id="5" name="页脚占位符 4">
             <a:extLst>
               <a:ext uri="{FF2B5EF4-FFF2-40B4-BE49-F238E27FC236}">
-                <a16:creationId xmlns:a16="http://schemas.microsoft.com/office/drawing/2014/main" id="{26039A34-1B5E-4C64-9EBC-9D70B75E1C2D}"/>
+                <a16:creationId xmlns="" xmlns:a16="http://schemas.microsoft.com/office/drawing/2014/main" id="{26039A34-1B5E-4C64-9EBC-9D70B75E1C2D}"/>
               </a:ext>
             </a:extLst>
           </p:cNvPr>
@@ -3703,7 +3872,7 @@
           <p:cNvPr id="6" name="灯片编号占位符 5">
             <a:extLst>
               <a:ext uri="{FF2B5EF4-FFF2-40B4-BE49-F238E27FC236}">
-                <a16:creationId xmlns:a16="http://schemas.microsoft.com/office/drawing/2014/main" id="{DE50808B-1E80-4536-886A-3E7DF55A8903}"/>
+                <a16:creationId xmlns="" xmlns:a16="http://schemas.microsoft.com/office/drawing/2014/main" id="{DE50808B-1E80-4536-886A-3E7DF55A8903}"/>
               </a:ext>
             </a:extLst>
           </p:cNvPr>
@@ -3776,7 +3945,7 @@
           <p:cNvPr id="2" name="标题 1">
             <a:extLst>
               <a:ext uri="{FF2B5EF4-FFF2-40B4-BE49-F238E27FC236}">
-                <a16:creationId xmlns:a16="http://schemas.microsoft.com/office/drawing/2014/main" id="{57C37C44-793F-49FD-B6FE-3B75D7DDF62B}"/>
+                <a16:creationId xmlns="" xmlns:a16="http://schemas.microsoft.com/office/drawing/2014/main" id="{57C37C44-793F-49FD-B6FE-3B75D7DDF62B}"/>
               </a:ext>
             </a:extLst>
           </p:cNvPr>
@@ -3813,7 +3982,7 @@
           <p:cNvPr id="3" name="图片占位符 2">
             <a:extLst>
               <a:ext uri="{FF2B5EF4-FFF2-40B4-BE49-F238E27FC236}">
-                <a16:creationId xmlns:a16="http://schemas.microsoft.com/office/drawing/2014/main" id="{A15269EA-5160-427F-BF62-2693283B08DC}"/>
+                <a16:creationId xmlns="" xmlns:a16="http://schemas.microsoft.com/office/drawing/2014/main" id="{A15269EA-5160-427F-BF62-2693283B08DC}"/>
               </a:ext>
             </a:extLst>
           </p:cNvPr>
@@ -3880,7 +4049,7 @@
           <p:cNvPr id="4" name="文本占位符 3">
             <a:extLst>
               <a:ext uri="{FF2B5EF4-FFF2-40B4-BE49-F238E27FC236}">
-                <a16:creationId xmlns:a16="http://schemas.microsoft.com/office/drawing/2014/main" id="{0AFCC153-328C-4C97-B267-6616D8AA2D96}"/>
+                <a16:creationId xmlns="" xmlns:a16="http://schemas.microsoft.com/office/drawing/2014/main" id="{0AFCC153-328C-4C97-B267-6616D8AA2D96}"/>
               </a:ext>
             </a:extLst>
           </p:cNvPr>
@@ -3951,7 +4120,7 @@
           <p:cNvPr id="5" name="日期占位符 4">
             <a:extLst>
               <a:ext uri="{FF2B5EF4-FFF2-40B4-BE49-F238E27FC236}">
-                <a16:creationId xmlns:a16="http://schemas.microsoft.com/office/drawing/2014/main" id="{FAC4898A-9FFF-4726-9172-1B83945CE173}"/>
+                <a16:creationId xmlns="" xmlns:a16="http://schemas.microsoft.com/office/drawing/2014/main" id="{FAC4898A-9FFF-4726-9172-1B83945CE173}"/>
               </a:ext>
             </a:extLst>
           </p:cNvPr>
@@ -3994,7 +4163,7 @@
           <p:cNvPr id="6" name="页脚占位符 5">
             <a:extLst>
               <a:ext uri="{FF2B5EF4-FFF2-40B4-BE49-F238E27FC236}">
-                <a16:creationId xmlns:a16="http://schemas.microsoft.com/office/drawing/2014/main" id="{D62ED8E6-A756-4AFF-BFCE-9AF96E483BA7}"/>
+                <a16:creationId xmlns="" xmlns:a16="http://schemas.microsoft.com/office/drawing/2014/main" id="{D62ED8E6-A756-4AFF-BFCE-9AF96E483BA7}"/>
               </a:ext>
             </a:extLst>
           </p:cNvPr>
@@ -4026,7 +4195,7 @@
           <p:cNvPr id="7" name="灯片编号占位符 6">
             <a:extLst>
               <a:ext uri="{FF2B5EF4-FFF2-40B4-BE49-F238E27FC236}">
-                <a16:creationId xmlns:a16="http://schemas.microsoft.com/office/drawing/2014/main" id="{03B7512B-DEF3-4D01-B3EA-A828ABEAE69A}"/>
+                <a16:creationId xmlns="" xmlns:a16="http://schemas.microsoft.com/office/drawing/2014/main" id="{03B7512B-DEF3-4D01-B3EA-A828ABEAE69A}"/>
               </a:ext>
             </a:extLst>
           </p:cNvPr>
@@ -4099,7 +4268,7 @@
           <p:cNvPr id="2" name="标题 1">
             <a:extLst>
               <a:ext uri="{FF2B5EF4-FFF2-40B4-BE49-F238E27FC236}">
-                <a16:creationId xmlns:a16="http://schemas.microsoft.com/office/drawing/2014/main" id="{5106DD19-863A-4173-A7DD-343666B6AE37}"/>
+                <a16:creationId xmlns="" xmlns:a16="http://schemas.microsoft.com/office/drawing/2014/main" id="{5106DD19-863A-4173-A7DD-343666B6AE37}"/>
               </a:ext>
             </a:extLst>
           </p:cNvPr>
@@ -4127,7 +4296,7 @@
           <p:cNvPr id="3" name="竖排文字占位符 2">
             <a:extLst>
               <a:ext uri="{FF2B5EF4-FFF2-40B4-BE49-F238E27FC236}">
-                <a16:creationId xmlns:a16="http://schemas.microsoft.com/office/drawing/2014/main" id="{C49E998E-C471-4CE9-8D1D-DCDBC2627F97}"/>
+                <a16:creationId xmlns="" xmlns:a16="http://schemas.microsoft.com/office/drawing/2014/main" id="{C49E998E-C471-4CE9-8D1D-DCDBC2627F97}"/>
               </a:ext>
             </a:extLst>
           </p:cNvPr>
@@ -4184,7 +4353,7 @@
           <p:cNvPr id="4" name="日期占位符 3">
             <a:extLst>
               <a:ext uri="{FF2B5EF4-FFF2-40B4-BE49-F238E27FC236}">
-                <a16:creationId xmlns:a16="http://schemas.microsoft.com/office/drawing/2014/main" id="{525666F0-615B-4046-9A44-9BE1310A59B8}"/>
+                <a16:creationId xmlns="" xmlns:a16="http://schemas.microsoft.com/office/drawing/2014/main" id="{525666F0-615B-4046-9A44-9BE1310A59B8}"/>
               </a:ext>
             </a:extLst>
           </p:cNvPr>
@@ -4227,7 +4396,7 @@
           <p:cNvPr id="5" name="页脚占位符 4">
             <a:extLst>
               <a:ext uri="{FF2B5EF4-FFF2-40B4-BE49-F238E27FC236}">
-                <a16:creationId xmlns:a16="http://schemas.microsoft.com/office/drawing/2014/main" id="{52A6DCCC-7181-46BF-978B-9D96A4458FB4}"/>
+                <a16:creationId xmlns="" xmlns:a16="http://schemas.microsoft.com/office/drawing/2014/main" id="{52A6DCCC-7181-46BF-978B-9D96A4458FB4}"/>
               </a:ext>
             </a:extLst>
           </p:cNvPr>
@@ -4259,7 +4428,7 @@
           <p:cNvPr id="6" name="灯片编号占位符 5">
             <a:extLst>
               <a:ext uri="{FF2B5EF4-FFF2-40B4-BE49-F238E27FC236}">
-                <a16:creationId xmlns:a16="http://schemas.microsoft.com/office/drawing/2014/main" id="{5529F146-305D-428C-B06D-627ECEE1BC28}"/>
+                <a16:creationId xmlns="" xmlns:a16="http://schemas.microsoft.com/office/drawing/2014/main" id="{5529F146-305D-428C-B06D-627ECEE1BC28}"/>
               </a:ext>
             </a:extLst>
           </p:cNvPr>
@@ -4332,7 +4501,7 @@
           <p:cNvPr id="2" name="竖排标题 1">
             <a:extLst>
               <a:ext uri="{FF2B5EF4-FFF2-40B4-BE49-F238E27FC236}">
-                <a16:creationId xmlns:a16="http://schemas.microsoft.com/office/drawing/2014/main" id="{640C0A29-BA35-4D37-B38D-A1D697072C13}"/>
+                <a16:creationId xmlns="" xmlns:a16="http://schemas.microsoft.com/office/drawing/2014/main" id="{640C0A29-BA35-4D37-B38D-A1D697072C13}"/>
               </a:ext>
             </a:extLst>
           </p:cNvPr>
@@ -4365,7 +4534,7 @@
           <p:cNvPr id="3" name="竖排文字占位符 2">
             <a:extLst>
               <a:ext uri="{FF2B5EF4-FFF2-40B4-BE49-F238E27FC236}">
-                <a16:creationId xmlns:a16="http://schemas.microsoft.com/office/drawing/2014/main" id="{7180B562-8662-40FC-B4FD-9F6B037F0DBF}"/>
+                <a16:creationId xmlns="" xmlns:a16="http://schemas.microsoft.com/office/drawing/2014/main" id="{7180B562-8662-40FC-B4FD-9F6B037F0DBF}"/>
               </a:ext>
             </a:extLst>
           </p:cNvPr>
@@ -4427,7 +4596,7 @@
           <p:cNvPr id="4" name="日期占位符 3">
             <a:extLst>
               <a:ext uri="{FF2B5EF4-FFF2-40B4-BE49-F238E27FC236}">
-                <a16:creationId xmlns:a16="http://schemas.microsoft.com/office/drawing/2014/main" id="{D35698FC-2778-462B-9CB4-343D95B25CBB}"/>
+                <a16:creationId xmlns="" xmlns:a16="http://schemas.microsoft.com/office/drawing/2014/main" id="{D35698FC-2778-462B-9CB4-343D95B25CBB}"/>
               </a:ext>
             </a:extLst>
           </p:cNvPr>
@@ -4470,7 +4639,7 @@
           <p:cNvPr id="5" name="页脚占位符 4">
             <a:extLst>
               <a:ext uri="{FF2B5EF4-FFF2-40B4-BE49-F238E27FC236}">
-                <a16:creationId xmlns:a16="http://schemas.microsoft.com/office/drawing/2014/main" id="{6A87B416-60A7-4FED-8C85-C2372A2C9C6A}"/>
+                <a16:creationId xmlns="" xmlns:a16="http://schemas.microsoft.com/office/drawing/2014/main" id="{6A87B416-60A7-4FED-8C85-C2372A2C9C6A}"/>
               </a:ext>
             </a:extLst>
           </p:cNvPr>
@@ -4502,7 +4671,7 @@
           <p:cNvPr id="6" name="灯片编号占位符 5">
             <a:extLst>
               <a:ext uri="{FF2B5EF4-FFF2-40B4-BE49-F238E27FC236}">
-                <a16:creationId xmlns:a16="http://schemas.microsoft.com/office/drawing/2014/main" id="{D929907B-D747-4776-8DF9-49A75218492D}"/>
+                <a16:creationId xmlns="" xmlns:a16="http://schemas.microsoft.com/office/drawing/2014/main" id="{D929907B-D747-4776-8DF9-49A75218492D}"/>
               </a:ext>
             </a:extLst>
           </p:cNvPr>
@@ -4575,7 +4744,7 @@
           <p:cNvPr id="2" name="标题 1">
             <a:extLst>
               <a:ext uri="{FF2B5EF4-FFF2-40B4-BE49-F238E27FC236}">
-                <a16:creationId xmlns:a16="http://schemas.microsoft.com/office/drawing/2014/main" id="{4CDA0CE5-9BBF-4B0F-8419-84C4A33B239C}"/>
+                <a16:creationId xmlns="" xmlns:a16="http://schemas.microsoft.com/office/drawing/2014/main" id="{4CDA0CE5-9BBF-4B0F-8419-84C4A33B239C}"/>
               </a:ext>
             </a:extLst>
           </p:cNvPr>
@@ -4612,7 +4781,7 @@
           <p:cNvPr id="3" name="副标题 2">
             <a:extLst>
               <a:ext uri="{FF2B5EF4-FFF2-40B4-BE49-F238E27FC236}">
-                <a16:creationId xmlns:a16="http://schemas.microsoft.com/office/drawing/2014/main" id="{03040E88-1C35-4C9C-B763-30DEDBEC1E8F}"/>
+                <a16:creationId xmlns="" xmlns:a16="http://schemas.microsoft.com/office/drawing/2014/main" id="{03040E88-1C35-4C9C-B763-30DEDBEC1E8F}"/>
               </a:ext>
             </a:extLst>
           </p:cNvPr>
@@ -4682,7 +4851,7 @@
           <p:cNvPr id="4" name="日期占位符 3">
             <a:extLst>
               <a:ext uri="{FF2B5EF4-FFF2-40B4-BE49-F238E27FC236}">
-                <a16:creationId xmlns:a16="http://schemas.microsoft.com/office/drawing/2014/main" id="{74A2F367-CB10-426F-9C24-BE0E648E1F79}"/>
+                <a16:creationId xmlns="" xmlns:a16="http://schemas.microsoft.com/office/drawing/2014/main" id="{74A2F367-CB10-426F-9C24-BE0E648E1F79}"/>
               </a:ext>
             </a:extLst>
           </p:cNvPr>
@@ -4725,7 +4894,7 @@
           <p:cNvPr id="5" name="页脚占位符 4">
             <a:extLst>
               <a:ext uri="{FF2B5EF4-FFF2-40B4-BE49-F238E27FC236}">
-                <a16:creationId xmlns:a16="http://schemas.microsoft.com/office/drawing/2014/main" id="{087FD322-4C8C-4EDC-BA44-5452C8097CBC}"/>
+                <a16:creationId xmlns="" xmlns:a16="http://schemas.microsoft.com/office/drawing/2014/main" id="{087FD322-4C8C-4EDC-BA44-5452C8097CBC}"/>
               </a:ext>
             </a:extLst>
           </p:cNvPr>
@@ -4757,7 +4926,7 @@
           <p:cNvPr id="6" name="灯片编号占位符 5">
             <a:extLst>
               <a:ext uri="{FF2B5EF4-FFF2-40B4-BE49-F238E27FC236}">
-                <a16:creationId xmlns:a16="http://schemas.microsoft.com/office/drawing/2014/main" id="{175CD708-2C70-4B9D-BF42-78FB9EDB54C1}"/>
+                <a16:creationId xmlns="" xmlns:a16="http://schemas.microsoft.com/office/drawing/2014/main" id="{175CD708-2C70-4B9D-BF42-78FB9EDB54C1}"/>
               </a:ext>
             </a:extLst>
           </p:cNvPr>
@@ -4830,7 +4999,7 @@
           <p:cNvPr id="2" name="标题 1">
             <a:extLst>
               <a:ext uri="{FF2B5EF4-FFF2-40B4-BE49-F238E27FC236}">
-                <a16:creationId xmlns:a16="http://schemas.microsoft.com/office/drawing/2014/main" id="{3B901850-5E42-409C-A40B-429300FF91F3}"/>
+                <a16:creationId xmlns="" xmlns:a16="http://schemas.microsoft.com/office/drawing/2014/main" id="{3B901850-5E42-409C-A40B-429300FF91F3}"/>
               </a:ext>
             </a:extLst>
           </p:cNvPr>
@@ -4858,7 +5027,7 @@
           <p:cNvPr id="3" name="内容占位符 2">
             <a:extLst>
               <a:ext uri="{FF2B5EF4-FFF2-40B4-BE49-F238E27FC236}">
-                <a16:creationId xmlns:a16="http://schemas.microsoft.com/office/drawing/2014/main" id="{E1D8B5B5-56C2-445D-BAF5-B4940B41DE69}"/>
+                <a16:creationId xmlns="" xmlns:a16="http://schemas.microsoft.com/office/drawing/2014/main" id="{E1D8B5B5-56C2-445D-BAF5-B4940B41DE69}"/>
               </a:ext>
             </a:extLst>
           </p:cNvPr>
@@ -4915,7 +5084,7 @@
           <p:cNvPr id="4" name="日期占位符 3">
             <a:extLst>
               <a:ext uri="{FF2B5EF4-FFF2-40B4-BE49-F238E27FC236}">
-                <a16:creationId xmlns:a16="http://schemas.microsoft.com/office/drawing/2014/main" id="{6A0369C5-ADE1-4A9E-9BB4-B7B8762B2D8A}"/>
+                <a16:creationId xmlns="" xmlns:a16="http://schemas.microsoft.com/office/drawing/2014/main" id="{6A0369C5-ADE1-4A9E-9BB4-B7B8762B2D8A}"/>
               </a:ext>
             </a:extLst>
           </p:cNvPr>
@@ -4958,7 +5127,7 @@
           <p:cNvPr id="5" name="页脚占位符 4">
             <a:extLst>
               <a:ext uri="{FF2B5EF4-FFF2-40B4-BE49-F238E27FC236}">
-                <a16:creationId xmlns:a16="http://schemas.microsoft.com/office/drawing/2014/main" id="{26039A34-1B5E-4C64-9EBC-9D70B75E1C2D}"/>
+                <a16:creationId xmlns="" xmlns:a16="http://schemas.microsoft.com/office/drawing/2014/main" id="{26039A34-1B5E-4C64-9EBC-9D70B75E1C2D}"/>
               </a:ext>
             </a:extLst>
           </p:cNvPr>
@@ -4990,7 +5159,7 @@
           <p:cNvPr id="6" name="灯片编号占位符 5">
             <a:extLst>
               <a:ext uri="{FF2B5EF4-FFF2-40B4-BE49-F238E27FC236}">
-                <a16:creationId xmlns:a16="http://schemas.microsoft.com/office/drawing/2014/main" id="{DE50808B-1E80-4536-886A-3E7DF55A8903}"/>
+                <a16:creationId xmlns="" xmlns:a16="http://schemas.microsoft.com/office/drawing/2014/main" id="{DE50808B-1E80-4536-886A-3E7DF55A8903}"/>
               </a:ext>
             </a:extLst>
           </p:cNvPr>
@@ -5063,7 +5232,7 @@
           <p:cNvPr id="2" name="标题 1">
             <a:extLst>
               <a:ext uri="{FF2B5EF4-FFF2-40B4-BE49-F238E27FC236}">
-                <a16:creationId xmlns:a16="http://schemas.microsoft.com/office/drawing/2014/main" id="{A115171A-B79C-422D-9F6B-235E3D8155BE}"/>
+                <a16:creationId xmlns="" xmlns:a16="http://schemas.microsoft.com/office/drawing/2014/main" id="{A115171A-B79C-422D-9F6B-235E3D8155BE}"/>
               </a:ext>
             </a:extLst>
           </p:cNvPr>
@@ -5100,7 +5269,7 @@
           <p:cNvPr id="3" name="文本占位符 2">
             <a:extLst>
               <a:ext uri="{FF2B5EF4-FFF2-40B4-BE49-F238E27FC236}">
-                <a16:creationId xmlns:a16="http://schemas.microsoft.com/office/drawing/2014/main" id="{2BCDC11C-2739-4645-A3E2-75A59243582F}"/>
+                <a16:creationId xmlns="" xmlns:a16="http://schemas.microsoft.com/office/drawing/2014/main" id="{2BCDC11C-2739-4645-A3E2-75A59243582F}"/>
               </a:ext>
             </a:extLst>
           </p:cNvPr>
@@ -5225,7 +5394,7 @@
           <p:cNvPr id="4" name="日期占位符 3">
             <a:extLst>
               <a:ext uri="{FF2B5EF4-FFF2-40B4-BE49-F238E27FC236}">
-                <a16:creationId xmlns:a16="http://schemas.microsoft.com/office/drawing/2014/main" id="{C4B4C6FA-F97B-4A4C-915C-D626051D53B2}"/>
+                <a16:creationId xmlns="" xmlns:a16="http://schemas.microsoft.com/office/drawing/2014/main" id="{C4B4C6FA-F97B-4A4C-915C-D626051D53B2}"/>
               </a:ext>
             </a:extLst>
           </p:cNvPr>
@@ -5268,7 +5437,7 @@
           <p:cNvPr id="5" name="页脚占位符 4">
             <a:extLst>
               <a:ext uri="{FF2B5EF4-FFF2-40B4-BE49-F238E27FC236}">
-                <a16:creationId xmlns:a16="http://schemas.microsoft.com/office/drawing/2014/main" id="{38DE72DC-9317-435D-9AC2-84A22B64CF51}"/>
+                <a16:creationId xmlns="" xmlns:a16="http://schemas.microsoft.com/office/drawing/2014/main" id="{38DE72DC-9317-435D-9AC2-84A22B64CF51}"/>
               </a:ext>
             </a:extLst>
           </p:cNvPr>
@@ -5300,7 +5469,7 @@
           <p:cNvPr id="6" name="灯片编号占位符 5">
             <a:extLst>
               <a:ext uri="{FF2B5EF4-FFF2-40B4-BE49-F238E27FC236}">
-                <a16:creationId xmlns:a16="http://schemas.microsoft.com/office/drawing/2014/main" id="{81FD245E-3865-458E-B77F-FF1509083582}"/>
+                <a16:creationId xmlns="" xmlns:a16="http://schemas.microsoft.com/office/drawing/2014/main" id="{81FD245E-3865-458E-B77F-FF1509083582}"/>
               </a:ext>
             </a:extLst>
           </p:cNvPr>
@@ -5373,7 +5542,7 @@
           <p:cNvPr id="2" name="标题 1">
             <a:extLst>
               <a:ext uri="{FF2B5EF4-FFF2-40B4-BE49-F238E27FC236}">
-                <a16:creationId xmlns:a16="http://schemas.microsoft.com/office/drawing/2014/main" id="{3917087B-E063-4F30-9A75-DAA193F94160}"/>
+                <a16:creationId xmlns="" xmlns:a16="http://schemas.microsoft.com/office/drawing/2014/main" id="{3917087B-E063-4F30-9A75-DAA193F94160}"/>
               </a:ext>
             </a:extLst>
           </p:cNvPr>
@@ -5401,7 +5570,7 @@
           <p:cNvPr id="3" name="内容占位符 2">
             <a:extLst>
               <a:ext uri="{FF2B5EF4-FFF2-40B4-BE49-F238E27FC236}">
-                <a16:creationId xmlns:a16="http://schemas.microsoft.com/office/drawing/2014/main" id="{FF50BC0F-E395-4398-9508-3C65345EB094}"/>
+                <a16:creationId xmlns="" xmlns:a16="http://schemas.microsoft.com/office/drawing/2014/main" id="{FF50BC0F-E395-4398-9508-3C65345EB094}"/>
               </a:ext>
             </a:extLst>
           </p:cNvPr>
@@ -5463,7 +5632,7 @@
           <p:cNvPr id="4" name="内容占位符 3">
             <a:extLst>
               <a:ext uri="{FF2B5EF4-FFF2-40B4-BE49-F238E27FC236}">
-                <a16:creationId xmlns:a16="http://schemas.microsoft.com/office/drawing/2014/main" id="{C357DE1C-38E8-4657-90F5-CBEA7E26B919}"/>
+                <a16:creationId xmlns="" xmlns:a16="http://schemas.microsoft.com/office/drawing/2014/main" id="{C357DE1C-38E8-4657-90F5-CBEA7E26B919}"/>
               </a:ext>
             </a:extLst>
           </p:cNvPr>
@@ -5525,7 +5694,7 @@
           <p:cNvPr id="5" name="日期占位符 4">
             <a:extLst>
               <a:ext uri="{FF2B5EF4-FFF2-40B4-BE49-F238E27FC236}">
-                <a16:creationId xmlns:a16="http://schemas.microsoft.com/office/drawing/2014/main" id="{AD935ED2-89D0-4B2C-AA8D-F2738B00FB0A}"/>
+                <a16:creationId xmlns="" xmlns:a16="http://schemas.microsoft.com/office/drawing/2014/main" id="{AD935ED2-89D0-4B2C-AA8D-F2738B00FB0A}"/>
               </a:ext>
             </a:extLst>
           </p:cNvPr>
@@ -5568,7 +5737,7 @@
           <p:cNvPr id="6" name="页脚占位符 5">
             <a:extLst>
               <a:ext uri="{FF2B5EF4-FFF2-40B4-BE49-F238E27FC236}">
-                <a16:creationId xmlns:a16="http://schemas.microsoft.com/office/drawing/2014/main" id="{16E945BB-7CF4-48D2-BA1F-5ADD2038290D}"/>
+                <a16:creationId xmlns="" xmlns:a16="http://schemas.microsoft.com/office/drawing/2014/main" id="{16E945BB-7CF4-48D2-BA1F-5ADD2038290D}"/>
               </a:ext>
             </a:extLst>
           </p:cNvPr>
@@ -5600,7 +5769,7 @@
           <p:cNvPr id="7" name="灯片编号占位符 6">
             <a:extLst>
               <a:ext uri="{FF2B5EF4-FFF2-40B4-BE49-F238E27FC236}">
-                <a16:creationId xmlns:a16="http://schemas.microsoft.com/office/drawing/2014/main" id="{755B513F-2021-47EF-94C8-6B39BE7AF7AD}"/>
+                <a16:creationId xmlns="" xmlns:a16="http://schemas.microsoft.com/office/drawing/2014/main" id="{755B513F-2021-47EF-94C8-6B39BE7AF7AD}"/>
               </a:ext>
             </a:extLst>
           </p:cNvPr>
@@ -5673,7 +5842,7 @@
           <p:cNvPr id="2" name="标题 1">
             <a:extLst>
               <a:ext uri="{FF2B5EF4-FFF2-40B4-BE49-F238E27FC236}">
-                <a16:creationId xmlns:a16="http://schemas.microsoft.com/office/drawing/2014/main" id="{B7942CEF-1E81-4240-AFDE-E1D65B3F3928}"/>
+                <a16:creationId xmlns="" xmlns:a16="http://schemas.microsoft.com/office/drawing/2014/main" id="{B7942CEF-1E81-4240-AFDE-E1D65B3F3928}"/>
               </a:ext>
             </a:extLst>
           </p:cNvPr>
@@ -5706,7 +5875,7 @@
           <p:cNvPr id="3" name="文本占位符 2">
             <a:extLst>
               <a:ext uri="{FF2B5EF4-FFF2-40B4-BE49-F238E27FC236}">
-                <a16:creationId xmlns:a16="http://schemas.microsoft.com/office/drawing/2014/main" id="{D488AB64-8AA0-481A-91C6-91395E3B5274}"/>
+                <a16:creationId xmlns="" xmlns:a16="http://schemas.microsoft.com/office/drawing/2014/main" id="{D488AB64-8AA0-481A-91C6-91395E3B5274}"/>
               </a:ext>
             </a:extLst>
           </p:cNvPr>
@@ -5777,7 +5946,7 @@
           <p:cNvPr id="4" name="内容占位符 3">
             <a:extLst>
               <a:ext uri="{FF2B5EF4-FFF2-40B4-BE49-F238E27FC236}">
-                <a16:creationId xmlns:a16="http://schemas.microsoft.com/office/drawing/2014/main" id="{F9F12DF2-B199-4070-A5EF-1D66B1BAA290}"/>
+                <a16:creationId xmlns="" xmlns:a16="http://schemas.microsoft.com/office/drawing/2014/main" id="{F9F12DF2-B199-4070-A5EF-1D66B1BAA290}"/>
               </a:ext>
             </a:extLst>
           </p:cNvPr>
@@ -5839,7 +6008,7 @@
           <p:cNvPr id="5" name="文本占位符 4">
             <a:extLst>
               <a:ext uri="{FF2B5EF4-FFF2-40B4-BE49-F238E27FC236}">
-                <a16:creationId xmlns:a16="http://schemas.microsoft.com/office/drawing/2014/main" id="{F53A0C5E-AB2F-436B-98C0-904ECC8AB794}"/>
+                <a16:creationId xmlns="" xmlns:a16="http://schemas.microsoft.com/office/drawing/2014/main" id="{F53A0C5E-AB2F-436B-98C0-904ECC8AB794}"/>
               </a:ext>
             </a:extLst>
           </p:cNvPr>
@@ -5910,7 +6079,7 @@
           <p:cNvPr id="6" name="内容占位符 5">
             <a:extLst>
               <a:ext uri="{FF2B5EF4-FFF2-40B4-BE49-F238E27FC236}">
-                <a16:creationId xmlns:a16="http://schemas.microsoft.com/office/drawing/2014/main" id="{C0B8CAFD-4690-4E76-BA79-7FDF2F5300A6}"/>
+                <a16:creationId xmlns="" xmlns:a16="http://schemas.microsoft.com/office/drawing/2014/main" id="{C0B8CAFD-4690-4E76-BA79-7FDF2F5300A6}"/>
               </a:ext>
             </a:extLst>
           </p:cNvPr>
@@ -5972,7 +6141,7 @@
           <p:cNvPr id="7" name="日期占位符 6">
             <a:extLst>
               <a:ext uri="{FF2B5EF4-FFF2-40B4-BE49-F238E27FC236}">
-                <a16:creationId xmlns:a16="http://schemas.microsoft.com/office/drawing/2014/main" id="{66F39C9E-DB77-493C-B3ED-9011418175C8}"/>
+                <a16:creationId xmlns="" xmlns:a16="http://schemas.microsoft.com/office/drawing/2014/main" id="{66F39C9E-DB77-493C-B3ED-9011418175C8}"/>
               </a:ext>
             </a:extLst>
           </p:cNvPr>
@@ -6015,7 +6184,7 @@
           <p:cNvPr id="8" name="页脚占位符 7">
             <a:extLst>
               <a:ext uri="{FF2B5EF4-FFF2-40B4-BE49-F238E27FC236}">
-                <a16:creationId xmlns:a16="http://schemas.microsoft.com/office/drawing/2014/main" id="{1663A30C-82BC-46DB-8F06-36D87050C8CF}"/>
+                <a16:creationId xmlns="" xmlns:a16="http://schemas.microsoft.com/office/drawing/2014/main" id="{1663A30C-82BC-46DB-8F06-36D87050C8CF}"/>
               </a:ext>
             </a:extLst>
           </p:cNvPr>
@@ -6047,7 +6216,7 @@
           <p:cNvPr id="9" name="灯片编号占位符 8">
             <a:extLst>
               <a:ext uri="{FF2B5EF4-FFF2-40B4-BE49-F238E27FC236}">
-                <a16:creationId xmlns:a16="http://schemas.microsoft.com/office/drawing/2014/main" id="{BAFD7E5C-3920-40C4-A1B3-C100EBF73E2B}"/>
+                <a16:creationId xmlns="" xmlns:a16="http://schemas.microsoft.com/office/drawing/2014/main" id="{BAFD7E5C-3920-40C4-A1B3-C100EBF73E2B}"/>
               </a:ext>
             </a:extLst>
           </p:cNvPr>
@@ -6120,7 +6289,7 @@
           <p:cNvPr id="2" name="标题 1">
             <a:extLst>
               <a:ext uri="{FF2B5EF4-FFF2-40B4-BE49-F238E27FC236}">
-                <a16:creationId xmlns:a16="http://schemas.microsoft.com/office/drawing/2014/main" id="{579CB88E-5BC7-4B28-A5F1-CA7165F15A6C}"/>
+                <a16:creationId xmlns="" xmlns:a16="http://schemas.microsoft.com/office/drawing/2014/main" id="{579CB88E-5BC7-4B28-A5F1-CA7165F15A6C}"/>
               </a:ext>
             </a:extLst>
           </p:cNvPr>
@@ -6148,7 +6317,7 @@
           <p:cNvPr id="3" name="日期占位符 2">
             <a:extLst>
               <a:ext uri="{FF2B5EF4-FFF2-40B4-BE49-F238E27FC236}">
-                <a16:creationId xmlns:a16="http://schemas.microsoft.com/office/drawing/2014/main" id="{C90AEBDB-B99D-49D8-8841-F295D0242826}"/>
+                <a16:creationId xmlns="" xmlns:a16="http://schemas.microsoft.com/office/drawing/2014/main" id="{C90AEBDB-B99D-49D8-8841-F295D0242826}"/>
               </a:ext>
             </a:extLst>
           </p:cNvPr>
@@ -6191,7 +6360,7 @@
           <p:cNvPr id="4" name="页脚占位符 3">
             <a:extLst>
               <a:ext uri="{FF2B5EF4-FFF2-40B4-BE49-F238E27FC236}">
-                <a16:creationId xmlns:a16="http://schemas.microsoft.com/office/drawing/2014/main" id="{0E0E1B7D-C6A8-443E-B341-7A65324028C1}"/>
+                <a16:creationId xmlns="" xmlns:a16="http://schemas.microsoft.com/office/drawing/2014/main" id="{0E0E1B7D-C6A8-443E-B341-7A65324028C1}"/>
               </a:ext>
             </a:extLst>
           </p:cNvPr>
@@ -6223,7 +6392,7 @@
           <p:cNvPr id="5" name="灯片编号占位符 4">
             <a:extLst>
               <a:ext uri="{FF2B5EF4-FFF2-40B4-BE49-F238E27FC236}">
-                <a16:creationId xmlns:a16="http://schemas.microsoft.com/office/drawing/2014/main" id="{CB57A735-1833-40D3-B017-B4AC8278D7E1}"/>
+                <a16:creationId xmlns="" xmlns:a16="http://schemas.microsoft.com/office/drawing/2014/main" id="{CB57A735-1833-40D3-B017-B4AC8278D7E1}"/>
               </a:ext>
             </a:extLst>
           </p:cNvPr>
@@ -6296,7 +6465,7 @@
           <p:cNvPr id="2" name="日期占位符 1">
             <a:extLst>
               <a:ext uri="{FF2B5EF4-FFF2-40B4-BE49-F238E27FC236}">
-                <a16:creationId xmlns:a16="http://schemas.microsoft.com/office/drawing/2014/main" id="{46673B50-E800-420B-8E03-335209D7630D}"/>
+                <a16:creationId xmlns="" xmlns:a16="http://schemas.microsoft.com/office/drawing/2014/main" id="{46673B50-E800-420B-8E03-335209D7630D}"/>
               </a:ext>
             </a:extLst>
           </p:cNvPr>
@@ -6339,7 +6508,7 @@
           <p:cNvPr id="3" name="页脚占位符 2">
             <a:extLst>
               <a:ext uri="{FF2B5EF4-FFF2-40B4-BE49-F238E27FC236}">
-                <a16:creationId xmlns:a16="http://schemas.microsoft.com/office/drawing/2014/main" id="{111590AA-59C8-475E-A80E-B3CBC55BB742}"/>
+                <a16:creationId xmlns="" xmlns:a16="http://schemas.microsoft.com/office/drawing/2014/main" id="{111590AA-59C8-475E-A80E-B3CBC55BB742}"/>
               </a:ext>
             </a:extLst>
           </p:cNvPr>
@@ -6371,7 +6540,7 @@
           <p:cNvPr id="4" name="灯片编号占位符 3">
             <a:extLst>
               <a:ext uri="{FF2B5EF4-FFF2-40B4-BE49-F238E27FC236}">
-                <a16:creationId xmlns:a16="http://schemas.microsoft.com/office/drawing/2014/main" id="{B25D38E6-0BD1-4C30-AFE1-4A17AEAB2F6F}"/>
+                <a16:creationId xmlns="" xmlns:a16="http://schemas.microsoft.com/office/drawing/2014/main" id="{B25D38E6-0BD1-4C30-AFE1-4A17AEAB2F6F}"/>
               </a:ext>
             </a:extLst>
           </p:cNvPr>
@@ -6444,7 +6613,7 @@
           <p:cNvPr id="2" name="标题 1">
             <a:extLst>
               <a:ext uri="{FF2B5EF4-FFF2-40B4-BE49-F238E27FC236}">
-                <a16:creationId xmlns:a16="http://schemas.microsoft.com/office/drawing/2014/main" id="{A115171A-B79C-422D-9F6B-235E3D8155BE}"/>
+                <a16:creationId xmlns="" xmlns:a16="http://schemas.microsoft.com/office/drawing/2014/main" id="{A115171A-B79C-422D-9F6B-235E3D8155BE}"/>
               </a:ext>
             </a:extLst>
           </p:cNvPr>
@@ -6481,7 +6650,7 @@
           <p:cNvPr id="3" name="文本占位符 2">
             <a:extLst>
               <a:ext uri="{FF2B5EF4-FFF2-40B4-BE49-F238E27FC236}">
-                <a16:creationId xmlns:a16="http://schemas.microsoft.com/office/drawing/2014/main" id="{2BCDC11C-2739-4645-A3E2-75A59243582F}"/>
+                <a16:creationId xmlns="" xmlns:a16="http://schemas.microsoft.com/office/drawing/2014/main" id="{2BCDC11C-2739-4645-A3E2-75A59243582F}"/>
               </a:ext>
             </a:extLst>
           </p:cNvPr>
@@ -6606,7 +6775,7 @@
           <p:cNvPr id="4" name="日期占位符 3">
             <a:extLst>
               <a:ext uri="{FF2B5EF4-FFF2-40B4-BE49-F238E27FC236}">
-                <a16:creationId xmlns:a16="http://schemas.microsoft.com/office/drawing/2014/main" id="{C4B4C6FA-F97B-4A4C-915C-D626051D53B2}"/>
+                <a16:creationId xmlns="" xmlns:a16="http://schemas.microsoft.com/office/drawing/2014/main" id="{C4B4C6FA-F97B-4A4C-915C-D626051D53B2}"/>
               </a:ext>
             </a:extLst>
           </p:cNvPr>
@@ -6649,7 +6818,7 @@
           <p:cNvPr id="5" name="页脚占位符 4">
             <a:extLst>
               <a:ext uri="{FF2B5EF4-FFF2-40B4-BE49-F238E27FC236}">
-                <a16:creationId xmlns:a16="http://schemas.microsoft.com/office/drawing/2014/main" id="{38DE72DC-9317-435D-9AC2-84A22B64CF51}"/>
+                <a16:creationId xmlns="" xmlns:a16="http://schemas.microsoft.com/office/drawing/2014/main" id="{38DE72DC-9317-435D-9AC2-84A22B64CF51}"/>
               </a:ext>
             </a:extLst>
           </p:cNvPr>
@@ -6681,7 +6850,7 @@
           <p:cNvPr id="6" name="灯片编号占位符 5">
             <a:extLst>
               <a:ext uri="{FF2B5EF4-FFF2-40B4-BE49-F238E27FC236}">
-                <a16:creationId xmlns:a16="http://schemas.microsoft.com/office/drawing/2014/main" id="{81FD245E-3865-458E-B77F-FF1509083582}"/>
+                <a16:creationId xmlns="" xmlns:a16="http://schemas.microsoft.com/office/drawing/2014/main" id="{81FD245E-3865-458E-B77F-FF1509083582}"/>
               </a:ext>
             </a:extLst>
           </p:cNvPr>
@@ -6754,7 +6923,7 @@
           <p:cNvPr id="2" name="标题 1">
             <a:extLst>
               <a:ext uri="{FF2B5EF4-FFF2-40B4-BE49-F238E27FC236}">
-                <a16:creationId xmlns:a16="http://schemas.microsoft.com/office/drawing/2014/main" id="{63C72369-1EAC-45C0-A3A1-F5C624137B30}"/>
+                <a16:creationId xmlns="" xmlns:a16="http://schemas.microsoft.com/office/drawing/2014/main" id="{63C72369-1EAC-45C0-A3A1-F5C624137B30}"/>
               </a:ext>
             </a:extLst>
           </p:cNvPr>
@@ -6791,7 +6960,7 @@
           <p:cNvPr id="3" name="内容占位符 2">
             <a:extLst>
               <a:ext uri="{FF2B5EF4-FFF2-40B4-BE49-F238E27FC236}">
-                <a16:creationId xmlns:a16="http://schemas.microsoft.com/office/drawing/2014/main" id="{341C33CC-1D49-48B9-AD8D-C026374D4048}"/>
+                <a16:creationId xmlns="" xmlns:a16="http://schemas.microsoft.com/office/drawing/2014/main" id="{341C33CC-1D49-48B9-AD8D-C026374D4048}"/>
               </a:ext>
             </a:extLst>
           </p:cNvPr>
@@ -6881,7 +7050,7 @@
           <p:cNvPr id="4" name="文本占位符 3">
             <a:extLst>
               <a:ext uri="{FF2B5EF4-FFF2-40B4-BE49-F238E27FC236}">
-                <a16:creationId xmlns:a16="http://schemas.microsoft.com/office/drawing/2014/main" id="{AB1496AC-4EE6-49C3-8C9B-EF5DF2FA8938}"/>
+                <a16:creationId xmlns="" xmlns:a16="http://schemas.microsoft.com/office/drawing/2014/main" id="{AB1496AC-4EE6-49C3-8C9B-EF5DF2FA8938}"/>
               </a:ext>
             </a:extLst>
           </p:cNvPr>
@@ -6952,7 +7121,7 @@
           <p:cNvPr id="5" name="日期占位符 4">
             <a:extLst>
               <a:ext uri="{FF2B5EF4-FFF2-40B4-BE49-F238E27FC236}">
-                <a16:creationId xmlns:a16="http://schemas.microsoft.com/office/drawing/2014/main" id="{7A833486-B6E2-4A6A-8556-C93BA0BFC9D5}"/>
+                <a16:creationId xmlns="" xmlns:a16="http://schemas.microsoft.com/office/drawing/2014/main" id="{7A833486-B6E2-4A6A-8556-C93BA0BFC9D5}"/>
               </a:ext>
             </a:extLst>
           </p:cNvPr>
@@ -6995,7 +7164,7 @@
           <p:cNvPr id="6" name="页脚占位符 5">
             <a:extLst>
               <a:ext uri="{FF2B5EF4-FFF2-40B4-BE49-F238E27FC236}">
-                <a16:creationId xmlns:a16="http://schemas.microsoft.com/office/drawing/2014/main" id="{0CAA03D7-D362-4D9A-A42F-E0B61F8EFFB2}"/>
+                <a16:creationId xmlns="" xmlns:a16="http://schemas.microsoft.com/office/drawing/2014/main" id="{0CAA03D7-D362-4D9A-A42F-E0B61F8EFFB2}"/>
               </a:ext>
             </a:extLst>
           </p:cNvPr>
@@ -7027,7 +7196,7 @@
           <p:cNvPr id="7" name="灯片编号占位符 6">
             <a:extLst>
               <a:ext uri="{FF2B5EF4-FFF2-40B4-BE49-F238E27FC236}">
-                <a16:creationId xmlns:a16="http://schemas.microsoft.com/office/drawing/2014/main" id="{712E8C6E-626E-4B49-9AB5-8FDC322F6658}"/>
+                <a16:creationId xmlns="" xmlns:a16="http://schemas.microsoft.com/office/drawing/2014/main" id="{712E8C6E-626E-4B49-9AB5-8FDC322F6658}"/>
               </a:ext>
             </a:extLst>
           </p:cNvPr>
@@ -7100,7 +7269,7 @@
           <p:cNvPr id="2" name="标题 1">
             <a:extLst>
               <a:ext uri="{FF2B5EF4-FFF2-40B4-BE49-F238E27FC236}">
-                <a16:creationId xmlns:a16="http://schemas.microsoft.com/office/drawing/2014/main" id="{57C37C44-793F-49FD-B6FE-3B75D7DDF62B}"/>
+                <a16:creationId xmlns="" xmlns:a16="http://schemas.microsoft.com/office/drawing/2014/main" id="{57C37C44-793F-49FD-B6FE-3B75D7DDF62B}"/>
               </a:ext>
             </a:extLst>
           </p:cNvPr>
@@ -7137,7 +7306,7 @@
           <p:cNvPr id="3" name="图片占位符 2">
             <a:extLst>
               <a:ext uri="{FF2B5EF4-FFF2-40B4-BE49-F238E27FC236}">
-                <a16:creationId xmlns:a16="http://schemas.microsoft.com/office/drawing/2014/main" id="{A15269EA-5160-427F-BF62-2693283B08DC}"/>
+                <a16:creationId xmlns="" xmlns:a16="http://schemas.microsoft.com/office/drawing/2014/main" id="{A15269EA-5160-427F-BF62-2693283B08DC}"/>
               </a:ext>
             </a:extLst>
           </p:cNvPr>
@@ -7204,7 +7373,7 @@
           <p:cNvPr id="4" name="文本占位符 3">
             <a:extLst>
               <a:ext uri="{FF2B5EF4-FFF2-40B4-BE49-F238E27FC236}">
-                <a16:creationId xmlns:a16="http://schemas.microsoft.com/office/drawing/2014/main" id="{0AFCC153-328C-4C97-B267-6616D8AA2D96}"/>
+                <a16:creationId xmlns="" xmlns:a16="http://schemas.microsoft.com/office/drawing/2014/main" id="{0AFCC153-328C-4C97-B267-6616D8AA2D96}"/>
               </a:ext>
             </a:extLst>
           </p:cNvPr>
@@ -7275,7 +7444,7 @@
           <p:cNvPr id="5" name="日期占位符 4">
             <a:extLst>
               <a:ext uri="{FF2B5EF4-FFF2-40B4-BE49-F238E27FC236}">
-                <a16:creationId xmlns:a16="http://schemas.microsoft.com/office/drawing/2014/main" id="{FAC4898A-9FFF-4726-9172-1B83945CE173}"/>
+                <a16:creationId xmlns="" xmlns:a16="http://schemas.microsoft.com/office/drawing/2014/main" id="{FAC4898A-9FFF-4726-9172-1B83945CE173}"/>
               </a:ext>
             </a:extLst>
           </p:cNvPr>
@@ -7318,7 +7487,7 @@
           <p:cNvPr id="6" name="页脚占位符 5">
             <a:extLst>
               <a:ext uri="{FF2B5EF4-FFF2-40B4-BE49-F238E27FC236}">
-                <a16:creationId xmlns:a16="http://schemas.microsoft.com/office/drawing/2014/main" id="{D62ED8E6-A756-4AFF-BFCE-9AF96E483BA7}"/>
+                <a16:creationId xmlns="" xmlns:a16="http://schemas.microsoft.com/office/drawing/2014/main" id="{D62ED8E6-A756-4AFF-BFCE-9AF96E483BA7}"/>
               </a:ext>
             </a:extLst>
           </p:cNvPr>
@@ -7350,7 +7519,7 @@
           <p:cNvPr id="7" name="灯片编号占位符 6">
             <a:extLst>
               <a:ext uri="{FF2B5EF4-FFF2-40B4-BE49-F238E27FC236}">
-                <a16:creationId xmlns:a16="http://schemas.microsoft.com/office/drawing/2014/main" id="{03B7512B-DEF3-4D01-B3EA-A828ABEAE69A}"/>
+                <a16:creationId xmlns="" xmlns:a16="http://schemas.microsoft.com/office/drawing/2014/main" id="{03B7512B-DEF3-4D01-B3EA-A828ABEAE69A}"/>
               </a:ext>
             </a:extLst>
           </p:cNvPr>
@@ -7423,7 +7592,7 @@
           <p:cNvPr id="2" name="标题 1">
             <a:extLst>
               <a:ext uri="{FF2B5EF4-FFF2-40B4-BE49-F238E27FC236}">
-                <a16:creationId xmlns:a16="http://schemas.microsoft.com/office/drawing/2014/main" id="{5106DD19-863A-4173-A7DD-343666B6AE37}"/>
+                <a16:creationId xmlns="" xmlns:a16="http://schemas.microsoft.com/office/drawing/2014/main" id="{5106DD19-863A-4173-A7DD-343666B6AE37}"/>
               </a:ext>
             </a:extLst>
           </p:cNvPr>
@@ -7451,7 +7620,7 @@
           <p:cNvPr id="3" name="竖排文字占位符 2">
             <a:extLst>
               <a:ext uri="{FF2B5EF4-FFF2-40B4-BE49-F238E27FC236}">
-                <a16:creationId xmlns:a16="http://schemas.microsoft.com/office/drawing/2014/main" id="{C49E998E-C471-4CE9-8D1D-DCDBC2627F97}"/>
+                <a16:creationId xmlns="" xmlns:a16="http://schemas.microsoft.com/office/drawing/2014/main" id="{C49E998E-C471-4CE9-8D1D-DCDBC2627F97}"/>
               </a:ext>
             </a:extLst>
           </p:cNvPr>
@@ -7508,7 +7677,7 @@
           <p:cNvPr id="4" name="日期占位符 3">
             <a:extLst>
               <a:ext uri="{FF2B5EF4-FFF2-40B4-BE49-F238E27FC236}">
-                <a16:creationId xmlns:a16="http://schemas.microsoft.com/office/drawing/2014/main" id="{525666F0-615B-4046-9A44-9BE1310A59B8}"/>
+                <a16:creationId xmlns="" xmlns:a16="http://schemas.microsoft.com/office/drawing/2014/main" id="{525666F0-615B-4046-9A44-9BE1310A59B8}"/>
               </a:ext>
             </a:extLst>
           </p:cNvPr>
@@ -7551,7 +7720,7 @@
           <p:cNvPr id="5" name="页脚占位符 4">
             <a:extLst>
               <a:ext uri="{FF2B5EF4-FFF2-40B4-BE49-F238E27FC236}">
-                <a16:creationId xmlns:a16="http://schemas.microsoft.com/office/drawing/2014/main" id="{52A6DCCC-7181-46BF-978B-9D96A4458FB4}"/>
+                <a16:creationId xmlns="" xmlns:a16="http://schemas.microsoft.com/office/drawing/2014/main" id="{52A6DCCC-7181-46BF-978B-9D96A4458FB4}"/>
               </a:ext>
             </a:extLst>
           </p:cNvPr>
@@ -7583,7 +7752,7 @@
           <p:cNvPr id="6" name="灯片编号占位符 5">
             <a:extLst>
               <a:ext uri="{FF2B5EF4-FFF2-40B4-BE49-F238E27FC236}">
-                <a16:creationId xmlns:a16="http://schemas.microsoft.com/office/drawing/2014/main" id="{5529F146-305D-428C-B06D-627ECEE1BC28}"/>
+                <a16:creationId xmlns="" xmlns:a16="http://schemas.microsoft.com/office/drawing/2014/main" id="{5529F146-305D-428C-B06D-627ECEE1BC28}"/>
               </a:ext>
             </a:extLst>
           </p:cNvPr>
@@ -7656,7 +7825,7 @@
           <p:cNvPr id="2" name="竖排标题 1">
             <a:extLst>
               <a:ext uri="{FF2B5EF4-FFF2-40B4-BE49-F238E27FC236}">
-                <a16:creationId xmlns:a16="http://schemas.microsoft.com/office/drawing/2014/main" id="{640C0A29-BA35-4D37-B38D-A1D697072C13}"/>
+                <a16:creationId xmlns="" xmlns:a16="http://schemas.microsoft.com/office/drawing/2014/main" id="{640C0A29-BA35-4D37-B38D-A1D697072C13}"/>
               </a:ext>
             </a:extLst>
           </p:cNvPr>
@@ -7689,7 +7858,7 @@
           <p:cNvPr id="3" name="竖排文字占位符 2">
             <a:extLst>
               <a:ext uri="{FF2B5EF4-FFF2-40B4-BE49-F238E27FC236}">
-                <a16:creationId xmlns:a16="http://schemas.microsoft.com/office/drawing/2014/main" id="{7180B562-8662-40FC-B4FD-9F6B037F0DBF}"/>
+                <a16:creationId xmlns="" xmlns:a16="http://schemas.microsoft.com/office/drawing/2014/main" id="{7180B562-8662-40FC-B4FD-9F6B037F0DBF}"/>
               </a:ext>
             </a:extLst>
           </p:cNvPr>
@@ -7751,7 +7920,7 @@
           <p:cNvPr id="4" name="日期占位符 3">
             <a:extLst>
               <a:ext uri="{FF2B5EF4-FFF2-40B4-BE49-F238E27FC236}">
-                <a16:creationId xmlns:a16="http://schemas.microsoft.com/office/drawing/2014/main" id="{D35698FC-2778-462B-9CB4-343D95B25CBB}"/>
+                <a16:creationId xmlns="" xmlns:a16="http://schemas.microsoft.com/office/drawing/2014/main" id="{D35698FC-2778-462B-9CB4-343D95B25CBB}"/>
               </a:ext>
             </a:extLst>
           </p:cNvPr>
@@ -7794,7 +7963,7 @@
           <p:cNvPr id="5" name="页脚占位符 4">
             <a:extLst>
               <a:ext uri="{FF2B5EF4-FFF2-40B4-BE49-F238E27FC236}">
-                <a16:creationId xmlns:a16="http://schemas.microsoft.com/office/drawing/2014/main" id="{6A87B416-60A7-4FED-8C85-C2372A2C9C6A}"/>
+                <a16:creationId xmlns="" xmlns:a16="http://schemas.microsoft.com/office/drawing/2014/main" id="{6A87B416-60A7-4FED-8C85-C2372A2C9C6A}"/>
               </a:ext>
             </a:extLst>
           </p:cNvPr>
@@ -7826,7 +7995,7 @@
           <p:cNvPr id="6" name="灯片编号占位符 5">
             <a:extLst>
               <a:ext uri="{FF2B5EF4-FFF2-40B4-BE49-F238E27FC236}">
-                <a16:creationId xmlns:a16="http://schemas.microsoft.com/office/drawing/2014/main" id="{D929907B-D747-4776-8DF9-49A75218492D}"/>
+                <a16:creationId xmlns="" xmlns:a16="http://schemas.microsoft.com/office/drawing/2014/main" id="{D929907B-D747-4776-8DF9-49A75218492D}"/>
               </a:ext>
             </a:extLst>
           </p:cNvPr>
@@ -7899,7 +8068,7 @@
           <p:cNvPr id="2" name="标题 1">
             <a:extLst>
               <a:ext uri="{FF2B5EF4-FFF2-40B4-BE49-F238E27FC236}">
-                <a16:creationId xmlns:a16="http://schemas.microsoft.com/office/drawing/2014/main" id="{4CDA0CE5-9BBF-4B0F-8419-84C4A33B239C}"/>
+                <a16:creationId xmlns="" xmlns:a16="http://schemas.microsoft.com/office/drawing/2014/main" id="{4CDA0CE5-9BBF-4B0F-8419-84C4A33B239C}"/>
               </a:ext>
             </a:extLst>
           </p:cNvPr>
@@ -7936,7 +8105,7 @@
           <p:cNvPr id="3" name="副标题 2">
             <a:extLst>
               <a:ext uri="{FF2B5EF4-FFF2-40B4-BE49-F238E27FC236}">
-                <a16:creationId xmlns:a16="http://schemas.microsoft.com/office/drawing/2014/main" id="{03040E88-1C35-4C9C-B763-30DEDBEC1E8F}"/>
+                <a16:creationId xmlns="" xmlns:a16="http://schemas.microsoft.com/office/drawing/2014/main" id="{03040E88-1C35-4C9C-B763-30DEDBEC1E8F}"/>
               </a:ext>
             </a:extLst>
           </p:cNvPr>
@@ -8006,7 +8175,7 @@
           <p:cNvPr id="4" name="日期占位符 3">
             <a:extLst>
               <a:ext uri="{FF2B5EF4-FFF2-40B4-BE49-F238E27FC236}">
-                <a16:creationId xmlns:a16="http://schemas.microsoft.com/office/drawing/2014/main" id="{74A2F367-CB10-426F-9C24-BE0E648E1F79}"/>
+                <a16:creationId xmlns="" xmlns:a16="http://schemas.microsoft.com/office/drawing/2014/main" id="{74A2F367-CB10-426F-9C24-BE0E648E1F79}"/>
               </a:ext>
             </a:extLst>
           </p:cNvPr>
@@ -8049,7 +8218,7 @@
           <p:cNvPr id="5" name="页脚占位符 4">
             <a:extLst>
               <a:ext uri="{FF2B5EF4-FFF2-40B4-BE49-F238E27FC236}">
-                <a16:creationId xmlns:a16="http://schemas.microsoft.com/office/drawing/2014/main" id="{087FD322-4C8C-4EDC-BA44-5452C8097CBC}"/>
+                <a16:creationId xmlns="" xmlns:a16="http://schemas.microsoft.com/office/drawing/2014/main" id="{087FD322-4C8C-4EDC-BA44-5452C8097CBC}"/>
               </a:ext>
             </a:extLst>
           </p:cNvPr>
@@ -8081,7 +8250,7 @@
           <p:cNvPr id="6" name="灯片编号占位符 5">
             <a:extLst>
               <a:ext uri="{FF2B5EF4-FFF2-40B4-BE49-F238E27FC236}">
-                <a16:creationId xmlns:a16="http://schemas.microsoft.com/office/drawing/2014/main" id="{175CD708-2C70-4B9D-BF42-78FB9EDB54C1}"/>
+                <a16:creationId xmlns="" xmlns:a16="http://schemas.microsoft.com/office/drawing/2014/main" id="{175CD708-2C70-4B9D-BF42-78FB9EDB54C1}"/>
               </a:ext>
             </a:extLst>
           </p:cNvPr>
@@ -8154,7 +8323,7 @@
           <p:cNvPr id="2" name="标题 1">
             <a:extLst>
               <a:ext uri="{FF2B5EF4-FFF2-40B4-BE49-F238E27FC236}">
-                <a16:creationId xmlns:a16="http://schemas.microsoft.com/office/drawing/2014/main" id="{3B901850-5E42-409C-A40B-429300FF91F3}"/>
+                <a16:creationId xmlns="" xmlns:a16="http://schemas.microsoft.com/office/drawing/2014/main" id="{3B901850-5E42-409C-A40B-429300FF91F3}"/>
               </a:ext>
             </a:extLst>
           </p:cNvPr>
@@ -8182,7 +8351,7 @@
           <p:cNvPr id="3" name="内容占位符 2">
             <a:extLst>
               <a:ext uri="{FF2B5EF4-FFF2-40B4-BE49-F238E27FC236}">
-                <a16:creationId xmlns:a16="http://schemas.microsoft.com/office/drawing/2014/main" id="{E1D8B5B5-56C2-445D-BAF5-B4940B41DE69}"/>
+                <a16:creationId xmlns="" xmlns:a16="http://schemas.microsoft.com/office/drawing/2014/main" id="{E1D8B5B5-56C2-445D-BAF5-B4940B41DE69}"/>
               </a:ext>
             </a:extLst>
           </p:cNvPr>
@@ -8239,7 +8408,7 @@
           <p:cNvPr id="4" name="日期占位符 3">
             <a:extLst>
               <a:ext uri="{FF2B5EF4-FFF2-40B4-BE49-F238E27FC236}">
-                <a16:creationId xmlns:a16="http://schemas.microsoft.com/office/drawing/2014/main" id="{6A0369C5-ADE1-4A9E-9BB4-B7B8762B2D8A}"/>
+                <a16:creationId xmlns="" xmlns:a16="http://schemas.microsoft.com/office/drawing/2014/main" id="{6A0369C5-ADE1-4A9E-9BB4-B7B8762B2D8A}"/>
               </a:ext>
             </a:extLst>
           </p:cNvPr>
@@ -8282,7 +8451,7 @@
           <p:cNvPr id="5" name="页脚占位符 4">
             <a:extLst>
               <a:ext uri="{FF2B5EF4-FFF2-40B4-BE49-F238E27FC236}">
-                <a16:creationId xmlns:a16="http://schemas.microsoft.com/office/drawing/2014/main" id="{26039A34-1B5E-4C64-9EBC-9D70B75E1C2D}"/>
+                <a16:creationId xmlns="" xmlns:a16="http://schemas.microsoft.com/office/drawing/2014/main" id="{26039A34-1B5E-4C64-9EBC-9D70B75E1C2D}"/>
               </a:ext>
             </a:extLst>
           </p:cNvPr>
@@ -8314,7 +8483,7 @@
           <p:cNvPr id="6" name="灯片编号占位符 5">
             <a:extLst>
               <a:ext uri="{FF2B5EF4-FFF2-40B4-BE49-F238E27FC236}">
-                <a16:creationId xmlns:a16="http://schemas.microsoft.com/office/drawing/2014/main" id="{DE50808B-1E80-4536-886A-3E7DF55A8903}"/>
+                <a16:creationId xmlns="" xmlns:a16="http://schemas.microsoft.com/office/drawing/2014/main" id="{DE50808B-1E80-4536-886A-3E7DF55A8903}"/>
               </a:ext>
             </a:extLst>
           </p:cNvPr>
@@ -8387,7 +8556,7 @@
           <p:cNvPr id="2" name="标题 1">
             <a:extLst>
               <a:ext uri="{FF2B5EF4-FFF2-40B4-BE49-F238E27FC236}">
-                <a16:creationId xmlns:a16="http://schemas.microsoft.com/office/drawing/2014/main" id="{A115171A-B79C-422D-9F6B-235E3D8155BE}"/>
+                <a16:creationId xmlns="" xmlns:a16="http://schemas.microsoft.com/office/drawing/2014/main" id="{A115171A-B79C-422D-9F6B-235E3D8155BE}"/>
               </a:ext>
             </a:extLst>
           </p:cNvPr>
@@ -8424,7 +8593,7 @@
           <p:cNvPr id="3" name="文本占位符 2">
             <a:extLst>
               <a:ext uri="{FF2B5EF4-FFF2-40B4-BE49-F238E27FC236}">
-                <a16:creationId xmlns:a16="http://schemas.microsoft.com/office/drawing/2014/main" id="{2BCDC11C-2739-4645-A3E2-75A59243582F}"/>
+                <a16:creationId xmlns="" xmlns:a16="http://schemas.microsoft.com/office/drawing/2014/main" id="{2BCDC11C-2739-4645-A3E2-75A59243582F}"/>
               </a:ext>
             </a:extLst>
           </p:cNvPr>
@@ -8549,7 +8718,7 @@
           <p:cNvPr id="4" name="日期占位符 3">
             <a:extLst>
               <a:ext uri="{FF2B5EF4-FFF2-40B4-BE49-F238E27FC236}">
-                <a16:creationId xmlns:a16="http://schemas.microsoft.com/office/drawing/2014/main" id="{C4B4C6FA-F97B-4A4C-915C-D626051D53B2}"/>
+                <a16:creationId xmlns="" xmlns:a16="http://schemas.microsoft.com/office/drawing/2014/main" id="{C4B4C6FA-F97B-4A4C-915C-D626051D53B2}"/>
               </a:ext>
             </a:extLst>
           </p:cNvPr>
@@ -8592,7 +8761,7 @@
           <p:cNvPr id="5" name="页脚占位符 4">
             <a:extLst>
               <a:ext uri="{FF2B5EF4-FFF2-40B4-BE49-F238E27FC236}">
-                <a16:creationId xmlns:a16="http://schemas.microsoft.com/office/drawing/2014/main" id="{38DE72DC-9317-435D-9AC2-84A22B64CF51}"/>
+                <a16:creationId xmlns="" xmlns:a16="http://schemas.microsoft.com/office/drawing/2014/main" id="{38DE72DC-9317-435D-9AC2-84A22B64CF51}"/>
               </a:ext>
             </a:extLst>
           </p:cNvPr>
@@ -8624,7 +8793,7 @@
           <p:cNvPr id="6" name="灯片编号占位符 5">
             <a:extLst>
               <a:ext uri="{FF2B5EF4-FFF2-40B4-BE49-F238E27FC236}">
-                <a16:creationId xmlns:a16="http://schemas.microsoft.com/office/drawing/2014/main" id="{81FD245E-3865-458E-B77F-FF1509083582}"/>
+                <a16:creationId xmlns="" xmlns:a16="http://schemas.microsoft.com/office/drawing/2014/main" id="{81FD245E-3865-458E-B77F-FF1509083582}"/>
               </a:ext>
             </a:extLst>
           </p:cNvPr>
@@ -8697,7 +8866,7 @@
           <p:cNvPr id="2" name="标题 1">
             <a:extLst>
               <a:ext uri="{FF2B5EF4-FFF2-40B4-BE49-F238E27FC236}">
-                <a16:creationId xmlns:a16="http://schemas.microsoft.com/office/drawing/2014/main" id="{3917087B-E063-4F30-9A75-DAA193F94160}"/>
+                <a16:creationId xmlns="" xmlns:a16="http://schemas.microsoft.com/office/drawing/2014/main" id="{3917087B-E063-4F30-9A75-DAA193F94160}"/>
               </a:ext>
             </a:extLst>
           </p:cNvPr>
@@ -8725,7 +8894,7 @@
           <p:cNvPr id="3" name="内容占位符 2">
             <a:extLst>
               <a:ext uri="{FF2B5EF4-FFF2-40B4-BE49-F238E27FC236}">
-                <a16:creationId xmlns:a16="http://schemas.microsoft.com/office/drawing/2014/main" id="{FF50BC0F-E395-4398-9508-3C65345EB094}"/>
+                <a16:creationId xmlns="" xmlns:a16="http://schemas.microsoft.com/office/drawing/2014/main" id="{FF50BC0F-E395-4398-9508-3C65345EB094}"/>
               </a:ext>
             </a:extLst>
           </p:cNvPr>
@@ -8787,7 +8956,7 @@
           <p:cNvPr id="4" name="内容占位符 3">
             <a:extLst>
               <a:ext uri="{FF2B5EF4-FFF2-40B4-BE49-F238E27FC236}">
-                <a16:creationId xmlns:a16="http://schemas.microsoft.com/office/drawing/2014/main" id="{C357DE1C-38E8-4657-90F5-CBEA7E26B919}"/>
+                <a16:creationId xmlns="" xmlns:a16="http://schemas.microsoft.com/office/drawing/2014/main" id="{C357DE1C-38E8-4657-90F5-CBEA7E26B919}"/>
               </a:ext>
             </a:extLst>
           </p:cNvPr>
@@ -8849,7 +9018,7 @@
           <p:cNvPr id="5" name="日期占位符 4">
             <a:extLst>
               <a:ext uri="{FF2B5EF4-FFF2-40B4-BE49-F238E27FC236}">
-                <a16:creationId xmlns:a16="http://schemas.microsoft.com/office/drawing/2014/main" id="{AD935ED2-89D0-4B2C-AA8D-F2738B00FB0A}"/>
+                <a16:creationId xmlns="" xmlns:a16="http://schemas.microsoft.com/office/drawing/2014/main" id="{AD935ED2-89D0-4B2C-AA8D-F2738B00FB0A}"/>
               </a:ext>
             </a:extLst>
           </p:cNvPr>
@@ -8892,7 +9061,7 @@
           <p:cNvPr id="6" name="页脚占位符 5">
             <a:extLst>
               <a:ext uri="{FF2B5EF4-FFF2-40B4-BE49-F238E27FC236}">
-                <a16:creationId xmlns:a16="http://schemas.microsoft.com/office/drawing/2014/main" id="{16E945BB-7CF4-48D2-BA1F-5ADD2038290D}"/>
+                <a16:creationId xmlns="" xmlns:a16="http://schemas.microsoft.com/office/drawing/2014/main" id="{16E945BB-7CF4-48D2-BA1F-5ADD2038290D}"/>
               </a:ext>
             </a:extLst>
           </p:cNvPr>
@@ -8924,7 +9093,7 @@
           <p:cNvPr id="7" name="灯片编号占位符 6">
             <a:extLst>
               <a:ext uri="{FF2B5EF4-FFF2-40B4-BE49-F238E27FC236}">
-                <a16:creationId xmlns:a16="http://schemas.microsoft.com/office/drawing/2014/main" id="{755B513F-2021-47EF-94C8-6B39BE7AF7AD}"/>
+                <a16:creationId xmlns="" xmlns:a16="http://schemas.microsoft.com/office/drawing/2014/main" id="{755B513F-2021-47EF-94C8-6B39BE7AF7AD}"/>
               </a:ext>
             </a:extLst>
           </p:cNvPr>
@@ -8997,7 +9166,7 @@
           <p:cNvPr id="2" name="标题 1">
             <a:extLst>
               <a:ext uri="{FF2B5EF4-FFF2-40B4-BE49-F238E27FC236}">
-                <a16:creationId xmlns:a16="http://schemas.microsoft.com/office/drawing/2014/main" id="{B7942CEF-1E81-4240-AFDE-E1D65B3F3928}"/>
+                <a16:creationId xmlns="" xmlns:a16="http://schemas.microsoft.com/office/drawing/2014/main" id="{B7942CEF-1E81-4240-AFDE-E1D65B3F3928}"/>
               </a:ext>
             </a:extLst>
           </p:cNvPr>
@@ -9030,7 +9199,7 @@
           <p:cNvPr id="3" name="文本占位符 2">
             <a:extLst>
               <a:ext uri="{FF2B5EF4-FFF2-40B4-BE49-F238E27FC236}">
-                <a16:creationId xmlns:a16="http://schemas.microsoft.com/office/drawing/2014/main" id="{D488AB64-8AA0-481A-91C6-91395E3B5274}"/>
+                <a16:creationId xmlns="" xmlns:a16="http://schemas.microsoft.com/office/drawing/2014/main" id="{D488AB64-8AA0-481A-91C6-91395E3B5274}"/>
               </a:ext>
             </a:extLst>
           </p:cNvPr>
@@ -9101,7 +9270,7 @@
           <p:cNvPr id="4" name="内容占位符 3">
             <a:extLst>
               <a:ext uri="{FF2B5EF4-FFF2-40B4-BE49-F238E27FC236}">
-                <a16:creationId xmlns:a16="http://schemas.microsoft.com/office/drawing/2014/main" id="{F9F12DF2-B199-4070-A5EF-1D66B1BAA290}"/>
+                <a16:creationId xmlns="" xmlns:a16="http://schemas.microsoft.com/office/drawing/2014/main" id="{F9F12DF2-B199-4070-A5EF-1D66B1BAA290}"/>
               </a:ext>
             </a:extLst>
           </p:cNvPr>
@@ -9163,7 +9332,7 @@
           <p:cNvPr id="5" name="文本占位符 4">
             <a:extLst>
               <a:ext uri="{FF2B5EF4-FFF2-40B4-BE49-F238E27FC236}">
-                <a16:creationId xmlns:a16="http://schemas.microsoft.com/office/drawing/2014/main" id="{F53A0C5E-AB2F-436B-98C0-904ECC8AB794}"/>
+                <a16:creationId xmlns="" xmlns:a16="http://schemas.microsoft.com/office/drawing/2014/main" id="{F53A0C5E-AB2F-436B-98C0-904ECC8AB794}"/>
               </a:ext>
             </a:extLst>
           </p:cNvPr>
@@ -9234,7 +9403,7 @@
           <p:cNvPr id="6" name="内容占位符 5">
             <a:extLst>
               <a:ext uri="{FF2B5EF4-FFF2-40B4-BE49-F238E27FC236}">
-                <a16:creationId xmlns:a16="http://schemas.microsoft.com/office/drawing/2014/main" id="{C0B8CAFD-4690-4E76-BA79-7FDF2F5300A6}"/>
+                <a16:creationId xmlns="" xmlns:a16="http://schemas.microsoft.com/office/drawing/2014/main" id="{C0B8CAFD-4690-4E76-BA79-7FDF2F5300A6}"/>
               </a:ext>
             </a:extLst>
           </p:cNvPr>
@@ -9296,7 +9465,7 @@
           <p:cNvPr id="7" name="日期占位符 6">
             <a:extLst>
               <a:ext uri="{FF2B5EF4-FFF2-40B4-BE49-F238E27FC236}">
-                <a16:creationId xmlns:a16="http://schemas.microsoft.com/office/drawing/2014/main" id="{66F39C9E-DB77-493C-B3ED-9011418175C8}"/>
+                <a16:creationId xmlns="" xmlns:a16="http://schemas.microsoft.com/office/drawing/2014/main" id="{66F39C9E-DB77-493C-B3ED-9011418175C8}"/>
               </a:ext>
             </a:extLst>
           </p:cNvPr>
@@ -9339,7 +9508,7 @@
           <p:cNvPr id="8" name="页脚占位符 7">
             <a:extLst>
               <a:ext uri="{FF2B5EF4-FFF2-40B4-BE49-F238E27FC236}">
-                <a16:creationId xmlns:a16="http://schemas.microsoft.com/office/drawing/2014/main" id="{1663A30C-82BC-46DB-8F06-36D87050C8CF}"/>
+                <a16:creationId xmlns="" xmlns:a16="http://schemas.microsoft.com/office/drawing/2014/main" id="{1663A30C-82BC-46DB-8F06-36D87050C8CF}"/>
               </a:ext>
             </a:extLst>
           </p:cNvPr>
@@ -9371,7 +9540,7 @@
           <p:cNvPr id="9" name="灯片编号占位符 8">
             <a:extLst>
               <a:ext uri="{FF2B5EF4-FFF2-40B4-BE49-F238E27FC236}">
-                <a16:creationId xmlns:a16="http://schemas.microsoft.com/office/drawing/2014/main" id="{BAFD7E5C-3920-40C4-A1B3-C100EBF73E2B}"/>
+                <a16:creationId xmlns="" xmlns:a16="http://schemas.microsoft.com/office/drawing/2014/main" id="{BAFD7E5C-3920-40C4-A1B3-C100EBF73E2B}"/>
               </a:ext>
             </a:extLst>
           </p:cNvPr>
@@ -9444,7 +9613,7 @@
           <p:cNvPr id="2" name="标题 1">
             <a:extLst>
               <a:ext uri="{FF2B5EF4-FFF2-40B4-BE49-F238E27FC236}">
-                <a16:creationId xmlns:a16="http://schemas.microsoft.com/office/drawing/2014/main" id="{579CB88E-5BC7-4B28-A5F1-CA7165F15A6C}"/>
+                <a16:creationId xmlns="" xmlns:a16="http://schemas.microsoft.com/office/drawing/2014/main" id="{579CB88E-5BC7-4B28-A5F1-CA7165F15A6C}"/>
               </a:ext>
             </a:extLst>
           </p:cNvPr>
@@ -9472,7 +9641,7 @@
           <p:cNvPr id="3" name="日期占位符 2">
             <a:extLst>
               <a:ext uri="{FF2B5EF4-FFF2-40B4-BE49-F238E27FC236}">
-                <a16:creationId xmlns:a16="http://schemas.microsoft.com/office/drawing/2014/main" id="{C90AEBDB-B99D-49D8-8841-F295D0242826}"/>
+                <a16:creationId xmlns="" xmlns:a16="http://schemas.microsoft.com/office/drawing/2014/main" id="{C90AEBDB-B99D-49D8-8841-F295D0242826}"/>
               </a:ext>
             </a:extLst>
           </p:cNvPr>
@@ -9515,7 +9684,7 @@
           <p:cNvPr id="4" name="页脚占位符 3">
             <a:extLst>
               <a:ext uri="{FF2B5EF4-FFF2-40B4-BE49-F238E27FC236}">
-                <a16:creationId xmlns:a16="http://schemas.microsoft.com/office/drawing/2014/main" id="{0E0E1B7D-C6A8-443E-B341-7A65324028C1}"/>
+                <a16:creationId xmlns="" xmlns:a16="http://schemas.microsoft.com/office/drawing/2014/main" id="{0E0E1B7D-C6A8-443E-B341-7A65324028C1}"/>
               </a:ext>
             </a:extLst>
           </p:cNvPr>
@@ -9547,7 +9716,7 @@
           <p:cNvPr id="5" name="灯片编号占位符 4">
             <a:extLst>
               <a:ext uri="{FF2B5EF4-FFF2-40B4-BE49-F238E27FC236}">
-                <a16:creationId xmlns:a16="http://schemas.microsoft.com/office/drawing/2014/main" id="{CB57A735-1833-40D3-B017-B4AC8278D7E1}"/>
+                <a16:creationId xmlns="" xmlns:a16="http://schemas.microsoft.com/office/drawing/2014/main" id="{CB57A735-1833-40D3-B017-B4AC8278D7E1}"/>
               </a:ext>
             </a:extLst>
           </p:cNvPr>
@@ -9620,7 +9789,7 @@
           <p:cNvPr id="2" name="标题 1">
             <a:extLst>
               <a:ext uri="{FF2B5EF4-FFF2-40B4-BE49-F238E27FC236}">
-                <a16:creationId xmlns:a16="http://schemas.microsoft.com/office/drawing/2014/main" id="{3917087B-E063-4F30-9A75-DAA193F94160}"/>
+                <a16:creationId xmlns="" xmlns:a16="http://schemas.microsoft.com/office/drawing/2014/main" id="{3917087B-E063-4F30-9A75-DAA193F94160}"/>
               </a:ext>
             </a:extLst>
           </p:cNvPr>
@@ -9648,7 +9817,7 @@
           <p:cNvPr id="3" name="内容占位符 2">
             <a:extLst>
               <a:ext uri="{FF2B5EF4-FFF2-40B4-BE49-F238E27FC236}">
-                <a16:creationId xmlns:a16="http://schemas.microsoft.com/office/drawing/2014/main" id="{FF50BC0F-E395-4398-9508-3C65345EB094}"/>
+                <a16:creationId xmlns="" xmlns:a16="http://schemas.microsoft.com/office/drawing/2014/main" id="{FF50BC0F-E395-4398-9508-3C65345EB094}"/>
               </a:ext>
             </a:extLst>
           </p:cNvPr>
@@ -9710,7 +9879,7 @@
           <p:cNvPr id="4" name="内容占位符 3">
             <a:extLst>
               <a:ext uri="{FF2B5EF4-FFF2-40B4-BE49-F238E27FC236}">
-                <a16:creationId xmlns:a16="http://schemas.microsoft.com/office/drawing/2014/main" id="{C357DE1C-38E8-4657-90F5-CBEA7E26B919}"/>
+                <a16:creationId xmlns="" xmlns:a16="http://schemas.microsoft.com/office/drawing/2014/main" id="{C357DE1C-38E8-4657-90F5-CBEA7E26B919}"/>
               </a:ext>
             </a:extLst>
           </p:cNvPr>
@@ -9772,7 +9941,7 @@
           <p:cNvPr id="5" name="日期占位符 4">
             <a:extLst>
               <a:ext uri="{FF2B5EF4-FFF2-40B4-BE49-F238E27FC236}">
-                <a16:creationId xmlns:a16="http://schemas.microsoft.com/office/drawing/2014/main" id="{AD935ED2-89D0-4B2C-AA8D-F2738B00FB0A}"/>
+                <a16:creationId xmlns="" xmlns:a16="http://schemas.microsoft.com/office/drawing/2014/main" id="{AD935ED2-89D0-4B2C-AA8D-F2738B00FB0A}"/>
               </a:ext>
             </a:extLst>
           </p:cNvPr>
@@ -9815,7 +9984,7 @@
           <p:cNvPr id="6" name="页脚占位符 5">
             <a:extLst>
               <a:ext uri="{FF2B5EF4-FFF2-40B4-BE49-F238E27FC236}">
-                <a16:creationId xmlns:a16="http://schemas.microsoft.com/office/drawing/2014/main" id="{16E945BB-7CF4-48D2-BA1F-5ADD2038290D}"/>
+                <a16:creationId xmlns="" xmlns:a16="http://schemas.microsoft.com/office/drawing/2014/main" id="{16E945BB-7CF4-48D2-BA1F-5ADD2038290D}"/>
               </a:ext>
             </a:extLst>
           </p:cNvPr>
@@ -9847,7 +10016,7 @@
           <p:cNvPr id="7" name="灯片编号占位符 6">
             <a:extLst>
               <a:ext uri="{FF2B5EF4-FFF2-40B4-BE49-F238E27FC236}">
-                <a16:creationId xmlns:a16="http://schemas.microsoft.com/office/drawing/2014/main" id="{755B513F-2021-47EF-94C8-6B39BE7AF7AD}"/>
+                <a16:creationId xmlns="" xmlns:a16="http://schemas.microsoft.com/office/drawing/2014/main" id="{755B513F-2021-47EF-94C8-6B39BE7AF7AD}"/>
               </a:ext>
             </a:extLst>
           </p:cNvPr>
@@ -9920,7 +10089,7 @@
           <p:cNvPr id="2" name="日期占位符 1">
             <a:extLst>
               <a:ext uri="{FF2B5EF4-FFF2-40B4-BE49-F238E27FC236}">
-                <a16:creationId xmlns:a16="http://schemas.microsoft.com/office/drawing/2014/main" id="{46673B50-E800-420B-8E03-335209D7630D}"/>
+                <a16:creationId xmlns="" xmlns:a16="http://schemas.microsoft.com/office/drawing/2014/main" id="{46673B50-E800-420B-8E03-335209D7630D}"/>
               </a:ext>
             </a:extLst>
           </p:cNvPr>
@@ -9963,7 +10132,7 @@
           <p:cNvPr id="3" name="页脚占位符 2">
             <a:extLst>
               <a:ext uri="{FF2B5EF4-FFF2-40B4-BE49-F238E27FC236}">
-                <a16:creationId xmlns:a16="http://schemas.microsoft.com/office/drawing/2014/main" id="{111590AA-59C8-475E-A80E-B3CBC55BB742}"/>
+                <a16:creationId xmlns="" xmlns:a16="http://schemas.microsoft.com/office/drawing/2014/main" id="{111590AA-59C8-475E-A80E-B3CBC55BB742}"/>
               </a:ext>
             </a:extLst>
           </p:cNvPr>
@@ -9995,7 +10164,7 @@
           <p:cNvPr id="4" name="灯片编号占位符 3">
             <a:extLst>
               <a:ext uri="{FF2B5EF4-FFF2-40B4-BE49-F238E27FC236}">
-                <a16:creationId xmlns:a16="http://schemas.microsoft.com/office/drawing/2014/main" id="{B25D38E6-0BD1-4C30-AFE1-4A17AEAB2F6F}"/>
+                <a16:creationId xmlns="" xmlns:a16="http://schemas.microsoft.com/office/drawing/2014/main" id="{B25D38E6-0BD1-4C30-AFE1-4A17AEAB2F6F}"/>
               </a:ext>
             </a:extLst>
           </p:cNvPr>
@@ -10068,7 +10237,7 @@
           <p:cNvPr id="2" name="标题 1">
             <a:extLst>
               <a:ext uri="{FF2B5EF4-FFF2-40B4-BE49-F238E27FC236}">
-                <a16:creationId xmlns:a16="http://schemas.microsoft.com/office/drawing/2014/main" id="{63C72369-1EAC-45C0-A3A1-F5C624137B30}"/>
+                <a16:creationId xmlns="" xmlns:a16="http://schemas.microsoft.com/office/drawing/2014/main" id="{63C72369-1EAC-45C0-A3A1-F5C624137B30}"/>
               </a:ext>
             </a:extLst>
           </p:cNvPr>
@@ -10105,7 +10274,7 @@
           <p:cNvPr id="3" name="内容占位符 2">
             <a:extLst>
               <a:ext uri="{FF2B5EF4-FFF2-40B4-BE49-F238E27FC236}">
-                <a16:creationId xmlns:a16="http://schemas.microsoft.com/office/drawing/2014/main" id="{341C33CC-1D49-48B9-AD8D-C026374D4048}"/>
+                <a16:creationId xmlns="" xmlns:a16="http://schemas.microsoft.com/office/drawing/2014/main" id="{341C33CC-1D49-48B9-AD8D-C026374D4048}"/>
               </a:ext>
             </a:extLst>
           </p:cNvPr>
@@ -10195,7 +10364,7 @@
           <p:cNvPr id="4" name="文本占位符 3">
             <a:extLst>
               <a:ext uri="{FF2B5EF4-FFF2-40B4-BE49-F238E27FC236}">
-                <a16:creationId xmlns:a16="http://schemas.microsoft.com/office/drawing/2014/main" id="{AB1496AC-4EE6-49C3-8C9B-EF5DF2FA8938}"/>
+                <a16:creationId xmlns="" xmlns:a16="http://schemas.microsoft.com/office/drawing/2014/main" id="{AB1496AC-4EE6-49C3-8C9B-EF5DF2FA8938}"/>
               </a:ext>
             </a:extLst>
           </p:cNvPr>
@@ -10266,7 +10435,7 @@
           <p:cNvPr id="5" name="日期占位符 4">
             <a:extLst>
               <a:ext uri="{FF2B5EF4-FFF2-40B4-BE49-F238E27FC236}">
-                <a16:creationId xmlns:a16="http://schemas.microsoft.com/office/drawing/2014/main" id="{7A833486-B6E2-4A6A-8556-C93BA0BFC9D5}"/>
+                <a16:creationId xmlns="" xmlns:a16="http://schemas.microsoft.com/office/drawing/2014/main" id="{7A833486-B6E2-4A6A-8556-C93BA0BFC9D5}"/>
               </a:ext>
             </a:extLst>
           </p:cNvPr>
@@ -10309,7 +10478,7 @@
           <p:cNvPr id="6" name="页脚占位符 5">
             <a:extLst>
               <a:ext uri="{FF2B5EF4-FFF2-40B4-BE49-F238E27FC236}">
-                <a16:creationId xmlns:a16="http://schemas.microsoft.com/office/drawing/2014/main" id="{0CAA03D7-D362-4D9A-A42F-E0B61F8EFFB2}"/>
+                <a16:creationId xmlns="" xmlns:a16="http://schemas.microsoft.com/office/drawing/2014/main" id="{0CAA03D7-D362-4D9A-A42F-E0B61F8EFFB2}"/>
               </a:ext>
             </a:extLst>
           </p:cNvPr>
@@ -10341,7 +10510,7 @@
           <p:cNvPr id="7" name="灯片编号占位符 6">
             <a:extLst>
               <a:ext uri="{FF2B5EF4-FFF2-40B4-BE49-F238E27FC236}">
-                <a16:creationId xmlns:a16="http://schemas.microsoft.com/office/drawing/2014/main" id="{712E8C6E-626E-4B49-9AB5-8FDC322F6658}"/>
+                <a16:creationId xmlns="" xmlns:a16="http://schemas.microsoft.com/office/drawing/2014/main" id="{712E8C6E-626E-4B49-9AB5-8FDC322F6658}"/>
               </a:ext>
             </a:extLst>
           </p:cNvPr>
@@ -10414,7 +10583,7 @@
           <p:cNvPr id="2" name="标题 1">
             <a:extLst>
               <a:ext uri="{FF2B5EF4-FFF2-40B4-BE49-F238E27FC236}">
-                <a16:creationId xmlns:a16="http://schemas.microsoft.com/office/drawing/2014/main" id="{57C37C44-793F-49FD-B6FE-3B75D7DDF62B}"/>
+                <a16:creationId xmlns="" xmlns:a16="http://schemas.microsoft.com/office/drawing/2014/main" id="{57C37C44-793F-49FD-B6FE-3B75D7DDF62B}"/>
               </a:ext>
             </a:extLst>
           </p:cNvPr>
@@ -10451,7 +10620,7 @@
           <p:cNvPr id="3" name="图片占位符 2">
             <a:extLst>
               <a:ext uri="{FF2B5EF4-FFF2-40B4-BE49-F238E27FC236}">
-                <a16:creationId xmlns:a16="http://schemas.microsoft.com/office/drawing/2014/main" id="{A15269EA-5160-427F-BF62-2693283B08DC}"/>
+                <a16:creationId xmlns="" xmlns:a16="http://schemas.microsoft.com/office/drawing/2014/main" id="{A15269EA-5160-427F-BF62-2693283B08DC}"/>
               </a:ext>
             </a:extLst>
           </p:cNvPr>
@@ -10518,7 +10687,7 @@
           <p:cNvPr id="4" name="文本占位符 3">
             <a:extLst>
               <a:ext uri="{FF2B5EF4-FFF2-40B4-BE49-F238E27FC236}">
-                <a16:creationId xmlns:a16="http://schemas.microsoft.com/office/drawing/2014/main" id="{0AFCC153-328C-4C97-B267-6616D8AA2D96}"/>
+                <a16:creationId xmlns="" xmlns:a16="http://schemas.microsoft.com/office/drawing/2014/main" id="{0AFCC153-328C-4C97-B267-6616D8AA2D96}"/>
               </a:ext>
             </a:extLst>
           </p:cNvPr>
@@ -10589,7 +10758,7 @@
           <p:cNvPr id="5" name="日期占位符 4">
             <a:extLst>
               <a:ext uri="{FF2B5EF4-FFF2-40B4-BE49-F238E27FC236}">
-                <a16:creationId xmlns:a16="http://schemas.microsoft.com/office/drawing/2014/main" id="{FAC4898A-9FFF-4726-9172-1B83945CE173}"/>
+                <a16:creationId xmlns="" xmlns:a16="http://schemas.microsoft.com/office/drawing/2014/main" id="{FAC4898A-9FFF-4726-9172-1B83945CE173}"/>
               </a:ext>
             </a:extLst>
           </p:cNvPr>
@@ -10632,7 +10801,7 @@
           <p:cNvPr id="6" name="页脚占位符 5">
             <a:extLst>
               <a:ext uri="{FF2B5EF4-FFF2-40B4-BE49-F238E27FC236}">
-                <a16:creationId xmlns:a16="http://schemas.microsoft.com/office/drawing/2014/main" id="{D62ED8E6-A756-4AFF-BFCE-9AF96E483BA7}"/>
+                <a16:creationId xmlns="" xmlns:a16="http://schemas.microsoft.com/office/drawing/2014/main" id="{D62ED8E6-A756-4AFF-BFCE-9AF96E483BA7}"/>
               </a:ext>
             </a:extLst>
           </p:cNvPr>
@@ -10664,7 +10833,7 @@
           <p:cNvPr id="7" name="灯片编号占位符 6">
             <a:extLst>
               <a:ext uri="{FF2B5EF4-FFF2-40B4-BE49-F238E27FC236}">
-                <a16:creationId xmlns:a16="http://schemas.microsoft.com/office/drawing/2014/main" id="{03B7512B-DEF3-4D01-B3EA-A828ABEAE69A}"/>
+                <a16:creationId xmlns="" xmlns:a16="http://schemas.microsoft.com/office/drawing/2014/main" id="{03B7512B-DEF3-4D01-B3EA-A828ABEAE69A}"/>
               </a:ext>
             </a:extLst>
           </p:cNvPr>
@@ -10737,7 +10906,7 @@
           <p:cNvPr id="2" name="标题 1">
             <a:extLst>
               <a:ext uri="{FF2B5EF4-FFF2-40B4-BE49-F238E27FC236}">
-                <a16:creationId xmlns:a16="http://schemas.microsoft.com/office/drawing/2014/main" id="{5106DD19-863A-4173-A7DD-343666B6AE37}"/>
+                <a16:creationId xmlns="" xmlns:a16="http://schemas.microsoft.com/office/drawing/2014/main" id="{5106DD19-863A-4173-A7DD-343666B6AE37}"/>
               </a:ext>
             </a:extLst>
           </p:cNvPr>
@@ -10765,7 +10934,7 @@
           <p:cNvPr id="3" name="竖排文字占位符 2">
             <a:extLst>
               <a:ext uri="{FF2B5EF4-FFF2-40B4-BE49-F238E27FC236}">
-                <a16:creationId xmlns:a16="http://schemas.microsoft.com/office/drawing/2014/main" id="{C49E998E-C471-4CE9-8D1D-DCDBC2627F97}"/>
+                <a16:creationId xmlns="" xmlns:a16="http://schemas.microsoft.com/office/drawing/2014/main" id="{C49E998E-C471-4CE9-8D1D-DCDBC2627F97}"/>
               </a:ext>
             </a:extLst>
           </p:cNvPr>
@@ -10822,7 +10991,7 @@
           <p:cNvPr id="4" name="日期占位符 3">
             <a:extLst>
               <a:ext uri="{FF2B5EF4-FFF2-40B4-BE49-F238E27FC236}">
-                <a16:creationId xmlns:a16="http://schemas.microsoft.com/office/drawing/2014/main" id="{525666F0-615B-4046-9A44-9BE1310A59B8}"/>
+                <a16:creationId xmlns="" xmlns:a16="http://schemas.microsoft.com/office/drawing/2014/main" id="{525666F0-615B-4046-9A44-9BE1310A59B8}"/>
               </a:ext>
             </a:extLst>
           </p:cNvPr>
@@ -10865,7 +11034,7 @@
           <p:cNvPr id="5" name="页脚占位符 4">
             <a:extLst>
               <a:ext uri="{FF2B5EF4-FFF2-40B4-BE49-F238E27FC236}">
-                <a16:creationId xmlns:a16="http://schemas.microsoft.com/office/drawing/2014/main" id="{52A6DCCC-7181-46BF-978B-9D96A4458FB4}"/>
+                <a16:creationId xmlns="" xmlns:a16="http://schemas.microsoft.com/office/drawing/2014/main" id="{52A6DCCC-7181-46BF-978B-9D96A4458FB4}"/>
               </a:ext>
             </a:extLst>
           </p:cNvPr>
@@ -10897,7 +11066,7 @@
           <p:cNvPr id="6" name="灯片编号占位符 5">
             <a:extLst>
               <a:ext uri="{FF2B5EF4-FFF2-40B4-BE49-F238E27FC236}">
-                <a16:creationId xmlns:a16="http://schemas.microsoft.com/office/drawing/2014/main" id="{5529F146-305D-428C-B06D-627ECEE1BC28}"/>
+                <a16:creationId xmlns="" xmlns:a16="http://schemas.microsoft.com/office/drawing/2014/main" id="{5529F146-305D-428C-B06D-627ECEE1BC28}"/>
               </a:ext>
             </a:extLst>
           </p:cNvPr>
@@ -10970,7 +11139,7 @@
           <p:cNvPr id="2" name="竖排标题 1">
             <a:extLst>
               <a:ext uri="{FF2B5EF4-FFF2-40B4-BE49-F238E27FC236}">
-                <a16:creationId xmlns:a16="http://schemas.microsoft.com/office/drawing/2014/main" id="{640C0A29-BA35-4D37-B38D-A1D697072C13}"/>
+                <a16:creationId xmlns="" xmlns:a16="http://schemas.microsoft.com/office/drawing/2014/main" id="{640C0A29-BA35-4D37-B38D-A1D697072C13}"/>
               </a:ext>
             </a:extLst>
           </p:cNvPr>
@@ -11003,7 +11172,7 @@
           <p:cNvPr id="3" name="竖排文字占位符 2">
             <a:extLst>
               <a:ext uri="{FF2B5EF4-FFF2-40B4-BE49-F238E27FC236}">
-                <a16:creationId xmlns:a16="http://schemas.microsoft.com/office/drawing/2014/main" id="{7180B562-8662-40FC-B4FD-9F6B037F0DBF}"/>
+                <a16:creationId xmlns="" xmlns:a16="http://schemas.microsoft.com/office/drawing/2014/main" id="{7180B562-8662-40FC-B4FD-9F6B037F0DBF}"/>
               </a:ext>
             </a:extLst>
           </p:cNvPr>
@@ -11065,7 +11234,7 @@
           <p:cNvPr id="4" name="日期占位符 3">
             <a:extLst>
               <a:ext uri="{FF2B5EF4-FFF2-40B4-BE49-F238E27FC236}">
-                <a16:creationId xmlns:a16="http://schemas.microsoft.com/office/drawing/2014/main" id="{D35698FC-2778-462B-9CB4-343D95B25CBB}"/>
+                <a16:creationId xmlns="" xmlns:a16="http://schemas.microsoft.com/office/drawing/2014/main" id="{D35698FC-2778-462B-9CB4-343D95B25CBB}"/>
               </a:ext>
             </a:extLst>
           </p:cNvPr>
@@ -11108,7 +11277,7 @@
           <p:cNvPr id="5" name="页脚占位符 4">
             <a:extLst>
               <a:ext uri="{FF2B5EF4-FFF2-40B4-BE49-F238E27FC236}">
-                <a16:creationId xmlns:a16="http://schemas.microsoft.com/office/drawing/2014/main" id="{6A87B416-60A7-4FED-8C85-C2372A2C9C6A}"/>
+                <a16:creationId xmlns="" xmlns:a16="http://schemas.microsoft.com/office/drawing/2014/main" id="{6A87B416-60A7-4FED-8C85-C2372A2C9C6A}"/>
               </a:ext>
             </a:extLst>
           </p:cNvPr>
@@ -11140,7 +11309,7 @@
           <p:cNvPr id="6" name="灯片编号占位符 5">
             <a:extLst>
               <a:ext uri="{FF2B5EF4-FFF2-40B4-BE49-F238E27FC236}">
-                <a16:creationId xmlns:a16="http://schemas.microsoft.com/office/drawing/2014/main" id="{D929907B-D747-4776-8DF9-49A75218492D}"/>
+                <a16:creationId xmlns="" xmlns:a16="http://schemas.microsoft.com/office/drawing/2014/main" id="{D929907B-D747-4776-8DF9-49A75218492D}"/>
               </a:ext>
             </a:extLst>
           </p:cNvPr>
@@ -11213,7 +11382,7 @@
           <p:cNvPr id="2" name="标题 1">
             <a:extLst>
               <a:ext uri="{FF2B5EF4-FFF2-40B4-BE49-F238E27FC236}">
-                <a16:creationId xmlns:a16="http://schemas.microsoft.com/office/drawing/2014/main" id="{4CDA0CE5-9BBF-4B0F-8419-84C4A33B239C}"/>
+                <a16:creationId xmlns="" xmlns:a16="http://schemas.microsoft.com/office/drawing/2014/main" id="{4CDA0CE5-9BBF-4B0F-8419-84C4A33B239C}"/>
               </a:ext>
             </a:extLst>
           </p:cNvPr>
@@ -11250,7 +11419,7 @@
           <p:cNvPr id="3" name="副标题 2">
             <a:extLst>
               <a:ext uri="{FF2B5EF4-FFF2-40B4-BE49-F238E27FC236}">
-                <a16:creationId xmlns:a16="http://schemas.microsoft.com/office/drawing/2014/main" id="{03040E88-1C35-4C9C-B763-30DEDBEC1E8F}"/>
+                <a16:creationId xmlns="" xmlns:a16="http://schemas.microsoft.com/office/drawing/2014/main" id="{03040E88-1C35-4C9C-B763-30DEDBEC1E8F}"/>
               </a:ext>
             </a:extLst>
           </p:cNvPr>
@@ -11320,7 +11489,7 @@
           <p:cNvPr id="4" name="日期占位符 3">
             <a:extLst>
               <a:ext uri="{FF2B5EF4-FFF2-40B4-BE49-F238E27FC236}">
-                <a16:creationId xmlns:a16="http://schemas.microsoft.com/office/drawing/2014/main" id="{74A2F367-CB10-426F-9C24-BE0E648E1F79}"/>
+                <a16:creationId xmlns="" xmlns:a16="http://schemas.microsoft.com/office/drawing/2014/main" id="{74A2F367-CB10-426F-9C24-BE0E648E1F79}"/>
               </a:ext>
             </a:extLst>
           </p:cNvPr>
@@ -11363,7 +11532,7 @@
           <p:cNvPr id="5" name="页脚占位符 4">
             <a:extLst>
               <a:ext uri="{FF2B5EF4-FFF2-40B4-BE49-F238E27FC236}">
-                <a16:creationId xmlns:a16="http://schemas.microsoft.com/office/drawing/2014/main" id="{087FD322-4C8C-4EDC-BA44-5452C8097CBC}"/>
+                <a16:creationId xmlns="" xmlns:a16="http://schemas.microsoft.com/office/drawing/2014/main" id="{087FD322-4C8C-4EDC-BA44-5452C8097CBC}"/>
               </a:ext>
             </a:extLst>
           </p:cNvPr>
@@ -11395,7 +11564,7 @@
           <p:cNvPr id="6" name="灯片编号占位符 5">
             <a:extLst>
               <a:ext uri="{FF2B5EF4-FFF2-40B4-BE49-F238E27FC236}">
-                <a16:creationId xmlns:a16="http://schemas.microsoft.com/office/drawing/2014/main" id="{175CD708-2C70-4B9D-BF42-78FB9EDB54C1}"/>
+                <a16:creationId xmlns="" xmlns:a16="http://schemas.microsoft.com/office/drawing/2014/main" id="{175CD708-2C70-4B9D-BF42-78FB9EDB54C1}"/>
               </a:ext>
             </a:extLst>
           </p:cNvPr>
@@ -11468,7 +11637,7 @@
           <p:cNvPr id="2" name="标题 1">
             <a:extLst>
               <a:ext uri="{FF2B5EF4-FFF2-40B4-BE49-F238E27FC236}">
-                <a16:creationId xmlns:a16="http://schemas.microsoft.com/office/drawing/2014/main" id="{3B901850-5E42-409C-A40B-429300FF91F3}"/>
+                <a16:creationId xmlns="" xmlns:a16="http://schemas.microsoft.com/office/drawing/2014/main" id="{3B901850-5E42-409C-A40B-429300FF91F3}"/>
               </a:ext>
             </a:extLst>
           </p:cNvPr>
@@ -11496,7 +11665,7 @@
           <p:cNvPr id="3" name="内容占位符 2">
             <a:extLst>
               <a:ext uri="{FF2B5EF4-FFF2-40B4-BE49-F238E27FC236}">
-                <a16:creationId xmlns:a16="http://schemas.microsoft.com/office/drawing/2014/main" id="{E1D8B5B5-56C2-445D-BAF5-B4940B41DE69}"/>
+                <a16:creationId xmlns="" xmlns:a16="http://schemas.microsoft.com/office/drawing/2014/main" id="{E1D8B5B5-56C2-445D-BAF5-B4940B41DE69}"/>
               </a:ext>
             </a:extLst>
           </p:cNvPr>
@@ -11553,7 +11722,7 @@
           <p:cNvPr id="4" name="日期占位符 3">
             <a:extLst>
               <a:ext uri="{FF2B5EF4-FFF2-40B4-BE49-F238E27FC236}">
-                <a16:creationId xmlns:a16="http://schemas.microsoft.com/office/drawing/2014/main" id="{6A0369C5-ADE1-4A9E-9BB4-B7B8762B2D8A}"/>
+                <a16:creationId xmlns="" xmlns:a16="http://schemas.microsoft.com/office/drawing/2014/main" id="{6A0369C5-ADE1-4A9E-9BB4-B7B8762B2D8A}"/>
               </a:ext>
             </a:extLst>
           </p:cNvPr>
@@ -11596,7 +11765,7 @@
           <p:cNvPr id="5" name="页脚占位符 4">
             <a:extLst>
               <a:ext uri="{FF2B5EF4-FFF2-40B4-BE49-F238E27FC236}">
-                <a16:creationId xmlns:a16="http://schemas.microsoft.com/office/drawing/2014/main" id="{26039A34-1B5E-4C64-9EBC-9D70B75E1C2D}"/>
+                <a16:creationId xmlns="" xmlns:a16="http://schemas.microsoft.com/office/drawing/2014/main" id="{26039A34-1B5E-4C64-9EBC-9D70B75E1C2D}"/>
               </a:ext>
             </a:extLst>
           </p:cNvPr>
@@ -11628,7 +11797,7 @@
           <p:cNvPr id="6" name="灯片编号占位符 5">
             <a:extLst>
               <a:ext uri="{FF2B5EF4-FFF2-40B4-BE49-F238E27FC236}">
-                <a16:creationId xmlns:a16="http://schemas.microsoft.com/office/drawing/2014/main" id="{DE50808B-1E80-4536-886A-3E7DF55A8903}"/>
+                <a16:creationId xmlns="" xmlns:a16="http://schemas.microsoft.com/office/drawing/2014/main" id="{DE50808B-1E80-4536-886A-3E7DF55A8903}"/>
               </a:ext>
             </a:extLst>
           </p:cNvPr>
@@ -11701,7 +11870,7 @@
           <p:cNvPr id="2" name="标题 1">
             <a:extLst>
               <a:ext uri="{FF2B5EF4-FFF2-40B4-BE49-F238E27FC236}">
-                <a16:creationId xmlns:a16="http://schemas.microsoft.com/office/drawing/2014/main" id="{A115171A-B79C-422D-9F6B-235E3D8155BE}"/>
+                <a16:creationId xmlns="" xmlns:a16="http://schemas.microsoft.com/office/drawing/2014/main" id="{A115171A-B79C-422D-9F6B-235E3D8155BE}"/>
               </a:ext>
             </a:extLst>
           </p:cNvPr>
@@ -11738,7 +11907,7 @@
           <p:cNvPr id="3" name="文本占位符 2">
             <a:extLst>
               <a:ext uri="{FF2B5EF4-FFF2-40B4-BE49-F238E27FC236}">
-                <a16:creationId xmlns:a16="http://schemas.microsoft.com/office/drawing/2014/main" id="{2BCDC11C-2739-4645-A3E2-75A59243582F}"/>
+                <a16:creationId xmlns="" xmlns:a16="http://schemas.microsoft.com/office/drawing/2014/main" id="{2BCDC11C-2739-4645-A3E2-75A59243582F}"/>
               </a:ext>
             </a:extLst>
           </p:cNvPr>
@@ -11863,7 +12032,7 @@
           <p:cNvPr id="4" name="日期占位符 3">
             <a:extLst>
               <a:ext uri="{FF2B5EF4-FFF2-40B4-BE49-F238E27FC236}">
-                <a16:creationId xmlns:a16="http://schemas.microsoft.com/office/drawing/2014/main" id="{C4B4C6FA-F97B-4A4C-915C-D626051D53B2}"/>
+                <a16:creationId xmlns="" xmlns:a16="http://schemas.microsoft.com/office/drawing/2014/main" id="{C4B4C6FA-F97B-4A4C-915C-D626051D53B2}"/>
               </a:ext>
             </a:extLst>
           </p:cNvPr>
@@ -11906,7 +12075,7 @@
           <p:cNvPr id="5" name="页脚占位符 4">
             <a:extLst>
               <a:ext uri="{FF2B5EF4-FFF2-40B4-BE49-F238E27FC236}">
-                <a16:creationId xmlns:a16="http://schemas.microsoft.com/office/drawing/2014/main" id="{38DE72DC-9317-435D-9AC2-84A22B64CF51}"/>
+                <a16:creationId xmlns="" xmlns:a16="http://schemas.microsoft.com/office/drawing/2014/main" id="{38DE72DC-9317-435D-9AC2-84A22B64CF51}"/>
               </a:ext>
             </a:extLst>
           </p:cNvPr>
@@ -11938,7 +12107,7 @@
           <p:cNvPr id="6" name="灯片编号占位符 5">
             <a:extLst>
               <a:ext uri="{FF2B5EF4-FFF2-40B4-BE49-F238E27FC236}">
-                <a16:creationId xmlns:a16="http://schemas.microsoft.com/office/drawing/2014/main" id="{81FD245E-3865-458E-B77F-FF1509083582}"/>
+                <a16:creationId xmlns="" xmlns:a16="http://schemas.microsoft.com/office/drawing/2014/main" id="{81FD245E-3865-458E-B77F-FF1509083582}"/>
               </a:ext>
             </a:extLst>
           </p:cNvPr>
@@ -12011,7 +12180,7 @@
           <p:cNvPr id="2" name="标题 1">
             <a:extLst>
               <a:ext uri="{FF2B5EF4-FFF2-40B4-BE49-F238E27FC236}">
-                <a16:creationId xmlns:a16="http://schemas.microsoft.com/office/drawing/2014/main" id="{3917087B-E063-4F30-9A75-DAA193F94160}"/>
+                <a16:creationId xmlns="" xmlns:a16="http://schemas.microsoft.com/office/drawing/2014/main" id="{3917087B-E063-4F30-9A75-DAA193F94160}"/>
               </a:ext>
             </a:extLst>
           </p:cNvPr>
@@ -12039,7 +12208,7 @@
           <p:cNvPr id="3" name="内容占位符 2">
             <a:extLst>
               <a:ext uri="{FF2B5EF4-FFF2-40B4-BE49-F238E27FC236}">
-                <a16:creationId xmlns:a16="http://schemas.microsoft.com/office/drawing/2014/main" id="{FF50BC0F-E395-4398-9508-3C65345EB094}"/>
+                <a16:creationId xmlns="" xmlns:a16="http://schemas.microsoft.com/office/drawing/2014/main" id="{FF50BC0F-E395-4398-9508-3C65345EB094}"/>
               </a:ext>
             </a:extLst>
           </p:cNvPr>
@@ -12101,7 +12270,7 @@
           <p:cNvPr id="4" name="内容占位符 3">
             <a:extLst>
               <a:ext uri="{FF2B5EF4-FFF2-40B4-BE49-F238E27FC236}">
-                <a16:creationId xmlns:a16="http://schemas.microsoft.com/office/drawing/2014/main" id="{C357DE1C-38E8-4657-90F5-CBEA7E26B919}"/>
+                <a16:creationId xmlns="" xmlns:a16="http://schemas.microsoft.com/office/drawing/2014/main" id="{C357DE1C-38E8-4657-90F5-CBEA7E26B919}"/>
               </a:ext>
             </a:extLst>
           </p:cNvPr>
@@ -12163,7 +12332,7 @@
           <p:cNvPr id="5" name="日期占位符 4">
             <a:extLst>
               <a:ext uri="{FF2B5EF4-FFF2-40B4-BE49-F238E27FC236}">
-                <a16:creationId xmlns:a16="http://schemas.microsoft.com/office/drawing/2014/main" id="{AD935ED2-89D0-4B2C-AA8D-F2738B00FB0A}"/>
+                <a16:creationId xmlns="" xmlns:a16="http://schemas.microsoft.com/office/drawing/2014/main" id="{AD935ED2-89D0-4B2C-AA8D-F2738B00FB0A}"/>
               </a:ext>
             </a:extLst>
           </p:cNvPr>
@@ -12206,7 +12375,7 @@
           <p:cNvPr id="6" name="页脚占位符 5">
             <a:extLst>
               <a:ext uri="{FF2B5EF4-FFF2-40B4-BE49-F238E27FC236}">
-                <a16:creationId xmlns:a16="http://schemas.microsoft.com/office/drawing/2014/main" id="{16E945BB-7CF4-48D2-BA1F-5ADD2038290D}"/>
+                <a16:creationId xmlns="" xmlns:a16="http://schemas.microsoft.com/office/drawing/2014/main" id="{16E945BB-7CF4-48D2-BA1F-5ADD2038290D}"/>
               </a:ext>
             </a:extLst>
           </p:cNvPr>
@@ -12238,7 +12407,7 @@
           <p:cNvPr id="7" name="灯片编号占位符 6">
             <a:extLst>
               <a:ext uri="{FF2B5EF4-FFF2-40B4-BE49-F238E27FC236}">
-                <a16:creationId xmlns:a16="http://schemas.microsoft.com/office/drawing/2014/main" id="{755B513F-2021-47EF-94C8-6B39BE7AF7AD}"/>
+                <a16:creationId xmlns="" xmlns:a16="http://schemas.microsoft.com/office/drawing/2014/main" id="{755B513F-2021-47EF-94C8-6B39BE7AF7AD}"/>
               </a:ext>
             </a:extLst>
           </p:cNvPr>
@@ -12311,7 +12480,7 @@
           <p:cNvPr id="2" name="标题 1">
             <a:extLst>
               <a:ext uri="{FF2B5EF4-FFF2-40B4-BE49-F238E27FC236}">
-                <a16:creationId xmlns:a16="http://schemas.microsoft.com/office/drawing/2014/main" id="{B7942CEF-1E81-4240-AFDE-E1D65B3F3928}"/>
+                <a16:creationId xmlns="" xmlns:a16="http://schemas.microsoft.com/office/drawing/2014/main" id="{B7942CEF-1E81-4240-AFDE-E1D65B3F3928}"/>
               </a:ext>
             </a:extLst>
           </p:cNvPr>
@@ -12344,7 +12513,7 @@
           <p:cNvPr id="3" name="文本占位符 2">
             <a:extLst>
               <a:ext uri="{FF2B5EF4-FFF2-40B4-BE49-F238E27FC236}">
-                <a16:creationId xmlns:a16="http://schemas.microsoft.com/office/drawing/2014/main" id="{D488AB64-8AA0-481A-91C6-91395E3B5274}"/>
+                <a16:creationId xmlns="" xmlns:a16="http://schemas.microsoft.com/office/drawing/2014/main" id="{D488AB64-8AA0-481A-91C6-91395E3B5274}"/>
               </a:ext>
             </a:extLst>
           </p:cNvPr>
@@ -12415,7 +12584,7 @@
           <p:cNvPr id="4" name="内容占位符 3">
             <a:extLst>
               <a:ext uri="{FF2B5EF4-FFF2-40B4-BE49-F238E27FC236}">
-                <a16:creationId xmlns:a16="http://schemas.microsoft.com/office/drawing/2014/main" id="{F9F12DF2-B199-4070-A5EF-1D66B1BAA290}"/>
+                <a16:creationId xmlns="" xmlns:a16="http://schemas.microsoft.com/office/drawing/2014/main" id="{F9F12DF2-B199-4070-A5EF-1D66B1BAA290}"/>
               </a:ext>
             </a:extLst>
           </p:cNvPr>
@@ -12477,7 +12646,7 @@
           <p:cNvPr id="5" name="文本占位符 4">
             <a:extLst>
               <a:ext uri="{FF2B5EF4-FFF2-40B4-BE49-F238E27FC236}">
-                <a16:creationId xmlns:a16="http://schemas.microsoft.com/office/drawing/2014/main" id="{F53A0C5E-AB2F-436B-98C0-904ECC8AB794}"/>
+                <a16:creationId xmlns="" xmlns:a16="http://schemas.microsoft.com/office/drawing/2014/main" id="{F53A0C5E-AB2F-436B-98C0-904ECC8AB794}"/>
               </a:ext>
             </a:extLst>
           </p:cNvPr>
@@ -12548,7 +12717,7 @@
           <p:cNvPr id="6" name="内容占位符 5">
             <a:extLst>
               <a:ext uri="{FF2B5EF4-FFF2-40B4-BE49-F238E27FC236}">
-                <a16:creationId xmlns:a16="http://schemas.microsoft.com/office/drawing/2014/main" id="{C0B8CAFD-4690-4E76-BA79-7FDF2F5300A6}"/>
+                <a16:creationId xmlns="" xmlns:a16="http://schemas.microsoft.com/office/drawing/2014/main" id="{C0B8CAFD-4690-4E76-BA79-7FDF2F5300A6}"/>
               </a:ext>
             </a:extLst>
           </p:cNvPr>
@@ -12610,7 +12779,7 @@
           <p:cNvPr id="7" name="日期占位符 6">
             <a:extLst>
               <a:ext uri="{FF2B5EF4-FFF2-40B4-BE49-F238E27FC236}">
-                <a16:creationId xmlns:a16="http://schemas.microsoft.com/office/drawing/2014/main" id="{66F39C9E-DB77-493C-B3ED-9011418175C8}"/>
+                <a16:creationId xmlns="" xmlns:a16="http://schemas.microsoft.com/office/drawing/2014/main" id="{66F39C9E-DB77-493C-B3ED-9011418175C8}"/>
               </a:ext>
             </a:extLst>
           </p:cNvPr>
@@ -12653,7 +12822,7 @@
           <p:cNvPr id="8" name="页脚占位符 7">
             <a:extLst>
               <a:ext uri="{FF2B5EF4-FFF2-40B4-BE49-F238E27FC236}">
-                <a16:creationId xmlns:a16="http://schemas.microsoft.com/office/drawing/2014/main" id="{1663A30C-82BC-46DB-8F06-36D87050C8CF}"/>
+                <a16:creationId xmlns="" xmlns:a16="http://schemas.microsoft.com/office/drawing/2014/main" id="{1663A30C-82BC-46DB-8F06-36D87050C8CF}"/>
               </a:ext>
             </a:extLst>
           </p:cNvPr>
@@ -12685,7 +12854,7 @@
           <p:cNvPr id="9" name="灯片编号占位符 8">
             <a:extLst>
               <a:ext uri="{FF2B5EF4-FFF2-40B4-BE49-F238E27FC236}">
-                <a16:creationId xmlns:a16="http://schemas.microsoft.com/office/drawing/2014/main" id="{BAFD7E5C-3920-40C4-A1B3-C100EBF73E2B}"/>
+                <a16:creationId xmlns="" xmlns:a16="http://schemas.microsoft.com/office/drawing/2014/main" id="{BAFD7E5C-3920-40C4-A1B3-C100EBF73E2B}"/>
               </a:ext>
             </a:extLst>
           </p:cNvPr>
@@ -12758,7 +12927,7 @@
           <p:cNvPr id="2" name="标题 1">
             <a:extLst>
               <a:ext uri="{FF2B5EF4-FFF2-40B4-BE49-F238E27FC236}">
-                <a16:creationId xmlns:a16="http://schemas.microsoft.com/office/drawing/2014/main" id="{B7942CEF-1E81-4240-AFDE-E1D65B3F3928}"/>
+                <a16:creationId xmlns="" xmlns:a16="http://schemas.microsoft.com/office/drawing/2014/main" id="{B7942CEF-1E81-4240-AFDE-E1D65B3F3928}"/>
               </a:ext>
             </a:extLst>
           </p:cNvPr>
@@ -12791,7 +12960,7 @@
           <p:cNvPr id="3" name="文本占位符 2">
             <a:extLst>
               <a:ext uri="{FF2B5EF4-FFF2-40B4-BE49-F238E27FC236}">
-                <a16:creationId xmlns:a16="http://schemas.microsoft.com/office/drawing/2014/main" id="{D488AB64-8AA0-481A-91C6-91395E3B5274}"/>
+                <a16:creationId xmlns="" xmlns:a16="http://schemas.microsoft.com/office/drawing/2014/main" id="{D488AB64-8AA0-481A-91C6-91395E3B5274}"/>
               </a:ext>
             </a:extLst>
           </p:cNvPr>
@@ -12862,7 +13031,7 @@
           <p:cNvPr id="4" name="内容占位符 3">
             <a:extLst>
               <a:ext uri="{FF2B5EF4-FFF2-40B4-BE49-F238E27FC236}">
-                <a16:creationId xmlns:a16="http://schemas.microsoft.com/office/drawing/2014/main" id="{F9F12DF2-B199-4070-A5EF-1D66B1BAA290}"/>
+                <a16:creationId xmlns="" xmlns:a16="http://schemas.microsoft.com/office/drawing/2014/main" id="{F9F12DF2-B199-4070-A5EF-1D66B1BAA290}"/>
               </a:ext>
             </a:extLst>
           </p:cNvPr>
@@ -12924,7 +13093,7 @@
           <p:cNvPr id="5" name="文本占位符 4">
             <a:extLst>
               <a:ext uri="{FF2B5EF4-FFF2-40B4-BE49-F238E27FC236}">
-                <a16:creationId xmlns:a16="http://schemas.microsoft.com/office/drawing/2014/main" id="{F53A0C5E-AB2F-436B-98C0-904ECC8AB794}"/>
+                <a16:creationId xmlns="" xmlns:a16="http://schemas.microsoft.com/office/drawing/2014/main" id="{F53A0C5E-AB2F-436B-98C0-904ECC8AB794}"/>
               </a:ext>
             </a:extLst>
           </p:cNvPr>
@@ -12995,7 +13164,7 @@
           <p:cNvPr id="6" name="内容占位符 5">
             <a:extLst>
               <a:ext uri="{FF2B5EF4-FFF2-40B4-BE49-F238E27FC236}">
-                <a16:creationId xmlns:a16="http://schemas.microsoft.com/office/drawing/2014/main" id="{C0B8CAFD-4690-4E76-BA79-7FDF2F5300A6}"/>
+                <a16:creationId xmlns="" xmlns:a16="http://schemas.microsoft.com/office/drawing/2014/main" id="{C0B8CAFD-4690-4E76-BA79-7FDF2F5300A6}"/>
               </a:ext>
             </a:extLst>
           </p:cNvPr>
@@ -13057,7 +13226,7 @@
           <p:cNvPr id="7" name="日期占位符 6">
             <a:extLst>
               <a:ext uri="{FF2B5EF4-FFF2-40B4-BE49-F238E27FC236}">
-                <a16:creationId xmlns:a16="http://schemas.microsoft.com/office/drawing/2014/main" id="{66F39C9E-DB77-493C-B3ED-9011418175C8}"/>
+                <a16:creationId xmlns="" xmlns:a16="http://schemas.microsoft.com/office/drawing/2014/main" id="{66F39C9E-DB77-493C-B3ED-9011418175C8}"/>
               </a:ext>
             </a:extLst>
           </p:cNvPr>
@@ -13100,7 +13269,7 @@
           <p:cNvPr id="8" name="页脚占位符 7">
             <a:extLst>
               <a:ext uri="{FF2B5EF4-FFF2-40B4-BE49-F238E27FC236}">
-                <a16:creationId xmlns:a16="http://schemas.microsoft.com/office/drawing/2014/main" id="{1663A30C-82BC-46DB-8F06-36D87050C8CF}"/>
+                <a16:creationId xmlns="" xmlns:a16="http://schemas.microsoft.com/office/drawing/2014/main" id="{1663A30C-82BC-46DB-8F06-36D87050C8CF}"/>
               </a:ext>
             </a:extLst>
           </p:cNvPr>
@@ -13132,7 +13301,7 @@
           <p:cNvPr id="9" name="灯片编号占位符 8">
             <a:extLst>
               <a:ext uri="{FF2B5EF4-FFF2-40B4-BE49-F238E27FC236}">
-                <a16:creationId xmlns:a16="http://schemas.microsoft.com/office/drawing/2014/main" id="{BAFD7E5C-3920-40C4-A1B3-C100EBF73E2B}"/>
+                <a16:creationId xmlns="" xmlns:a16="http://schemas.microsoft.com/office/drawing/2014/main" id="{BAFD7E5C-3920-40C4-A1B3-C100EBF73E2B}"/>
               </a:ext>
             </a:extLst>
           </p:cNvPr>
@@ -13205,7 +13374,7 @@
           <p:cNvPr id="2" name="标题 1">
             <a:extLst>
               <a:ext uri="{FF2B5EF4-FFF2-40B4-BE49-F238E27FC236}">
-                <a16:creationId xmlns:a16="http://schemas.microsoft.com/office/drawing/2014/main" id="{579CB88E-5BC7-4B28-A5F1-CA7165F15A6C}"/>
+                <a16:creationId xmlns="" xmlns:a16="http://schemas.microsoft.com/office/drawing/2014/main" id="{579CB88E-5BC7-4B28-A5F1-CA7165F15A6C}"/>
               </a:ext>
             </a:extLst>
           </p:cNvPr>
@@ -13233,7 +13402,7 @@
           <p:cNvPr id="3" name="日期占位符 2">
             <a:extLst>
               <a:ext uri="{FF2B5EF4-FFF2-40B4-BE49-F238E27FC236}">
-                <a16:creationId xmlns:a16="http://schemas.microsoft.com/office/drawing/2014/main" id="{C90AEBDB-B99D-49D8-8841-F295D0242826}"/>
+                <a16:creationId xmlns="" xmlns:a16="http://schemas.microsoft.com/office/drawing/2014/main" id="{C90AEBDB-B99D-49D8-8841-F295D0242826}"/>
               </a:ext>
             </a:extLst>
           </p:cNvPr>
@@ -13276,7 +13445,7 @@
           <p:cNvPr id="4" name="页脚占位符 3">
             <a:extLst>
               <a:ext uri="{FF2B5EF4-FFF2-40B4-BE49-F238E27FC236}">
-                <a16:creationId xmlns:a16="http://schemas.microsoft.com/office/drawing/2014/main" id="{0E0E1B7D-C6A8-443E-B341-7A65324028C1}"/>
+                <a16:creationId xmlns="" xmlns:a16="http://schemas.microsoft.com/office/drawing/2014/main" id="{0E0E1B7D-C6A8-443E-B341-7A65324028C1}"/>
               </a:ext>
             </a:extLst>
           </p:cNvPr>
@@ -13308,7 +13477,7 @@
           <p:cNvPr id="5" name="灯片编号占位符 4">
             <a:extLst>
               <a:ext uri="{FF2B5EF4-FFF2-40B4-BE49-F238E27FC236}">
-                <a16:creationId xmlns:a16="http://schemas.microsoft.com/office/drawing/2014/main" id="{CB57A735-1833-40D3-B017-B4AC8278D7E1}"/>
+                <a16:creationId xmlns="" xmlns:a16="http://schemas.microsoft.com/office/drawing/2014/main" id="{CB57A735-1833-40D3-B017-B4AC8278D7E1}"/>
               </a:ext>
             </a:extLst>
           </p:cNvPr>
@@ -13381,7 +13550,7 @@
           <p:cNvPr id="2" name="日期占位符 1">
             <a:extLst>
               <a:ext uri="{FF2B5EF4-FFF2-40B4-BE49-F238E27FC236}">
-                <a16:creationId xmlns:a16="http://schemas.microsoft.com/office/drawing/2014/main" id="{46673B50-E800-420B-8E03-335209D7630D}"/>
+                <a16:creationId xmlns="" xmlns:a16="http://schemas.microsoft.com/office/drawing/2014/main" id="{46673B50-E800-420B-8E03-335209D7630D}"/>
               </a:ext>
             </a:extLst>
           </p:cNvPr>
@@ -13424,7 +13593,7 @@
           <p:cNvPr id="3" name="页脚占位符 2">
             <a:extLst>
               <a:ext uri="{FF2B5EF4-FFF2-40B4-BE49-F238E27FC236}">
-                <a16:creationId xmlns:a16="http://schemas.microsoft.com/office/drawing/2014/main" id="{111590AA-59C8-475E-A80E-B3CBC55BB742}"/>
+                <a16:creationId xmlns="" xmlns:a16="http://schemas.microsoft.com/office/drawing/2014/main" id="{111590AA-59C8-475E-A80E-B3CBC55BB742}"/>
               </a:ext>
             </a:extLst>
           </p:cNvPr>
@@ -13456,7 +13625,7 @@
           <p:cNvPr id="4" name="灯片编号占位符 3">
             <a:extLst>
               <a:ext uri="{FF2B5EF4-FFF2-40B4-BE49-F238E27FC236}">
-                <a16:creationId xmlns:a16="http://schemas.microsoft.com/office/drawing/2014/main" id="{B25D38E6-0BD1-4C30-AFE1-4A17AEAB2F6F}"/>
+                <a16:creationId xmlns="" xmlns:a16="http://schemas.microsoft.com/office/drawing/2014/main" id="{B25D38E6-0BD1-4C30-AFE1-4A17AEAB2F6F}"/>
               </a:ext>
             </a:extLst>
           </p:cNvPr>
@@ -13529,7 +13698,7 @@
           <p:cNvPr id="2" name="标题 1">
             <a:extLst>
               <a:ext uri="{FF2B5EF4-FFF2-40B4-BE49-F238E27FC236}">
-                <a16:creationId xmlns:a16="http://schemas.microsoft.com/office/drawing/2014/main" id="{63C72369-1EAC-45C0-A3A1-F5C624137B30}"/>
+                <a16:creationId xmlns="" xmlns:a16="http://schemas.microsoft.com/office/drawing/2014/main" id="{63C72369-1EAC-45C0-A3A1-F5C624137B30}"/>
               </a:ext>
             </a:extLst>
           </p:cNvPr>
@@ -13566,7 +13735,7 @@
           <p:cNvPr id="3" name="内容占位符 2">
             <a:extLst>
               <a:ext uri="{FF2B5EF4-FFF2-40B4-BE49-F238E27FC236}">
-                <a16:creationId xmlns:a16="http://schemas.microsoft.com/office/drawing/2014/main" id="{341C33CC-1D49-48B9-AD8D-C026374D4048}"/>
+                <a16:creationId xmlns="" xmlns:a16="http://schemas.microsoft.com/office/drawing/2014/main" id="{341C33CC-1D49-48B9-AD8D-C026374D4048}"/>
               </a:ext>
             </a:extLst>
           </p:cNvPr>
@@ -13656,7 +13825,7 @@
           <p:cNvPr id="4" name="文本占位符 3">
             <a:extLst>
               <a:ext uri="{FF2B5EF4-FFF2-40B4-BE49-F238E27FC236}">
-                <a16:creationId xmlns:a16="http://schemas.microsoft.com/office/drawing/2014/main" id="{AB1496AC-4EE6-49C3-8C9B-EF5DF2FA8938}"/>
+                <a16:creationId xmlns="" xmlns:a16="http://schemas.microsoft.com/office/drawing/2014/main" id="{AB1496AC-4EE6-49C3-8C9B-EF5DF2FA8938}"/>
               </a:ext>
             </a:extLst>
           </p:cNvPr>
@@ -13727,7 +13896,7 @@
           <p:cNvPr id="5" name="日期占位符 4">
             <a:extLst>
               <a:ext uri="{FF2B5EF4-FFF2-40B4-BE49-F238E27FC236}">
-                <a16:creationId xmlns:a16="http://schemas.microsoft.com/office/drawing/2014/main" id="{7A833486-B6E2-4A6A-8556-C93BA0BFC9D5}"/>
+                <a16:creationId xmlns="" xmlns:a16="http://schemas.microsoft.com/office/drawing/2014/main" id="{7A833486-B6E2-4A6A-8556-C93BA0BFC9D5}"/>
               </a:ext>
             </a:extLst>
           </p:cNvPr>
@@ -13770,7 +13939,7 @@
           <p:cNvPr id="6" name="页脚占位符 5">
             <a:extLst>
               <a:ext uri="{FF2B5EF4-FFF2-40B4-BE49-F238E27FC236}">
-                <a16:creationId xmlns:a16="http://schemas.microsoft.com/office/drawing/2014/main" id="{0CAA03D7-D362-4D9A-A42F-E0B61F8EFFB2}"/>
+                <a16:creationId xmlns="" xmlns:a16="http://schemas.microsoft.com/office/drawing/2014/main" id="{0CAA03D7-D362-4D9A-A42F-E0B61F8EFFB2}"/>
               </a:ext>
             </a:extLst>
           </p:cNvPr>
@@ -13802,7 +13971,7 @@
           <p:cNvPr id="7" name="灯片编号占位符 6">
             <a:extLst>
               <a:ext uri="{FF2B5EF4-FFF2-40B4-BE49-F238E27FC236}">
-                <a16:creationId xmlns:a16="http://schemas.microsoft.com/office/drawing/2014/main" id="{712E8C6E-626E-4B49-9AB5-8FDC322F6658}"/>
+                <a16:creationId xmlns="" xmlns:a16="http://schemas.microsoft.com/office/drawing/2014/main" id="{712E8C6E-626E-4B49-9AB5-8FDC322F6658}"/>
               </a:ext>
             </a:extLst>
           </p:cNvPr>
@@ -13875,7 +14044,7 @@
           <p:cNvPr id="2" name="标题 1">
             <a:extLst>
               <a:ext uri="{FF2B5EF4-FFF2-40B4-BE49-F238E27FC236}">
-                <a16:creationId xmlns:a16="http://schemas.microsoft.com/office/drawing/2014/main" id="{57C37C44-793F-49FD-B6FE-3B75D7DDF62B}"/>
+                <a16:creationId xmlns="" xmlns:a16="http://schemas.microsoft.com/office/drawing/2014/main" id="{57C37C44-793F-49FD-B6FE-3B75D7DDF62B}"/>
               </a:ext>
             </a:extLst>
           </p:cNvPr>
@@ -13912,7 +14081,7 @@
           <p:cNvPr id="3" name="图片占位符 2">
             <a:extLst>
               <a:ext uri="{FF2B5EF4-FFF2-40B4-BE49-F238E27FC236}">
-                <a16:creationId xmlns:a16="http://schemas.microsoft.com/office/drawing/2014/main" id="{A15269EA-5160-427F-BF62-2693283B08DC}"/>
+                <a16:creationId xmlns="" xmlns:a16="http://schemas.microsoft.com/office/drawing/2014/main" id="{A15269EA-5160-427F-BF62-2693283B08DC}"/>
               </a:ext>
             </a:extLst>
           </p:cNvPr>
@@ -13979,7 +14148,7 @@
           <p:cNvPr id="4" name="文本占位符 3">
             <a:extLst>
               <a:ext uri="{FF2B5EF4-FFF2-40B4-BE49-F238E27FC236}">
-                <a16:creationId xmlns:a16="http://schemas.microsoft.com/office/drawing/2014/main" id="{0AFCC153-328C-4C97-B267-6616D8AA2D96}"/>
+                <a16:creationId xmlns="" xmlns:a16="http://schemas.microsoft.com/office/drawing/2014/main" id="{0AFCC153-328C-4C97-B267-6616D8AA2D96}"/>
               </a:ext>
             </a:extLst>
           </p:cNvPr>
@@ -14050,7 +14219,7 @@
           <p:cNvPr id="5" name="日期占位符 4">
             <a:extLst>
               <a:ext uri="{FF2B5EF4-FFF2-40B4-BE49-F238E27FC236}">
-                <a16:creationId xmlns:a16="http://schemas.microsoft.com/office/drawing/2014/main" id="{FAC4898A-9FFF-4726-9172-1B83945CE173}"/>
+                <a16:creationId xmlns="" xmlns:a16="http://schemas.microsoft.com/office/drawing/2014/main" id="{FAC4898A-9FFF-4726-9172-1B83945CE173}"/>
               </a:ext>
             </a:extLst>
           </p:cNvPr>
@@ -14093,7 +14262,7 @@
           <p:cNvPr id="6" name="页脚占位符 5">
             <a:extLst>
               <a:ext uri="{FF2B5EF4-FFF2-40B4-BE49-F238E27FC236}">
-                <a16:creationId xmlns:a16="http://schemas.microsoft.com/office/drawing/2014/main" id="{D62ED8E6-A756-4AFF-BFCE-9AF96E483BA7}"/>
+                <a16:creationId xmlns="" xmlns:a16="http://schemas.microsoft.com/office/drawing/2014/main" id="{D62ED8E6-A756-4AFF-BFCE-9AF96E483BA7}"/>
               </a:ext>
             </a:extLst>
           </p:cNvPr>
@@ -14125,7 +14294,7 @@
           <p:cNvPr id="7" name="灯片编号占位符 6">
             <a:extLst>
               <a:ext uri="{FF2B5EF4-FFF2-40B4-BE49-F238E27FC236}">
-                <a16:creationId xmlns:a16="http://schemas.microsoft.com/office/drawing/2014/main" id="{03B7512B-DEF3-4D01-B3EA-A828ABEAE69A}"/>
+                <a16:creationId xmlns="" xmlns:a16="http://schemas.microsoft.com/office/drawing/2014/main" id="{03B7512B-DEF3-4D01-B3EA-A828ABEAE69A}"/>
               </a:ext>
             </a:extLst>
           </p:cNvPr>
@@ -14198,7 +14367,7 @@
           <p:cNvPr id="2" name="标题 1">
             <a:extLst>
               <a:ext uri="{FF2B5EF4-FFF2-40B4-BE49-F238E27FC236}">
-                <a16:creationId xmlns:a16="http://schemas.microsoft.com/office/drawing/2014/main" id="{5106DD19-863A-4173-A7DD-343666B6AE37}"/>
+                <a16:creationId xmlns="" xmlns:a16="http://schemas.microsoft.com/office/drawing/2014/main" id="{5106DD19-863A-4173-A7DD-343666B6AE37}"/>
               </a:ext>
             </a:extLst>
           </p:cNvPr>
@@ -14226,7 +14395,7 @@
           <p:cNvPr id="3" name="竖排文字占位符 2">
             <a:extLst>
               <a:ext uri="{FF2B5EF4-FFF2-40B4-BE49-F238E27FC236}">
-                <a16:creationId xmlns:a16="http://schemas.microsoft.com/office/drawing/2014/main" id="{C49E998E-C471-4CE9-8D1D-DCDBC2627F97}"/>
+                <a16:creationId xmlns="" xmlns:a16="http://schemas.microsoft.com/office/drawing/2014/main" id="{C49E998E-C471-4CE9-8D1D-DCDBC2627F97}"/>
               </a:ext>
             </a:extLst>
           </p:cNvPr>
@@ -14283,7 +14452,7 @@
           <p:cNvPr id="4" name="日期占位符 3">
             <a:extLst>
               <a:ext uri="{FF2B5EF4-FFF2-40B4-BE49-F238E27FC236}">
-                <a16:creationId xmlns:a16="http://schemas.microsoft.com/office/drawing/2014/main" id="{525666F0-615B-4046-9A44-9BE1310A59B8}"/>
+                <a16:creationId xmlns="" xmlns:a16="http://schemas.microsoft.com/office/drawing/2014/main" id="{525666F0-615B-4046-9A44-9BE1310A59B8}"/>
               </a:ext>
             </a:extLst>
           </p:cNvPr>
@@ -14326,7 +14495,7 @@
           <p:cNvPr id="5" name="页脚占位符 4">
             <a:extLst>
               <a:ext uri="{FF2B5EF4-FFF2-40B4-BE49-F238E27FC236}">
-                <a16:creationId xmlns:a16="http://schemas.microsoft.com/office/drawing/2014/main" id="{52A6DCCC-7181-46BF-978B-9D96A4458FB4}"/>
+                <a16:creationId xmlns="" xmlns:a16="http://schemas.microsoft.com/office/drawing/2014/main" id="{52A6DCCC-7181-46BF-978B-9D96A4458FB4}"/>
               </a:ext>
             </a:extLst>
           </p:cNvPr>
@@ -14358,7 +14527,7 @@
           <p:cNvPr id="6" name="灯片编号占位符 5">
             <a:extLst>
               <a:ext uri="{FF2B5EF4-FFF2-40B4-BE49-F238E27FC236}">
-                <a16:creationId xmlns:a16="http://schemas.microsoft.com/office/drawing/2014/main" id="{5529F146-305D-428C-B06D-627ECEE1BC28}"/>
+                <a16:creationId xmlns="" xmlns:a16="http://schemas.microsoft.com/office/drawing/2014/main" id="{5529F146-305D-428C-B06D-627ECEE1BC28}"/>
               </a:ext>
             </a:extLst>
           </p:cNvPr>
@@ -14431,7 +14600,7 @@
           <p:cNvPr id="2" name="竖排标题 1">
             <a:extLst>
               <a:ext uri="{FF2B5EF4-FFF2-40B4-BE49-F238E27FC236}">
-                <a16:creationId xmlns:a16="http://schemas.microsoft.com/office/drawing/2014/main" id="{640C0A29-BA35-4D37-B38D-A1D697072C13}"/>
+                <a16:creationId xmlns="" xmlns:a16="http://schemas.microsoft.com/office/drawing/2014/main" id="{640C0A29-BA35-4D37-B38D-A1D697072C13}"/>
               </a:ext>
             </a:extLst>
           </p:cNvPr>
@@ -14464,7 +14633,7 @@
           <p:cNvPr id="3" name="竖排文字占位符 2">
             <a:extLst>
               <a:ext uri="{FF2B5EF4-FFF2-40B4-BE49-F238E27FC236}">
-                <a16:creationId xmlns:a16="http://schemas.microsoft.com/office/drawing/2014/main" id="{7180B562-8662-40FC-B4FD-9F6B037F0DBF}"/>
+                <a16:creationId xmlns="" xmlns:a16="http://schemas.microsoft.com/office/drawing/2014/main" id="{7180B562-8662-40FC-B4FD-9F6B037F0DBF}"/>
               </a:ext>
             </a:extLst>
           </p:cNvPr>
@@ -14526,7 +14695,7 @@
           <p:cNvPr id="4" name="日期占位符 3">
             <a:extLst>
               <a:ext uri="{FF2B5EF4-FFF2-40B4-BE49-F238E27FC236}">
-                <a16:creationId xmlns:a16="http://schemas.microsoft.com/office/drawing/2014/main" id="{D35698FC-2778-462B-9CB4-343D95B25CBB}"/>
+                <a16:creationId xmlns="" xmlns:a16="http://schemas.microsoft.com/office/drawing/2014/main" id="{D35698FC-2778-462B-9CB4-343D95B25CBB}"/>
               </a:ext>
             </a:extLst>
           </p:cNvPr>
@@ -14569,7 +14738,7 @@
           <p:cNvPr id="5" name="页脚占位符 4">
             <a:extLst>
               <a:ext uri="{FF2B5EF4-FFF2-40B4-BE49-F238E27FC236}">
-                <a16:creationId xmlns:a16="http://schemas.microsoft.com/office/drawing/2014/main" id="{6A87B416-60A7-4FED-8C85-C2372A2C9C6A}"/>
+                <a16:creationId xmlns="" xmlns:a16="http://schemas.microsoft.com/office/drawing/2014/main" id="{6A87B416-60A7-4FED-8C85-C2372A2C9C6A}"/>
               </a:ext>
             </a:extLst>
           </p:cNvPr>
@@ -14601,7 +14770,7 @@
           <p:cNvPr id="6" name="灯片编号占位符 5">
             <a:extLst>
               <a:ext uri="{FF2B5EF4-FFF2-40B4-BE49-F238E27FC236}">
-                <a16:creationId xmlns:a16="http://schemas.microsoft.com/office/drawing/2014/main" id="{D929907B-D747-4776-8DF9-49A75218492D}"/>
+                <a16:creationId xmlns="" xmlns:a16="http://schemas.microsoft.com/office/drawing/2014/main" id="{D929907B-D747-4776-8DF9-49A75218492D}"/>
               </a:ext>
             </a:extLst>
           </p:cNvPr>
@@ -14674,7 +14843,7 @@
           <p:cNvPr id="2" name="标题 1">
             <a:extLst>
               <a:ext uri="{FF2B5EF4-FFF2-40B4-BE49-F238E27FC236}">
-                <a16:creationId xmlns:a16="http://schemas.microsoft.com/office/drawing/2014/main" id="{579CB88E-5BC7-4B28-A5F1-CA7165F15A6C}"/>
+                <a16:creationId xmlns="" xmlns:a16="http://schemas.microsoft.com/office/drawing/2014/main" id="{579CB88E-5BC7-4B28-A5F1-CA7165F15A6C}"/>
               </a:ext>
             </a:extLst>
           </p:cNvPr>
@@ -14702,7 +14871,7 @@
           <p:cNvPr id="3" name="日期占位符 2">
             <a:extLst>
               <a:ext uri="{FF2B5EF4-FFF2-40B4-BE49-F238E27FC236}">
-                <a16:creationId xmlns:a16="http://schemas.microsoft.com/office/drawing/2014/main" id="{C90AEBDB-B99D-49D8-8841-F295D0242826}"/>
+                <a16:creationId xmlns="" xmlns:a16="http://schemas.microsoft.com/office/drawing/2014/main" id="{C90AEBDB-B99D-49D8-8841-F295D0242826}"/>
               </a:ext>
             </a:extLst>
           </p:cNvPr>
@@ -14745,7 +14914,7 @@
           <p:cNvPr id="4" name="页脚占位符 3">
             <a:extLst>
               <a:ext uri="{FF2B5EF4-FFF2-40B4-BE49-F238E27FC236}">
-                <a16:creationId xmlns:a16="http://schemas.microsoft.com/office/drawing/2014/main" id="{0E0E1B7D-C6A8-443E-B341-7A65324028C1}"/>
+                <a16:creationId xmlns="" xmlns:a16="http://schemas.microsoft.com/office/drawing/2014/main" id="{0E0E1B7D-C6A8-443E-B341-7A65324028C1}"/>
               </a:ext>
             </a:extLst>
           </p:cNvPr>
@@ -14777,7 +14946,7 @@
           <p:cNvPr id="5" name="灯片编号占位符 4">
             <a:extLst>
               <a:ext uri="{FF2B5EF4-FFF2-40B4-BE49-F238E27FC236}">
-                <a16:creationId xmlns:a16="http://schemas.microsoft.com/office/drawing/2014/main" id="{CB57A735-1833-40D3-B017-B4AC8278D7E1}"/>
+                <a16:creationId xmlns="" xmlns:a16="http://schemas.microsoft.com/office/drawing/2014/main" id="{CB57A735-1833-40D3-B017-B4AC8278D7E1}"/>
               </a:ext>
             </a:extLst>
           </p:cNvPr>
@@ -14850,7 +15019,7 @@
           <p:cNvPr id="2" name="日期占位符 1">
             <a:extLst>
               <a:ext uri="{FF2B5EF4-FFF2-40B4-BE49-F238E27FC236}">
-                <a16:creationId xmlns:a16="http://schemas.microsoft.com/office/drawing/2014/main" id="{46673B50-E800-420B-8E03-335209D7630D}"/>
+                <a16:creationId xmlns="" xmlns:a16="http://schemas.microsoft.com/office/drawing/2014/main" id="{46673B50-E800-420B-8E03-335209D7630D}"/>
               </a:ext>
             </a:extLst>
           </p:cNvPr>
@@ -14893,7 +15062,7 @@
           <p:cNvPr id="3" name="页脚占位符 2">
             <a:extLst>
               <a:ext uri="{FF2B5EF4-FFF2-40B4-BE49-F238E27FC236}">
-                <a16:creationId xmlns:a16="http://schemas.microsoft.com/office/drawing/2014/main" id="{111590AA-59C8-475E-A80E-B3CBC55BB742}"/>
+                <a16:creationId xmlns="" xmlns:a16="http://schemas.microsoft.com/office/drawing/2014/main" id="{111590AA-59C8-475E-A80E-B3CBC55BB742}"/>
               </a:ext>
             </a:extLst>
           </p:cNvPr>
@@ -14925,7 +15094,7 @@
           <p:cNvPr id="4" name="灯片编号占位符 3">
             <a:extLst>
               <a:ext uri="{FF2B5EF4-FFF2-40B4-BE49-F238E27FC236}">
-                <a16:creationId xmlns:a16="http://schemas.microsoft.com/office/drawing/2014/main" id="{B25D38E6-0BD1-4C30-AFE1-4A17AEAB2F6F}"/>
+                <a16:creationId xmlns="" xmlns:a16="http://schemas.microsoft.com/office/drawing/2014/main" id="{B25D38E6-0BD1-4C30-AFE1-4A17AEAB2F6F}"/>
               </a:ext>
             </a:extLst>
           </p:cNvPr>
@@ -14998,7 +15167,7 @@
           <p:cNvPr id="2" name="标题 1">
             <a:extLst>
               <a:ext uri="{FF2B5EF4-FFF2-40B4-BE49-F238E27FC236}">
-                <a16:creationId xmlns:a16="http://schemas.microsoft.com/office/drawing/2014/main" id="{63C72369-1EAC-45C0-A3A1-F5C624137B30}"/>
+                <a16:creationId xmlns="" xmlns:a16="http://schemas.microsoft.com/office/drawing/2014/main" id="{63C72369-1EAC-45C0-A3A1-F5C624137B30}"/>
               </a:ext>
             </a:extLst>
           </p:cNvPr>
@@ -15035,7 +15204,7 @@
           <p:cNvPr id="3" name="内容占位符 2">
             <a:extLst>
               <a:ext uri="{FF2B5EF4-FFF2-40B4-BE49-F238E27FC236}">
-                <a16:creationId xmlns:a16="http://schemas.microsoft.com/office/drawing/2014/main" id="{341C33CC-1D49-48B9-AD8D-C026374D4048}"/>
+                <a16:creationId xmlns="" xmlns:a16="http://schemas.microsoft.com/office/drawing/2014/main" id="{341C33CC-1D49-48B9-AD8D-C026374D4048}"/>
               </a:ext>
             </a:extLst>
           </p:cNvPr>
@@ -15125,7 +15294,7 @@
           <p:cNvPr id="4" name="文本占位符 3">
             <a:extLst>
               <a:ext uri="{FF2B5EF4-FFF2-40B4-BE49-F238E27FC236}">
-                <a16:creationId xmlns:a16="http://schemas.microsoft.com/office/drawing/2014/main" id="{AB1496AC-4EE6-49C3-8C9B-EF5DF2FA8938}"/>
+                <a16:creationId xmlns="" xmlns:a16="http://schemas.microsoft.com/office/drawing/2014/main" id="{AB1496AC-4EE6-49C3-8C9B-EF5DF2FA8938}"/>
               </a:ext>
             </a:extLst>
           </p:cNvPr>
@@ -15196,7 +15365,7 @@
           <p:cNvPr id="5" name="日期占位符 4">
             <a:extLst>
               <a:ext uri="{FF2B5EF4-FFF2-40B4-BE49-F238E27FC236}">
-                <a16:creationId xmlns:a16="http://schemas.microsoft.com/office/drawing/2014/main" id="{7A833486-B6E2-4A6A-8556-C93BA0BFC9D5}"/>
+                <a16:creationId xmlns="" xmlns:a16="http://schemas.microsoft.com/office/drawing/2014/main" id="{7A833486-B6E2-4A6A-8556-C93BA0BFC9D5}"/>
               </a:ext>
             </a:extLst>
           </p:cNvPr>
@@ -15239,7 +15408,7 @@
           <p:cNvPr id="6" name="页脚占位符 5">
             <a:extLst>
               <a:ext uri="{FF2B5EF4-FFF2-40B4-BE49-F238E27FC236}">
-                <a16:creationId xmlns:a16="http://schemas.microsoft.com/office/drawing/2014/main" id="{0CAA03D7-D362-4D9A-A42F-E0B61F8EFFB2}"/>
+                <a16:creationId xmlns="" xmlns:a16="http://schemas.microsoft.com/office/drawing/2014/main" id="{0CAA03D7-D362-4D9A-A42F-E0B61F8EFFB2}"/>
               </a:ext>
             </a:extLst>
           </p:cNvPr>
@@ -15271,7 +15440,7 @@
           <p:cNvPr id="7" name="灯片编号占位符 6">
             <a:extLst>
               <a:ext uri="{FF2B5EF4-FFF2-40B4-BE49-F238E27FC236}">
-                <a16:creationId xmlns:a16="http://schemas.microsoft.com/office/drawing/2014/main" id="{712E8C6E-626E-4B49-9AB5-8FDC322F6658}"/>
+                <a16:creationId xmlns="" xmlns:a16="http://schemas.microsoft.com/office/drawing/2014/main" id="{712E8C6E-626E-4B49-9AB5-8FDC322F6658}"/>
               </a:ext>
             </a:extLst>
           </p:cNvPr>
@@ -15344,7 +15513,7 @@
           <p:cNvPr id="2" name="标题 1">
             <a:extLst>
               <a:ext uri="{FF2B5EF4-FFF2-40B4-BE49-F238E27FC236}">
-                <a16:creationId xmlns:a16="http://schemas.microsoft.com/office/drawing/2014/main" id="{57C37C44-793F-49FD-B6FE-3B75D7DDF62B}"/>
+                <a16:creationId xmlns="" xmlns:a16="http://schemas.microsoft.com/office/drawing/2014/main" id="{57C37C44-793F-49FD-B6FE-3B75D7DDF62B}"/>
               </a:ext>
             </a:extLst>
           </p:cNvPr>
@@ -15381,7 +15550,7 @@
           <p:cNvPr id="3" name="图片占位符 2">
             <a:extLst>
               <a:ext uri="{FF2B5EF4-FFF2-40B4-BE49-F238E27FC236}">
-                <a16:creationId xmlns:a16="http://schemas.microsoft.com/office/drawing/2014/main" id="{A15269EA-5160-427F-BF62-2693283B08DC}"/>
+                <a16:creationId xmlns="" xmlns:a16="http://schemas.microsoft.com/office/drawing/2014/main" id="{A15269EA-5160-427F-BF62-2693283B08DC}"/>
               </a:ext>
             </a:extLst>
           </p:cNvPr>
@@ -15448,7 +15617,7 @@
           <p:cNvPr id="4" name="文本占位符 3">
             <a:extLst>
               <a:ext uri="{FF2B5EF4-FFF2-40B4-BE49-F238E27FC236}">
-                <a16:creationId xmlns:a16="http://schemas.microsoft.com/office/drawing/2014/main" id="{0AFCC153-328C-4C97-B267-6616D8AA2D96}"/>
+                <a16:creationId xmlns="" xmlns:a16="http://schemas.microsoft.com/office/drawing/2014/main" id="{0AFCC153-328C-4C97-B267-6616D8AA2D96}"/>
               </a:ext>
             </a:extLst>
           </p:cNvPr>
@@ -15519,7 +15688,7 @@
           <p:cNvPr id="5" name="日期占位符 4">
             <a:extLst>
               <a:ext uri="{FF2B5EF4-FFF2-40B4-BE49-F238E27FC236}">
-                <a16:creationId xmlns:a16="http://schemas.microsoft.com/office/drawing/2014/main" id="{FAC4898A-9FFF-4726-9172-1B83945CE173}"/>
+                <a16:creationId xmlns="" xmlns:a16="http://schemas.microsoft.com/office/drawing/2014/main" id="{FAC4898A-9FFF-4726-9172-1B83945CE173}"/>
               </a:ext>
             </a:extLst>
           </p:cNvPr>
@@ -15562,7 +15731,7 @@
           <p:cNvPr id="6" name="页脚占位符 5">
             <a:extLst>
               <a:ext uri="{FF2B5EF4-FFF2-40B4-BE49-F238E27FC236}">
-                <a16:creationId xmlns:a16="http://schemas.microsoft.com/office/drawing/2014/main" id="{D62ED8E6-A756-4AFF-BFCE-9AF96E483BA7}"/>
+                <a16:creationId xmlns="" xmlns:a16="http://schemas.microsoft.com/office/drawing/2014/main" id="{D62ED8E6-A756-4AFF-BFCE-9AF96E483BA7}"/>
               </a:ext>
             </a:extLst>
           </p:cNvPr>
@@ -15594,7 +15763,7 @@
           <p:cNvPr id="7" name="灯片编号占位符 6">
             <a:extLst>
               <a:ext uri="{FF2B5EF4-FFF2-40B4-BE49-F238E27FC236}">
-                <a16:creationId xmlns:a16="http://schemas.microsoft.com/office/drawing/2014/main" id="{03B7512B-DEF3-4D01-B3EA-A828ABEAE69A}"/>
+                <a16:creationId xmlns="" xmlns:a16="http://schemas.microsoft.com/office/drawing/2014/main" id="{03B7512B-DEF3-4D01-B3EA-A828ABEAE69A}"/>
               </a:ext>
             </a:extLst>
           </p:cNvPr>
@@ -15675,7 +15844,7 @@
           <p:cNvPr id="2" name="标题占位符 1">
             <a:extLst>
               <a:ext uri="{FF2B5EF4-FFF2-40B4-BE49-F238E27FC236}">
-                <a16:creationId xmlns:a16="http://schemas.microsoft.com/office/drawing/2014/main" id="{9BEA0033-35E3-4536-ACBF-6F221974B9AB}"/>
+                <a16:creationId xmlns="" xmlns:a16="http://schemas.microsoft.com/office/drawing/2014/main" id="{9BEA0033-35E3-4536-ACBF-6F221974B9AB}"/>
               </a:ext>
             </a:extLst>
           </p:cNvPr>
@@ -15713,7 +15882,7 @@
           <p:cNvPr id="3" name="文本占位符 2">
             <a:extLst>
               <a:ext uri="{FF2B5EF4-FFF2-40B4-BE49-F238E27FC236}">
-                <a16:creationId xmlns:a16="http://schemas.microsoft.com/office/drawing/2014/main" id="{15DB2F9F-AF54-4AFA-9B8B-8EBF3585D66F}"/>
+                <a16:creationId xmlns="" xmlns:a16="http://schemas.microsoft.com/office/drawing/2014/main" id="{15DB2F9F-AF54-4AFA-9B8B-8EBF3585D66F}"/>
               </a:ext>
             </a:extLst>
           </p:cNvPr>
@@ -15780,7 +15949,7 @@
           <p:cNvPr id="4" name="日期占位符 3">
             <a:extLst>
               <a:ext uri="{FF2B5EF4-FFF2-40B4-BE49-F238E27FC236}">
-                <a16:creationId xmlns:a16="http://schemas.microsoft.com/office/drawing/2014/main" id="{24297D46-B157-499C-AB41-0199B338F20A}"/>
+                <a16:creationId xmlns="" xmlns:a16="http://schemas.microsoft.com/office/drawing/2014/main" id="{24297D46-B157-499C-AB41-0199B338F20A}"/>
               </a:ext>
             </a:extLst>
           </p:cNvPr>
@@ -15841,7 +16010,7 @@
           <p:cNvPr id="5" name="页脚占位符 4">
             <a:extLst>
               <a:ext uri="{FF2B5EF4-FFF2-40B4-BE49-F238E27FC236}">
-                <a16:creationId xmlns:a16="http://schemas.microsoft.com/office/drawing/2014/main" id="{3CF54967-90A6-4AA8-B3D6-C97FC205815D}"/>
+                <a16:creationId xmlns="" xmlns:a16="http://schemas.microsoft.com/office/drawing/2014/main" id="{3CF54967-90A6-4AA8-B3D6-C97FC205815D}"/>
               </a:ext>
             </a:extLst>
           </p:cNvPr>
@@ -15891,7 +16060,7 @@
           <p:cNvPr id="6" name="灯片编号占位符 5">
             <a:extLst>
               <a:ext uri="{FF2B5EF4-FFF2-40B4-BE49-F238E27FC236}">
-                <a16:creationId xmlns:a16="http://schemas.microsoft.com/office/drawing/2014/main" id="{B4A1A15C-0235-420D-8AF3-0AB3601D5389}"/>
+                <a16:creationId xmlns="" xmlns:a16="http://schemas.microsoft.com/office/drawing/2014/main" id="{B4A1A15C-0235-420D-8AF3-0AB3601D5389}"/>
               </a:ext>
             </a:extLst>
           </p:cNvPr>
@@ -16281,7 +16450,7 @@
           <p:cNvPr id="2" name="标题占位符 1">
             <a:extLst>
               <a:ext uri="{FF2B5EF4-FFF2-40B4-BE49-F238E27FC236}">
-                <a16:creationId xmlns:a16="http://schemas.microsoft.com/office/drawing/2014/main" id="{9BEA0033-35E3-4536-ACBF-6F221974B9AB}"/>
+                <a16:creationId xmlns="" xmlns:a16="http://schemas.microsoft.com/office/drawing/2014/main" id="{9BEA0033-35E3-4536-ACBF-6F221974B9AB}"/>
               </a:ext>
             </a:extLst>
           </p:cNvPr>
@@ -16319,7 +16488,7 @@
           <p:cNvPr id="3" name="文本占位符 2">
             <a:extLst>
               <a:ext uri="{FF2B5EF4-FFF2-40B4-BE49-F238E27FC236}">
-                <a16:creationId xmlns:a16="http://schemas.microsoft.com/office/drawing/2014/main" id="{15DB2F9F-AF54-4AFA-9B8B-8EBF3585D66F}"/>
+                <a16:creationId xmlns="" xmlns:a16="http://schemas.microsoft.com/office/drawing/2014/main" id="{15DB2F9F-AF54-4AFA-9B8B-8EBF3585D66F}"/>
               </a:ext>
             </a:extLst>
           </p:cNvPr>
@@ -16386,7 +16555,7 @@
           <p:cNvPr id="4" name="日期占位符 3">
             <a:extLst>
               <a:ext uri="{FF2B5EF4-FFF2-40B4-BE49-F238E27FC236}">
-                <a16:creationId xmlns:a16="http://schemas.microsoft.com/office/drawing/2014/main" id="{24297D46-B157-499C-AB41-0199B338F20A}"/>
+                <a16:creationId xmlns="" xmlns:a16="http://schemas.microsoft.com/office/drawing/2014/main" id="{24297D46-B157-499C-AB41-0199B338F20A}"/>
               </a:ext>
             </a:extLst>
           </p:cNvPr>
@@ -16447,7 +16616,7 @@
           <p:cNvPr id="5" name="页脚占位符 4">
             <a:extLst>
               <a:ext uri="{FF2B5EF4-FFF2-40B4-BE49-F238E27FC236}">
-                <a16:creationId xmlns:a16="http://schemas.microsoft.com/office/drawing/2014/main" id="{3CF54967-90A6-4AA8-B3D6-C97FC205815D}"/>
+                <a16:creationId xmlns="" xmlns:a16="http://schemas.microsoft.com/office/drawing/2014/main" id="{3CF54967-90A6-4AA8-B3D6-C97FC205815D}"/>
               </a:ext>
             </a:extLst>
           </p:cNvPr>
@@ -16497,7 +16666,7 @@
           <p:cNvPr id="6" name="灯片编号占位符 5">
             <a:extLst>
               <a:ext uri="{FF2B5EF4-FFF2-40B4-BE49-F238E27FC236}">
-                <a16:creationId xmlns:a16="http://schemas.microsoft.com/office/drawing/2014/main" id="{B4A1A15C-0235-420D-8AF3-0AB3601D5389}"/>
+                <a16:creationId xmlns="" xmlns:a16="http://schemas.microsoft.com/office/drawing/2014/main" id="{B4A1A15C-0235-420D-8AF3-0AB3601D5389}"/>
               </a:ext>
             </a:extLst>
           </p:cNvPr>
@@ -16887,7 +17056,7 @@
           <p:cNvPr id="2" name="标题占位符 1">
             <a:extLst>
               <a:ext uri="{FF2B5EF4-FFF2-40B4-BE49-F238E27FC236}">
-                <a16:creationId xmlns:a16="http://schemas.microsoft.com/office/drawing/2014/main" id="{9BEA0033-35E3-4536-ACBF-6F221974B9AB}"/>
+                <a16:creationId xmlns="" xmlns:a16="http://schemas.microsoft.com/office/drawing/2014/main" id="{9BEA0033-35E3-4536-ACBF-6F221974B9AB}"/>
               </a:ext>
             </a:extLst>
           </p:cNvPr>
@@ -16925,7 +17094,7 @@
           <p:cNvPr id="3" name="文本占位符 2">
             <a:extLst>
               <a:ext uri="{FF2B5EF4-FFF2-40B4-BE49-F238E27FC236}">
-                <a16:creationId xmlns:a16="http://schemas.microsoft.com/office/drawing/2014/main" id="{15DB2F9F-AF54-4AFA-9B8B-8EBF3585D66F}"/>
+                <a16:creationId xmlns="" xmlns:a16="http://schemas.microsoft.com/office/drawing/2014/main" id="{15DB2F9F-AF54-4AFA-9B8B-8EBF3585D66F}"/>
               </a:ext>
             </a:extLst>
           </p:cNvPr>
@@ -16992,7 +17161,7 @@
           <p:cNvPr id="4" name="日期占位符 3">
             <a:extLst>
               <a:ext uri="{FF2B5EF4-FFF2-40B4-BE49-F238E27FC236}">
-                <a16:creationId xmlns:a16="http://schemas.microsoft.com/office/drawing/2014/main" id="{24297D46-B157-499C-AB41-0199B338F20A}"/>
+                <a16:creationId xmlns="" xmlns:a16="http://schemas.microsoft.com/office/drawing/2014/main" id="{24297D46-B157-499C-AB41-0199B338F20A}"/>
               </a:ext>
             </a:extLst>
           </p:cNvPr>
@@ -17053,7 +17222,7 @@
           <p:cNvPr id="5" name="页脚占位符 4">
             <a:extLst>
               <a:ext uri="{FF2B5EF4-FFF2-40B4-BE49-F238E27FC236}">
-                <a16:creationId xmlns:a16="http://schemas.microsoft.com/office/drawing/2014/main" id="{3CF54967-90A6-4AA8-B3D6-C97FC205815D}"/>
+                <a16:creationId xmlns="" xmlns:a16="http://schemas.microsoft.com/office/drawing/2014/main" id="{3CF54967-90A6-4AA8-B3D6-C97FC205815D}"/>
               </a:ext>
             </a:extLst>
           </p:cNvPr>
@@ -17103,7 +17272,7 @@
           <p:cNvPr id="6" name="灯片编号占位符 5">
             <a:extLst>
               <a:ext uri="{FF2B5EF4-FFF2-40B4-BE49-F238E27FC236}">
-                <a16:creationId xmlns:a16="http://schemas.microsoft.com/office/drawing/2014/main" id="{B4A1A15C-0235-420D-8AF3-0AB3601D5389}"/>
+                <a16:creationId xmlns="" xmlns:a16="http://schemas.microsoft.com/office/drawing/2014/main" id="{B4A1A15C-0235-420D-8AF3-0AB3601D5389}"/>
               </a:ext>
             </a:extLst>
           </p:cNvPr>
@@ -17493,7 +17662,7 @@
           <p:cNvPr id="2" name="标题占位符 1">
             <a:extLst>
               <a:ext uri="{FF2B5EF4-FFF2-40B4-BE49-F238E27FC236}">
-                <a16:creationId xmlns:a16="http://schemas.microsoft.com/office/drawing/2014/main" id="{9BEA0033-35E3-4536-ACBF-6F221974B9AB}"/>
+                <a16:creationId xmlns="" xmlns:a16="http://schemas.microsoft.com/office/drawing/2014/main" id="{9BEA0033-35E3-4536-ACBF-6F221974B9AB}"/>
               </a:ext>
             </a:extLst>
           </p:cNvPr>
@@ -17531,7 +17700,7 @@
           <p:cNvPr id="3" name="文本占位符 2">
             <a:extLst>
               <a:ext uri="{FF2B5EF4-FFF2-40B4-BE49-F238E27FC236}">
-                <a16:creationId xmlns:a16="http://schemas.microsoft.com/office/drawing/2014/main" id="{15DB2F9F-AF54-4AFA-9B8B-8EBF3585D66F}"/>
+                <a16:creationId xmlns="" xmlns:a16="http://schemas.microsoft.com/office/drawing/2014/main" id="{15DB2F9F-AF54-4AFA-9B8B-8EBF3585D66F}"/>
               </a:ext>
             </a:extLst>
           </p:cNvPr>
@@ -17598,7 +17767,7 @@
           <p:cNvPr id="4" name="日期占位符 3">
             <a:extLst>
               <a:ext uri="{FF2B5EF4-FFF2-40B4-BE49-F238E27FC236}">
-                <a16:creationId xmlns:a16="http://schemas.microsoft.com/office/drawing/2014/main" id="{24297D46-B157-499C-AB41-0199B338F20A}"/>
+                <a16:creationId xmlns="" xmlns:a16="http://schemas.microsoft.com/office/drawing/2014/main" id="{24297D46-B157-499C-AB41-0199B338F20A}"/>
               </a:ext>
             </a:extLst>
           </p:cNvPr>
@@ -17659,7 +17828,7 @@
           <p:cNvPr id="5" name="页脚占位符 4">
             <a:extLst>
               <a:ext uri="{FF2B5EF4-FFF2-40B4-BE49-F238E27FC236}">
-                <a16:creationId xmlns:a16="http://schemas.microsoft.com/office/drawing/2014/main" id="{3CF54967-90A6-4AA8-B3D6-C97FC205815D}"/>
+                <a16:creationId xmlns="" xmlns:a16="http://schemas.microsoft.com/office/drawing/2014/main" id="{3CF54967-90A6-4AA8-B3D6-C97FC205815D}"/>
               </a:ext>
             </a:extLst>
           </p:cNvPr>
@@ -17709,7 +17878,7 @@
           <p:cNvPr id="6" name="灯片编号占位符 5">
             <a:extLst>
               <a:ext uri="{FF2B5EF4-FFF2-40B4-BE49-F238E27FC236}">
-                <a16:creationId xmlns:a16="http://schemas.microsoft.com/office/drawing/2014/main" id="{B4A1A15C-0235-420D-8AF3-0AB3601D5389}"/>
+                <a16:creationId xmlns="" xmlns:a16="http://schemas.microsoft.com/office/drawing/2014/main" id="{B4A1A15C-0235-420D-8AF3-0AB3601D5389}"/>
               </a:ext>
             </a:extLst>
           </p:cNvPr>
@@ -18099,7 +18268,7 @@
           <p:cNvPr id="2" name="标题占位符 1">
             <a:extLst>
               <a:ext uri="{FF2B5EF4-FFF2-40B4-BE49-F238E27FC236}">
-                <a16:creationId xmlns:a16="http://schemas.microsoft.com/office/drawing/2014/main" id="{9BEA0033-35E3-4536-ACBF-6F221974B9AB}"/>
+                <a16:creationId xmlns="" xmlns:a16="http://schemas.microsoft.com/office/drawing/2014/main" id="{9BEA0033-35E3-4536-ACBF-6F221974B9AB}"/>
               </a:ext>
             </a:extLst>
           </p:cNvPr>
@@ -18137,7 +18306,7 @@
           <p:cNvPr id="3" name="文本占位符 2">
             <a:extLst>
               <a:ext uri="{FF2B5EF4-FFF2-40B4-BE49-F238E27FC236}">
-                <a16:creationId xmlns:a16="http://schemas.microsoft.com/office/drawing/2014/main" id="{15DB2F9F-AF54-4AFA-9B8B-8EBF3585D66F}"/>
+                <a16:creationId xmlns="" xmlns:a16="http://schemas.microsoft.com/office/drawing/2014/main" id="{15DB2F9F-AF54-4AFA-9B8B-8EBF3585D66F}"/>
               </a:ext>
             </a:extLst>
           </p:cNvPr>
@@ -18204,7 +18373,7 @@
           <p:cNvPr id="4" name="日期占位符 3">
             <a:extLst>
               <a:ext uri="{FF2B5EF4-FFF2-40B4-BE49-F238E27FC236}">
-                <a16:creationId xmlns:a16="http://schemas.microsoft.com/office/drawing/2014/main" id="{24297D46-B157-499C-AB41-0199B338F20A}"/>
+                <a16:creationId xmlns="" xmlns:a16="http://schemas.microsoft.com/office/drawing/2014/main" id="{24297D46-B157-499C-AB41-0199B338F20A}"/>
               </a:ext>
             </a:extLst>
           </p:cNvPr>
@@ -18265,7 +18434,7 @@
           <p:cNvPr id="5" name="页脚占位符 4">
             <a:extLst>
               <a:ext uri="{FF2B5EF4-FFF2-40B4-BE49-F238E27FC236}">
-                <a16:creationId xmlns:a16="http://schemas.microsoft.com/office/drawing/2014/main" id="{3CF54967-90A6-4AA8-B3D6-C97FC205815D}"/>
+                <a16:creationId xmlns="" xmlns:a16="http://schemas.microsoft.com/office/drawing/2014/main" id="{3CF54967-90A6-4AA8-B3D6-C97FC205815D}"/>
               </a:ext>
             </a:extLst>
           </p:cNvPr>
@@ -18315,7 +18484,7 @@
           <p:cNvPr id="6" name="灯片编号占位符 5">
             <a:extLst>
               <a:ext uri="{FF2B5EF4-FFF2-40B4-BE49-F238E27FC236}">
-                <a16:creationId xmlns:a16="http://schemas.microsoft.com/office/drawing/2014/main" id="{B4A1A15C-0235-420D-8AF3-0AB3601D5389}"/>
+                <a16:creationId xmlns="" xmlns:a16="http://schemas.microsoft.com/office/drawing/2014/main" id="{B4A1A15C-0235-420D-8AF3-0AB3601D5389}"/>
               </a:ext>
             </a:extLst>
           </p:cNvPr>
@@ -18697,7 +18866,7 @@
           <p:cNvPr id="29" name="PA_矩形 28">
             <a:extLst>
               <a:ext uri="{FF2B5EF4-FFF2-40B4-BE49-F238E27FC236}">
-                <a16:creationId xmlns:a16="http://schemas.microsoft.com/office/drawing/2014/main" id="{75125EC2-5400-48FD-A782-71AFE781AC81}"/>
+                <a16:creationId xmlns="" xmlns:a16="http://schemas.microsoft.com/office/drawing/2014/main" id="{75125EC2-5400-48FD-A782-71AFE781AC81}"/>
               </a:ext>
             </a:extLst>
           </p:cNvPr>
@@ -18759,7 +18928,7 @@
           <p:cNvPr id="33" name="PA_矩形 32">
             <a:extLst>
               <a:ext uri="{FF2B5EF4-FFF2-40B4-BE49-F238E27FC236}">
-                <a16:creationId xmlns:a16="http://schemas.microsoft.com/office/drawing/2014/main" id="{7005A686-BF12-4283-95D7-82A11A7FC944}"/>
+                <a16:creationId xmlns="" xmlns:a16="http://schemas.microsoft.com/office/drawing/2014/main" id="{7005A686-BF12-4283-95D7-82A11A7FC944}"/>
               </a:ext>
             </a:extLst>
           </p:cNvPr>
@@ -18833,7 +19002,7 @@
           <p:cNvPr id="28" name="PA_矩形 27">
             <a:extLst>
               <a:ext uri="{FF2B5EF4-FFF2-40B4-BE49-F238E27FC236}">
-                <a16:creationId xmlns:a16="http://schemas.microsoft.com/office/drawing/2014/main" id="{D7B0DC96-49A4-48FA-85CA-B1571C912608}"/>
+                <a16:creationId xmlns="" xmlns:a16="http://schemas.microsoft.com/office/drawing/2014/main" id="{D7B0DC96-49A4-48FA-85CA-B1571C912608}"/>
               </a:ext>
             </a:extLst>
           </p:cNvPr>
@@ -18895,7 +19064,7 @@
           <p:cNvPr id="27" name="PA_文本框 26">
             <a:extLst>
               <a:ext uri="{FF2B5EF4-FFF2-40B4-BE49-F238E27FC236}">
-                <a16:creationId xmlns:a16="http://schemas.microsoft.com/office/drawing/2014/main" id="{42B750DE-FFBC-4078-985A-FC71F5B5E760}"/>
+                <a16:creationId xmlns="" xmlns:a16="http://schemas.microsoft.com/office/drawing/2014/main" id="{42B750DE-FFBC-4078-985A-FC71F5B5E760}"/>
               </a:ext>
             </a:extLst>
           </p:cNvPr>
@@ -18990,7 +19159,7 @@
           <p:cNvPr id="21" name="PA_文本框 20">
             <a:extLst>
               <a:ext uri="{FF2B5EF4-FFF2-40B4-BE49-F238E27FC236}">
-                <a16:creationId xmlns:a16="http://schemas.microsoft.com/office/drawing/2014/main" id="{78F4A048-D2DB-4E31-B55D-0777F6CC6038}"/>
+                <a16:creationId xmlns="" xmlns:a16="http://schemas.microsoft.com/office/drawing/2014/main" id="{78F4A048-D2DB-4E31-B55D-0777F6CC6038}"/>
               </a:ext>
             </a:extLst>
           </p:cNvPr>
@@ -19038,7 +19207,7 @@
           <p:cNvPr id="32" name="PA_文本框 31">
             <a:extLst>
               <a:ext uri="{FF2B5EF4-FFF2-40B4-BE49-F238E27FC236}">
-                <a16:creationId xmlns:a16="http://schemas.microsoft.com/office/drawing/2014/main" id="{3BA95F93-84A0-4324-B80B-A964F64B0EDF}"/>
+                <a16:creationId xmlns="" xmlns:a16="http://schemas.microsoft.com/office/drawing/2014/main" id="{3BA95F93-84A0-4324-B80B-A964F64B0EDF}"/>
               </a:ext>
             </a:extLst>
           </p:cNvPr>
@@ -19718,54 +19887,6 @@
       </p:sp>
       <p:pic>
         <p:nvPicPr>
-          <p:cNvPr id="16" name="圖片 15"/>
-          <p:cNvPicPr>
-            <a:picLocks noChangeAspect="1"/>
-          </p:cNvPicPr>
-          <p:nvPr/>
-        </p:nvPicPr>
-        <p:blipFill>
-          <a:blip r:embed="rId5"/>
-          <a:stretch>
-            <a:fillRect/>
-          </a:stretch>
-        </p:blipFill>
-        <p:spPr>
-          <a:xfrm>
-            <a:off x="3436778" y="2751396"/>
-            <a:ext cx="481626" cy="771054"/>
-          </a:xfrm>
-          <a:prstGeom prst="rect">
-            <a:avLst/>
-          </a:prstGeom>
-        </p:spPr>
-      </p:pic>
-      <p:pic>
-        <p:nvPicPr>
-          <p:cNvPr id="17" name="圖片 16"/>
-          <p:cNvPicPr>
-            <a:picLocks noChangeAspect="1"/>
-          </p:cNvPicPr>
-          <p:nvPr/>
-        </p:nvPicPr>
-        <p:blipFill>
-          <a:blip r:embed="rId6"/>
-          <a:stretch>
-            <a:fillRect/>
-          </a:stretch>
-        </p:blipFill>
-        <p:spPr>
-          <a:xfrm>
-            <a:off x="2781911" y="3522450"/>
-            <a:ext cx="1889924" cy="951058"/>
-          </a:xfrm>
-          <a:prstGeom prst="rect">
-            <a:avLst/>
-          </a:prstGeom>
-        </p:spPr>
-      </p:pic>
-      <p:pic>
-        <p:nvPicPr>
           <p:cNvPr id="20" name="圖片 19"/>
           <p:cNvPicPr>
             <a:picLocks noChangeAspect="1"/>
@@ -20032,119 +20153,6 @@
                 </a:solidFill>
               </a:rPr>
               <a:t>相關係數</a:t>
-            </a:r>
-            <a:endParaRPr lang="zh-TW" altLang="en-US" dirty="0">
-              <a:solidFill>
-                <a:schemeClr val="tx1"/>
-              </a:solidFill>
-            </a:endParaRPr>
-          </a:p>
-        </p:txBody>
-      </p:sp>
-      <p:pic>
-        <p:nvPicPr>
-          <p:cNvPr id="28" name="圖片 27"/>
-          <p:cNvPicPr>
-            <a:picLocks noChangeAspect="1"/>
-          </p:cNvPicPr>
-          <p:nvPr/>
-        </p:nvPicPr>
-        <p:blipFill>
-          <a:blip r:embed="rId7"/>
-          <a:stretch>
-            <a:fillRect/>
-          </a:stretch>
-        </p:blipFill>
-        <p:spPr>
-          <a:xfrm>
-            <a:off x="4780125" y="3723635"/>
-            <a:ext cx="1140051" cy="548688"/>
-          </a:xfrm>
-          <a:prstGeom prst="rect">
-            <a:avLst/>
-          </a:prstGeom>
-        </p:spPr>
-      </p:pic>
-      <p:sp>
-        <p:nvSpPr>
-          <p:cNvPr id="30" name="矩形 29"/>
-          <p:cNvSpPr/>
-          <p:nvPr/>
-        </p:nvSpPr>
-        <p:spPr>
-          <a:xfrm>
-            <a:off x="5920176" y="3479763"/>
-            <a:ext cx="1872208" cy="936104"/>
-          </a:xfrm>
-          <a:prstGeom prst="rect">
-            <a:avLst/>
-          </a:prstGeom>
-          <a:solidFill>
-            <a:schemeClr val="bg2">
-              <a:lumMod val="75000"/>
-            </a:schemeClr>
-          </a:solidFill>
-        </p:spPr>
-        <p:style>
-          <a:lnRef idx="2">
-            <a:schemeClr val="accent1">
-              <a:shade val="50000"/>
-            </a:schemeClr>
-          </a:lnRef>
-          <a:fillRef idx="1">
-            <a:schemeClr val="accent1"/>
-          </a:fillRef>
-          <a:effectRef idx="0">
-            <a:schemeClr val="accent1"/>
-          </a:effectRef>
-          <a:fontRef idx="minor">
-            <a:schemeClr val="lt1"/>
-          </a:fontRef>
-        </p:style>
-        <p:txBody>
-          <a:bodyPr rtlCol="0" anchor="ctr"/>
-          <a:lstStyle/>
-          <a:p>
-            <a:pPr algn="ctr"/>
-            <a:r>
-              <a:rPr lang="zh-TW" altLang="en-US" dirty="0" smtClean="0">
-                <a:solidFill>
-                  <a:schemeClr val="tx1"/>
-                </a:solidFill>
-              </a:rPr>
-              <a:t>計算百分比</a:t>
-            </a:r>
-            <a:endParaRPr lang="en-US" altLang="zh-TW" dirty="0" smtClean="0">
-              <a:solidFill>
-                <a:schemeClr val="tx1"/>
-              </a:solidFill>
-            </a:endParaRPr>
-          </a:p>
-          <a:p>
-            <a:pPr algn="ctr"/>
-            <a:r>
-              <a:rPr lang="en-US" altLang="zh-TW" dirty="0" smtClean="0">
-                <a:solidFill>
-                  <a:schemeClr val="tx1"/>
-                </a:solidFill>
-              </a:rPr>
-              <a:t>(</a:t>
-            </a:r>
-            <a:r>
-              <a:rPr lang="zh-TW" altLang="en-US" dirty="0" smtClean="0">
-                <a:solidFill>
-                  <a:schemeClr val="tx1"/>
-                </a:solidFill>
-              </a:rPr>
-              <a:t>不合理</a:t>
-            </a:r>
-            <a:r>
-              <a:rPr lang="en-US" altLang="zh-TW" dirty="0" smtClean="0">
-                <a:solidFill>
-                  <a:schemeClr val="tx1"/>
-                </a:solidFill>
-              </a:rPr>
-              <a:t>)</a:t>
             </a:r>
             <a:endParaRPr lang="zh-TW" altLang="en-US" dirty="0">
               <a:solidFill>
@@ -20475,103 +20483,15 @@
                                   </p:childTnLst>
                                 </p:cTn>
                               </p:par>
-                            </p:childTnLst>
-                          </p:cTn>
-                        </p:par>
-                      </p:childTnLst>
-                    </p:cTn>
-                  </p:par>
-                  <p:par>
-                    <p:cTn id="26" fill="hold">
-                      <p:stCondLst>
-                        <p:cond delay="indefinite"/>
-                      </p:stCondLst>
-                      <p:childTnLst>
-                        <p:par>
-                          <p:cTn id="27" fill="hold">
-                            <p:stCondLst>
-                              <p:cond delay="0"/>
-                            </p:stCondLst>
-                            <p:childTnLst>
                               <p:par>
-                                <p:cTn id="28" presetID="10" presetClass="entr" presetSubtype="0" fill="hold" nodeType="clickEffect">
+                                <p:cTn id="26" presetID="10" presetClass="entr" presetSubtype="0" fill="hold" grpId="0" nodeType="withEffect">
                                   <p:stCondLst>
                                     <p:cond delay="0"/>
                                   </p:stCondLst>
                                   <p:childTnLst>
                                     <p:set>
                                       <p:cBhvr>
-                                        <p:cTn id="29" dur="1" fill="hold">
-                                          <p:stCondLst>
-                                            <p:cond delay="0"/>
-                                          </p:stCondLst>
-                                        </p:cTn>
-                                        <p:tgtEl>
-                                          <p:spTgt spid="17"/>
-                                        </p:tgtEl>
-                                        <p:attrNameLst>
-                                          <p:attrName>style.visibility</p:attrName>
-                                        </p:attrNameLst>
-                                      </p:cBhvr>
-                                      <p:to>
-                                        <p:strVal val="visible"/>
-                                      </p:to>
-                                    </p:set>
-                                    <p:animEffect transition="in" filter="fade">
-                                      <p:cBhvr>
-                                        <p:cTn id="30" dur="500"/>
-                                        <p:tgtEl>
-                                          <p:spTgt spid="17"/>
-                                        </p:tgtEl>
-                                      </p:cBhvr>
-                                    </p:animEffect>
-                                  </p:childTnLst>
-                                </p:cTn>
-                              </p:par>
-                              <p:par>
-                                <p:cTn id="31" presetID="10" presetClass="entr" presetSubtype="0" fill="hold" grpId="0" nodeType="withEffect">
-                                  <p:stCondLst>
-                                    <p:cond delay="0"/>
-                                  </p:stCondLst>
-                                  <p:childTnLst>
-                                    <p:set>
-                                      <p:cBhvr>
-                                        <p:cTn id="32" dur="1" fill="hold">
-                                          <p:stCondLst>
-                                            <p:cond delay="0"/>
-                                          </p:stCondLst>
-                                        </p:cTn>
-                                        <p:tgtEl>
-                                          <p:spTgt spid="30"/>
-                                        </p:tgtEl>
-                                        <p:attrNameLst>
-                                          <p:attrName>style.visibility</p:attrName>
-                                        </p:attrNameLst>
-                                      </p:cBhvr>
-                                      <p:to>
-                                        <p:strVal val="visible"/>
-                                      </p:to>
-                                    </p:set>
-                                    <p:animEffect transition="in" filter="fade">
-                                      <p:cBhvr>
-                                        <p:cTn id="33" dur="500"/>
-                                        <p:tgtEl>
-                                          <p:spTgt spid="30"/>
-                                        </p:tgtEl>
-                                      </p:cBhvr>
-                                    </p:animEffect>
-                                  </p:childTnLst>
-                                </p:cTn>
-                              </p:par>
-                              <p:par>
-                                <p:cTn id="34" presetID="10" presetClass="entr" presetSubtype="0" fill="hold" grpId="0" nodeType="withEffect">
-                                  <p:stCondLst>
-                                    <p:cond delay="0"/>
-                                  </p:stCondLst>
-                                  <p:childTnLst>
-                                    <p:set>
-                                      <p:cBhvr>
-                                        <p:cTn id="35" dur="1" fill="hold">
+                                        <p:cTn id="27" dur="1" fill="hold">
                                           <p:stCondLst>
                                             <p:cond delay="0"/>
                                           </p:stCondLst>
@@ -20589,7 +20509,7 @@
                                     </p:set>
                                     <p:animEffect transition="in" filter="fade">
                                       <p:cBhvr>
-                                        <p:cTn id="36" dur="500"/>
+                                        <p:cTn id="28" dur="500"/>
                                         <p:tgtEl>
                                           <p:spTgt spid="27"/>
                                         </p:tgtEl>
@@ -20633,7 +20553,6 @@
       <p:bldP spid="22" grpId="0" animBg="1"/>
       <p:bldP spid="25" grpId="0" animBg="1"/>
       <p:bldP spid="27" grpId="0" animBg="1"/>
-      <p:bldP spid="30" grpId="0" animBg="1"/>
     </p:bldLst>
   </p:timing>
 </p:sld>
@@ -20689,7 +20608,7 @@
         <p:spPr>
           <a:xfrm>
             <a:off x="539552" y="980728"/>
-            <a:ext cx="8208912" cy="1077218"/>
+            <a:ext cx="8208912" cy="584775"/>
           </a:xfrm>
           <a:prstGeom prst="rect">
             <a:avLst/>
@@ -20719,7 +20638,7 @@
               <a:defRPr/>
             </a:pPr>
             <a:r>
-              <a:rPr kumimoji="0" lang="en-US" altLang="zh-TW" sz="3200" b="1" i="0" u="none" strike="noStrike" kern="1200" cap="none" spc="0" normalizeH="0" baseline="0" noProof="0" dirty="0" smtClean="0">
+              <a:rPr kumimoji="0" lang="zh-TW" altLang="en-US" sz="3200" b="0" i="0" u="none" strike="noStrike" kern="1200" cap="none" spc="0" normalizeH="0" baseline="0" noProof="0" dirty="0" smtClean="0">
                 <a:ln>
                   <a:noFill/>
                 </a:ln>
@@ -20733,58 +20652,8 @@
                 <a:ea typeface="微软雅黑"/>
                 <a:cs typeface="+mn-cs"/>
               </a:rPr>
-              <a:t>PART6</a:t>
-            </a:r>
-            <a:r>
-              <a:rPr kumimoji="0" lang="zh-TW" altLang="en-US" sz="3200" b="1" i="0" u="none" strike="noStrike" kern="1200" cap="none" spc="0" normalizeH="0" baseline="0" noProof="0" dirty="0" smtClean="0">
-                <a:ln>
-                  <a:noFill/>
-                </a:ln>
-                <a:solidFill>
-                  <a:prstClr val="black"/>
-                </a:solidFill>
-                <a:effectLst/>
-                <a:uLnTx/>
-                <a:uFillTx/>
-                <a:latin typeface="微软雅黑"/>
-                <a:ea typeface="微软雅黑"/>
-                <a:cs typeface="+mn-cs"/>
-              </a:rPr>
-              <a:t>未來走向</a:t>
-            </a:r>
-            <a:endParaRPr kumimoji="0" lang="en-US" altLang="zh-TW" sz="3200" b="1" i="0" u="none" strike="noStrike" kern="1200" cap="none" spc="0" normalizeH="0" baseline="0" noProof="0" dirty="0">
-              <a:ln>
-                <a:noFill/>
-              </a:ln>
-              <a:solidFill>
-                <a:prstClr val="black"/>
-              </a:solidFill>
-              <a:effectLst/>
-              <a:uLnTx/>
-              <a:uFillTx/>
-              <a:latin typeface="微软雅黑"/>
-              <a:ea typeface="微软雅黑"/>
-              <a:cs typeface="+mn-cs"/>
-            </a:endParaRPr>
-          </a:p>
-          <a:p>
-            <a:pPr marL="0" marR="0" lvl="0" indent="0" algn="l" defTabSz="914400" rtl="0" eaLnBrk="1" fontAlgn="auto" latinLnBrk="0" hangingPunct="1">
-              <a:lnSpc>
-                <a:spcPct val="100000"/>
-              </a:lnSpc>
-              <a:spcBef>
-                <a:spcPts val="0"/>
-              </a:spcBef>
-              <a:spcAft>
-                <a:spcPts val="0"/>
-              </a:spcAft>
-              <a:buClrTx/>
-              <a:buSzTx/>
-              <a:buFontTx/>
-              <a:buNone/>
-              <a:tabLst/>
-              <a:defRPr/>
-            </a:pPr>
+              <a:t>結論</a:t>
+            </a:r>
             <a:endParaRPr kumimoji="0" lang="zh-TW" altLang="en-US" sz="3200" b="0" i="0" u="none" strike="noStrike" kern="1200" cap="none" spc="0" normalizeH="0" baseline="0" noProof="0" dirty="0">
               <a:ln>
                 <a:noFill/>
@@ -20810,8 +20679,8 @@
         </p:nvSpPr>
         <p:spPr>
           <a:xfrm>
-            <a:off x="626773" y="2087769"/>
-            <a:ext cx="8136904" cy="2677656"/>
+            <a:off x="611560" y="1700808"/>
+            <a:ext cx="8136904" cy="3539430"/>
           </a:xfrm>
           <a:prstGeom prst="rect">
             <a:avLst/>
@@ -20824,69 +20693,62 @@
           </a:bodyPr>
           <a:lstStyle/>
           <a:p>
-            <a:pPr marL="342900" indent="-342900">
-              <a:buAutoNum type="arabicPeriod"/>
-            </a:pPr>
-            <a:r>
-              <a:rPr lang="zh-TW" altLang="en-US" sz="2800" dirty="0"/>
-              <a:t>為</a:t>
+            <a:r>
+              <a:rPr lang="en-US" altLang="zh-TW" sz="2800" dirty="0" smtClean="0"/>
+              <a:t>1.</a:t>
             </a:r>
             <a:r>
               <a:rPr lang="zh-TW" altLang="en-US" sz="2800" dirty="0" smtClean="0"/>
-              <a:t>甚麼近年犯罪數會增加如此之多</a:t>
+              <a:t> </a:t>
             </a:r>
             <a:r>
               <a:rPr lang="en-US" altLang="zh-TW" sz="2800" dirty="0" smtClean="0"/>
-              <a:t>?</a:t>
+              <a:t>GDP</a:t>
             </a:r>
             <a:r>
               <a:rPr lang="zh-TW" altLang="en-US" sz="2800" dirty="0" smtClean="0"/>
-              <a:t>究竟是和甚麼因素相關聯</a:t>
+              <a:t>增加，犯罪增加。然而</a:t>
             </a:r>
             <a:r>
               <a:rPr lang="en-US" altLang="zh-TW" sz="2800" dirty="0" smtClean="0"/>
-              <a:t>?(</a:t>
+              <a:t>GDP</a:t>
             </a:r>
             <a:r>
               <a:rPr lang="zh-TW" altLang="en-US" sz="2800" dirty="0" smtClean="0"/>
-              <a:t>人們越來越不乖</a:t>
+              <a:t>與犯罪皆隨著年份增加，且犯罪與年份之相關係數高於</a:t>
             </a:r>
             <a:r>
               <a:rPr lang="en-US" altLang="zh-TW" sz="2800" dirty="0" smtClean="0"/>
-              <a:t>?</a:t>
+              <a:t>GDP</a:t>
             </a:r>
             <a:r>
               <a:rPr lang="zh-TW" altLang="en-US" sz="2800" dirty="0" smtClean="0"/>
-              <a:t>貧富差距</a:t>
-            </a:r>
+              <a:t>與犯罪之相關係數</a:t>
+            </a:r>
+            <a:endParaRPr lang="en-US" altLang="zh-TW" sz="2800" dirty="0" smtClean="0"/>
+          </a:p>
+          <a:p>
             <a:r>
               <a:rPr lang="en-US" altLang="zh-TW" sz="2800" dirty="0" smtClean="0"/>
-              <a:t>?)</a:t>
-            </a:r>
-          </a:p>
-          <a:p>
-            <a:pPr marL="342900" indent="-342900">
-              <a:buAutoNum type="arabicPeriod"/>
-            </a:pPr>
-            <a:endParaRPr lang="en-US" altLang="zh-TW" sz="2800" dirty="0"/>
-          </a:p>
-          <a:p>
+              <a:t>2</a:t>
+            </a:r>
             <a:r>
               <a:rPr lang="en-US" altLang="zh-TW" sz="2800" dirty="0"/>
-              <a:t>2. </a:t>
-            </a:r>
-            <a:r>
-              <a:rPr lang="zh-TW" altLang="en-US" sz="2800" dirty="0"/>
-              <a:t>為</a:t>
+              <a:t>. </a:t>
             </a:r>
             <a:r>
               <a:rPr lang="zh-TW" altLang="en-US" sz="2800" dirty="0" smtClean="0"/>
-              <a:t>甚麼女性在失業率與犯罪率的相關性比男性高</a:t>
-            </a:r>
-            <a:r>
-              <a:rPr lang="en-US" altLang="zh-TW" sz="2800" dirty="0" smtClean="0"/>
-              <a:t>?</a:t>
-            </a:r>
+              <a:t>女性</a:t>
+            </a:r>
+            <a:r>
+              <a:rPr lang="zh-TW" altLang="en-US" sz="2800" dirty="0" smtClean="0"/>
+              <a:t>在失業率與犯罪率的相關性比男性</a:t>
+            </a:r>
+            <a:r>
+              <a:rPr lang="zh-TW" altLang="en-US" sz="2800" dirty="0" smtClean="0"/>
+              <a:t>高</a:t>
+            </a:r>
+            <a:endParaRPr lang="en-US" altLang="zh-TW" sz="2800" dirty="0" smtClean="0"/>
           </a:p>
           <a:p>
             <a:endParaRPr lang="en-US" altLang="zh-TW" sz="2800" dirty="0"/>
@@ -20897,20 +20759,30 @@
               <a:t>3. </a:t>
             </a:r>
             <a:r>
-              <a:rPr lang="zh-TW" altLang="en-US" sz="2800" dirty="0"/>
-              <a:t>為甚麼</a:t>
-            </a:r>
+              <a:rPr lang="zh-TW" altLang="en-US" sz="2800" dirty="0" smtClean="0"/>
+              <a:t>僅有中學學歷的人占了犯罪人數的很大一部分</a:t>
+            </a:r>
+            <a:endParaRPr lang="en-US" altLang="zh-TW" sz="2800" dirty="0" smtClean="0"/>
+          </a:p>
+          <a:p>
             <a:r>
               <a:rPr lang="en-US" altLang="zh-TW" sz="2800" dirty="0" smtClean="0"/>
-              <a:t> 2003-2007</a:t>
+              <a:t>4.</a:t>
             </a:r>
             <a:r>
               <a:rPr lang="zh-TW" altLang="en-US" sz="2800" dirty="0" smtClean="0"/>
-              <a:t>的犯罪數會上升的如此劇烈</a:t>
-            </a:r>
+              <a:t> 男性相較女性更容易犯法</a:t>
+            </a:r>
+            <a:endParaRPr lang="en-US" altLang="zh-TW" sz="2800" dirty="0" smtClean="0"/>
+          </a:p>
+          <a:p>
             <a:r>
               <a:rPr lang="en-US" altLang="zh-TW" sz="2800" dirty="0" smtClean="0"/>
-              <a:t>?</a:t>
+              <a:t>5.</a:t>
+            </a:r>
+            <a:r>
+              <a:rPr lang="zh-TW" altLang="en-US" sz="2800" smtClean="0"/>
+              <a:t> 失業率和犯罪率幾乎無關連</a:t>
             </a:r>
             <a:endParaRPr lang="zh-TW" altLang="en-US" sz="2800" dirty="0"/>
           </a:p>
@@ -20956,12 +20828,312 @@
           <a:chExt cx="0" cy="0"/>
         </a:xfrm>
       </p:grpSpPr>
+      <p:pic>
+        <p:nvPicPr>
+          <p:cNvPr id="2" name="圖片 1"/>
+          <p:cNvPicPr>
+            <a:picLocks noChangeAspect="1"/>
+          </p:cNvPicPr>
+          <p:nvPr/>
+        </p:nvPicPr>
+        <p:blipFill>
+          <a:blip r:embed="rId3"/>
+          <a:stretch>
+            <a:fillRect/>
+          </a:stretch>
+        </p:blipFill>
+        <p:spPr>
+          <a:xfrm>
+            <a:off x="-14888" y="548680"/>
+            <a:ext cx="9144000" cy="5517232"/>
+          </a:xfrm>
+          <a:prstGeom prst="rect">
+            <a:avLst/>
+          </a:prstGeom>
+        </p:spPr>
+      </p:pic>
+      <p:sp>
+        <p:nvSpPr>
+          <p:cNvPr id="3" name="矩形 2"/>
+          <p:cNvSpPr/>
+          <p:nvPr/>
+        </p:nvSpPr>
+        <p:spPr>
+          <a:xfrm>
+            <a:off x="539552" y="980728"/>
+            <a:ext cx="8208912" cy="1077218"/>
+          </a:xfrm>
+          <a:prstGeom prst="rect">
+            <a:avLst/>
+          </a:prstGeom>
+        </p:spPr>
+        <p:txBody>
+          <a:bodyPr wrap="square">
+            <a:spAutoFit/>
+          </a:bodyPr>
+          <a:lstStyle/>
+          <a:p>
+            <a:pPr marL="0" marR="0" lvl="0" indent="0" algn="l" defTabSz="914400" rtl="0" eaLnBrk="1" fontAlgn="auto" latinLnBrk="0" hangingPunct="1">
+              <a:lnSpc>
+                <a:spcPct val="100000"/>
+              </a:lnSpc>
+              <a:spcBef>
+                <a:spcPts val="0"/>
+              </a:spcBef>
+              <a:spcAft>
+                <a:spcPts val="0"/>
+              </a:spcAft>
+              <a:buClrTx/>
+              <a:buSzTx/>
+              <a:buFontTx/>
+              <a:buNone/>
+              <a:tabLst/>
+              <a:defRPr/>
+            </a:pPr>
+            <a:r>
+              <a:rPr kumimoji="0" lang="en-US" altLang="zh-TW" sz="3200" b="1" i="0" u="none" strike="noStrike" kern="1200" cap="none" spc="0" normalizeH="0" baseline="0" noProof="0" dirty="0" smtClean="0">
+                <a:ln>
+                  <a:noFill/>
+                </a:ln>
+                <a:solidFill>
+                  <a:prstClr val="black"/>
+                </a:solidFill>
+                <a:effectLst/>
+                <a:uLnTx/>
+                <a:uFillTx/>
+                <a:latin typeface="微软雅黑"/>
+                <a:ea typeface="微软雅黑"/>
+                <a:cs typeface="+mn-cs"/>
+              </a:rPr>
+              <a:t>PART6</a:t>
+            </a:r>
+            <a:r>
+              <a:rPr kumimoji="0" lang="zh-TW" altLang="en-US" sz="3200" b="1" i="0" u="none" strike="noStrike" kern="1200" cap="none" spc="0" normalizeH="0" baseline="0" noProof="0" dirty="0" smtClean="0">
+                <a:ln>
+                  <a:noFill/>
+                </a:ln>
+                <a:solidFill>
+                  <a:prstClr val="black"/>
+                </a:solidFill>
+                <a:effectLst/>
+                <a:uLnTx/>
+                <a:uFillTx/>
+                <a:latin typeface="微软雅黑"/>
+                <a:ea typeface="微软雅黑"/>
+                <a:cs typeface="+mn-cs"/>
+              </a:rPr>
+              <a:t>未來走向</a:t>
+            </a:r>
+            <a:endParaRPr kumimoji="0" lang="en-US" altLang="zh-TW" sz="3200" b="1" i="0" u="none" strike="noStrike" kern="1200" cap="none" spc="0" normalizeH="0" baseline="0" noProof="0" dirty="0">
+              <a:ln>
+                <a:noFill/>
+              </a:ln>
+              <a:solidFill>
+                <a:prstClr val="black"/>
+              </a:solidFill>
+              <a:effectLst/>
+              <a:uLnTx/>
+              <a:uFillTx/>
+              <a:latin typeface="微软雅黑"/>
+              <a:ea typeface="微软雅黑"/>
+              <a:cs typeface="+mn-cs"/>
+            </a:endParaRPr>
+          </a:p>
+          <a:p>
+            <a:pPr marL="0" marR="0" lvl="0" indent="0" algn="l" defTabSz="914400" rtl="0" eaLnBrk="1" fontAlgn="auto" latinLnBrk="0" hangingPunct="1">
+              <a:lnSpc>
+                <a:spcPct val="100000"/>
+              </a:lnSpc>
+              <a:spcBef>
+                <a:spcPts val="0"/>
+              </a:spcBef>
+              <a:spcAft>
+                <a:spcPts val="0"/>
+              </a:spcAft>
+              <a:buClrTx/>
+              <a:buSzTx/>
+              <a:buFontTx/>
+              <a:buNone/>
+              <a:tabLst/>
+              <a:defRPr/>
+            </a:pPr>
+            <a:endParaRPr kumimoji="0" lang="zh-TW" altLang="en-US" sz="3200" b="0" i="0" u="none" strike="noStrike" kern="1200" cap="none" spc="0" normalizeH="0" baseline="0" noProof="0" dirty="0">
+              <a:ln>
+                <a:noFill/>
+              </a:ln>
+              <a:solidFill>
+                <a:prstClr val="black"/>
+              </a:solidFill>
+              <a:effectLst/>
+              <a:uLnTx/>
+              <a:uFillTx/>
+              <a:latin typeface="微软雅黑"/>
+              <a:ea typeface="微软雅黑"/>
+              <a:cs typeface="+mn-cs"/>
+            </a:endParaRPr>
+          </a:p>
+        </p:txBody>
+      </p:sp>
+      <p:sp>
+        <p:nvSpPr>
+          <p:cNvPr id="4" name="文字方塊 3"/>
+          <p:cNvSpPr txBox="1"/>
+          <p:nvPr/>
+        </p:nvSpPr>
+        <p:spPr>
+          <a:xfrm>
+            <a:off x="626773" y="2087769"/>
+            <a:ext cx="8136904" cy="2677656"/>
+          </a:xfrm>
+          <a:prstGeom prst="rect">
+            <a:avLst/>
+          </a:prstGeom>
+          <a:noFill/>
+        </p:spPr>
+        <p:txBody>
+          <a:bodyPr wrap="square" rtlCol="0">
+            <a:spAutoFit/>
+          </a:bodyPr>
+          <a:lstStyle/>
+          <a:p>
+            <a:pPr marL="342900" indent="-342900">
+              <a:buAutoNum type="arabicPeriod"/>
+            </a:pPr>
+            <a:r>
+              <a:rPr lang="zh-TW" altLang="en-US" sz="2800" dirty="0"/>
+              <a:t>為</a:t>
+            </a:r>
+            <a:r>
+              <a:rPr lang="zh-TW" altLang="en-US" sz="2800" dirty="0" smtClean="0"/>
+              <a:t>甚麼近年犯罪數會增加如此之多</a:t>
+            </a:r>
+            <a:r>
+              <a:rPr lang="en-US" altLang="zh-TW" sz="2800" dirty="0" smtClean="0"/>
+              <a:t>?</a:t>
+            </a:r>
+            <a:r>
+              <a:rPr lang="zh-TW" altLang="en-US" sz="2800" dirty="0" smtClean="0"/>
+              <a:t>究竟是和甚麼因素相關聯</a:t>
+            </a:r>
+            <a:r>
+              <a:rPr lang="en-US" altLang="zh-TW" sz="2800" dirty="0" smtClean="0"/>
+              <a:t>?(</a:t>
+            </a:r>
+            <a:r>
+              <a:rPr lang="zh-TW" altLang="en-US" sz="2800" dirty="0" smtClean="0"/>
+              <a:t>人們越來越不乖</a:t>
+            </a:r>
+            <a:r>
+              <a:rPr lang="en-US" altLang="zh-TW" sz="2800" dirty="0" smtClean="0"/>
+              <a:t>?</a:t>
+            </a:r>
+            <a:r>
+              <a:rPr lang="zh-TW" altLang="en-US" sz="2800" dirty="0" smtClean="0"/>
+              <a:t>貧富差距</a:t>
+            </a:r>
+            <a:r>
+              <a:rPr lang="en-US" altLang="zh-TW" sz="2800" dirty="0" smtClean="0"/>
+              <a:t>?)</a:t>
+            </a:r>
+          </a:p>
+          <a:p>
+            <a:pPr marL="342900" indent="-342900">
+              <a:buAutoNum type="arabicPeriod"/>
+            </a:pPr>
+            <a:endParaRPr lang="en-US" altLang="zh-TW" sz="2800" dirty="0"/>
+          </a:p>
+          <a:p>
+            <a:r>
+              <a:rPr lang="en-US" altLang="zh-TW" sz="2800" dirty="0"/>
+              <a:t>2. </a:t>
+            </a:r>
+            <a:r>
+              <a:rPr lang="zh-TW" altLang="en-US" sz="2800" dirty="0"/>
+              <a:t>為</a:t>
+            </a:r>
+            <a:r>
+              <a:rPr lang="zh-TW" altLang="en-US" sz="2800" dirty="0" smtClean="0"/>
+              <a:t>甚麼女性在失業率與犯罪率的相關性比男性高</a:t>
+            </a:r>
+            <a:r>
+              <a:rPr lang="en-US" altLang="zh-TW" sz="2800" dirty="0" smtClean="0"/>
+              <a:t>?</a:t>
+            </a:r>
+          </a:p>
+          <a:p>
+            <a:endParaRPr lang="en-US" altLang="zh-TW" sz="2800" dirty="0"/>
+          </a:p>
+          <a:p>
+            <a:r>
+              <a:rPr lang="en-US" altLang="zh-TW" sz="2800" dirty="0"/>
+              <a:t>3. </a:t>
+            </a:r>
+            <a:r>
+              <a:rPr lang="zh-TW" altLang="en-US" sz="2800" dirty="0"/>
+              <a:t>為甚麼</a:t>
+            </a:r>
+            <a:r>
+              <a:rPr lang="en-US" altLang="zh-TW" sz="2800" dirty="0" smtClean="0"/>
+              <a:t> 2003-2007</a:t>
+            </a:r>
+            <a:r>
+              <a:rPr lang="zh-TW" altLang="en-US" sz="2800" dirty="0" smtClean="0"/>
+              <a:t>的犯罪數會上升的如此劇烈</a:t>
+            </a:r>
+            <a:r>
+              <a:rPr lang="en-US" altLang="zh-TW" sz="2800" dirty="0" smtClean="0"/>
+              <a:t>?</a:t>
+            </a:r>
+            <a:endParaRPr lang="zh-TW" altLang="en-US" sz="2800" dirty="0"/>
+          </a:p>
+        </p:txBody>
+      </p:sp>
+    </p:spTree>
+    <p:extLst>
+      <p:ext uri="{BB962C8B-B14F-4D97-AF65-F5344CB8AC3E}">
+        <p14:creationId xmlns:p14="http://schemas.microsoft.com/office/powerpoint/2010/main" val="719619944"/>
+      </p:ext>
+    </p:extLst>
+  </p:cSld>
+  <p:clrMapOvr>
+    <a:masterClrMapping/>
+  </p:clrMapOvr>
+  <p:transition spd="slow">
+    <p:push dir="u"/>
+  </p:transition>
+  <p:timing>
+    <p:tnLst>
+      <p:par>
+        <p:cTn id="1" dur="indefinite" restart="never" nodeType="tmRoot"/>
+      </p:par>
+    </p:tnLst>
+  </p:timing>
+</p:sld>
+</file>
+
+<file path=ppt/slides/slide13.xml><?xml version="1.0" encoding="utf-8"?>
+<p:sld xmlns:a="http://schemas.openxmlformats.org/drawingml/2006/main" xmlns:r="http://schemas.openxmlformats.org/officeDocument/2006/relationships" xmlns:p="http://schemas.openxmlformats.org/presentationml/2006/main">
+  <p:cSld>
+    <p:spTree>
+      <p:nvGrpSpPr>
+        <p:cNvPr id="1" name=""/>
+        <p:cNvGrpSpPr/>
+        <p:nvPr/>
+      </p:nvGrpSpPr>
+      <p:grpSpPr>
+        <a:xfrm>
+          <a:off x="0" y="0"/>
+          <a:ext cx="0" cy="0"/>
+          <a:chOff x="0" y="0"/>
+          <a:chExt cx="0" cy="0"/>
+        </a:xfrm>
+      </p:grpSpPr>
       <p:sp>
         <p:nvSpPr>
           <p:cNvPr id="29" name="PA_矩形 28">
             <a:extLst>
               <a:ext uri="{FF2B5EF4-FFF2-40B4-BE49-F238E27FC236}">
-                <a16:creationId xmlns:a16="http://schemas.microsoft.com/office/drawing/2014/main" id="{75125EC2-5400-48FD-A782-71AFE781AC81}"/>
+                <a16:creationId xmlns="" xmlns:a16="http://schemas.microsoft.com/office/drawing/2014/main" id="{75125EC2-5400-48FD-A782-71AFE781AC81}"/>
               </a:ext>
             </a:extLst>
           </p:cNvPr>
@@ -21023,7 +21195,7 @@
           <p:cNvPr id="33" name="PA_矩形 32">
             <a:extLst>
               <a:ext uri="{FF2B5EF4-FFF2-40B4-BE49-F238E27FC236}">
-                <a16:creationId xmlns:a16="http://schemas.microsoft.com/office/drawing/2014/main" id="{7005A686-BF12-4283-95D7-82A11A7FC944}"/>
+                <a16:creationId xmlns="" xmlns:a16="http://schemas.microsoft.com/office/drawing/2014/main" id="{7005A686-BF12-4283-95D7-82A11A7FC944}"/>
               </a:ext>
             </a:extLst>
           </p:cNvPr>
@@ -21097,7 +21269,7 @@
           <p:cNvPr id="28" name="PA_矩形 27">
             <a:extLst>
               <a:ext uri="{FF2B5EF4-FFF2-40B4-BE49-F238E27FC236}">
-                <a16:creationId xmlns:a16="http://schemas.microsoft.com/office/drawing/2014/main" id="{D7B0DC96-49A4-48FA-85CA-B1571C912608}"/>
+                <a16:creationId xmlns="" xmlns:a16="http://schemas.microsoft.com/office/drawing/2014/main" id="{D7B0DC96-49A4-48FA-85CA-B1571C912608}"/>
               </a:ext>
             </a:extLst>
           </p:cNvPr>
@@ -21159,7 +21331,7 @@
           <p:cNvPr id="34" name="PA_矩形 33">
             <a:extLst>
               <a:ext uri="{FF2B5EF4-FFF2-40B4-BE49-F238E27FC236}">
-                <a16:creationId xmlns:a16="http://schemas.microsoft.com/office/drawing/2014/main" id="{2B44062B-2519-4645-BDBD-25E744EC4EA5}"/>
+                <a16:creationId xmlns="" xmlns:a16="http://schemas.microsoft.com/office/drawing/2014/main" id="{2B44062B-2519-4645-BDBD-25E744EC4EA5}"/>
               </a:ext>
             </a:extLst>
           </p:cNvPr>
@@ -21221,7 +21393,7 @@
           <p:cNvPr id="21" name="PA_文本框 20">
             <a:extLst>
               <a:ext uri="{FF2B5EF4-FFF2-40B4-BE49-F238E27FC236}">
-                <a16:creationId xmlns:a16="http://schemas.microsoft.com/office/drawing/2014/main" id="{78F4A048-D2DB-4E31-B55D-0777F6CC6038}"/>
+                <a16:creationId xmlns="" xmlns:a16="http://schemas.microsoft.com/office/drawing/2014/main" id="{78F4A048-D2DB-4E31-B55D-0777F6CC6038}"/>
               </a:ext>
             </a:extLst>
           </p:cNvPr>
@@ -21316,7 +21488,7 @@
           <p:cNvPr id="38" name="矩形 37">
             <a:extLst>
               <a:ext uri="{FF2B5EF4-FFF2-40B4-BE49-F238E27FC236}">
-                <a16:creationId xmlns:a16="http://schemas.microsoft.com/office/drawing/2014/main" id="{95E81DAE-06C6-4CF3-AB9A-3021B3E7938F}"/>
+                <a16:creationId xmlns="" xmlns:a16="http://schemas.microsoft.com/office/drawing/2014/main" id="{95E81DAE-06C6-4CF3-AB9A-3021B3E7938F}"/>
               </a:ext>
             </a:extLst>
           </p:cNvPr>
@@ -21380,7 +21552,7 @@
           <p:cNvPr id="3" name="矩形 2">
             <a:extLst>
               <a:ext uri="{FF2B5EF4-FFF2-40B4-BE49-F238E27FC236}">
-                <a16:creationId xmlns:a16="http://schemas.microsoft.com/office/drawing/2014/main" id="{DF70439F-4169-4C90-ABC2-570EFA4A55FA}"/>
+                <a16:creationId xmlns="" xmlns:a16="http://schemas.microsoft.com/office/drawing/2014/main" id="{DF70439F-4169-4C90-ABC2-570EFA4A55FA}"/>
               </a:ext>
             </a:extLst>
           </p:cNvPr>
@@ -21450,7 +21622,7 @@
           <p:cNvPr id="5" name="文本框 4">
             <a:extLst>
               <a:ext uri="{FF2B5EF4-FFF2-40B4-BE49-F238E27FC236}">
-                <a16:creationId xmlns:a16="http://schemas.microsoft.com/office/drawing/2014/main" id="{C9057035-6EA1-48D6-9A02-46530D9BFC8D}"/>
+                <a16:creationId xmlns="" xmlns:a16="http://schemas.microsoft.com/office/drawing/2014/main" id="{C9057035-6EA1-48D6-9A02-46530D9BFC8D}"/>
               </a:ext>
             </a:extLst>
           </p:cNvPr>
@@ -21681,7 +21853,7 @@
           <p:cNvPr id="9" name="直接连接符 8">
             <a:extLst>
               <a:ext uri="{FF2B5EF4-FFF2-40B4-BE49-F238E27FC236}">
-                <a16:creationId xmlns:a16="http://schemas.microsoft.com/office/drawing/2014/main" id="{0382134D-9EAB-452F-A45B-510B1E78BEFA}"/>
+                <a16:creationId xmlns="" xmlns:a16="http://schemas.microsoft.com/office/drawing/2014/main" id="{0382134D-9EAB-452F-A45B-510B1E78BEFA}"/>
               </a:ext>
             </a:extLst>
           </p:cNvPr>
@@ -21726,7 +21898,7 @@
           <p:cNvPr id="2" name="矩形 1">
             <a:extLst>
               <a:ext uri="{FF2B5EF4-FFF2-40B4-BE49-F238E27FC236}">
-                <a16:creationId xmlns:a16="http://schemas.microsoft.com/office/drawing/2014/main" id="{53DF37EC-51AA-4182-9929-9B36C060EDBD}"/>
+                <a16:creationId xmlns="" xmlns:a16="http://schemas.microsoft.com/office/drawing/2014/main" id="{53DF37EC-51AA-4182-9929-9B36C060EDBD}"/>
               </a:ext>
             </a:extLst>
           </p:cNvPr>
@@ -21791,7 +21963,7 @@
           <p:cNvPr id="4" name="文本框 3">
             <a:extLst>
               <a:ext uri="{FF2B5EF4-FFF2-40B4-BE49-F238E27FC236}">
-                <a16:creationId xmlns:a16="http://schemas.microsoft.com/office/drawing/2014/main" id="{151ED6C7-1737-4D4B-A8CA-33B14B63FE96}"/>
+                <a16:creationId xmlns="" xmlns:a16="http://schemas.microsoft.com/office/drawing/2014/main" id="{151ED6C7-1737-4D4B-A8CA-33B14B63FE96}"/>
               </a:ext>
             </a:extLst>
           </p:cNvPr>
@@ -22000,7 +22172,7 @@
           <p:cNvPr id="15" name="矩形 14">
             <a:extLst>
               <a:ext uri="{FF2B5EF4-FFF2-40B4-BE49-F238E27FC236}">
-                <a16:creationId xmlns:a16="http://schemas.microsoft.com/office/drawing/2014/main" id="{D3C59978-E4BC-4E53-B081-ECFC07D0DCDA}"/>
+                <a16:creationId xmlns="" xmlns:a16="http://schemas.microsoft.com/office/drawing/2014/main" id="{D3C59978-E4BC-4E53-B081-ECFC07D0DCDA}"/>
               </a:ext>
             </a:extLst>
           </p:cNvPr>
@@ -22064,7 +22236,7 @@
           <p:cNvPr id="7" name="矩形 6">
             <a:extLst>
               <a:ext uri="{FF2B5EF4-FFF2-40B4-BE49-F238E27FC236}">
-                <a16:creationId xmlns:a16="http://schemas.microsoft.com/office/drawing/2014/main" id="{FA8FA9B7-661A-4838-A8C8-5EA1715D9F20}"/>
+                <a16:creationId xmlns="" xmlns:a16="http://schemas.microsoft.com/office/drawing/2014/main" id="{FA8FA9B7-661A-4838-A8C8-5EA1715D9F20}"/>
               </a:ext>
             </a:extLst>
           </p:cNvPr>
@@ -22134,7 +22306,7 @@
           <p:cNvPr id="10" name="矩形: 圆角 9">
             <a:extLst>
               <a:ext uri="{FF2B5EF4-FFF2-40B4-BE49-F238E27FC236}">
-                <a16:creationId xmlns:a16="http://schemas.microsoft.com/office/drawing/2014/main" id="{8391298F-0216-4663-836E-2F14A93533B4}"/>
+                <a16:creationId xmlns="" xmlns:a16="http://schemas.microsoft.com/office/drawing/2014/main" id="{8391298F-0216-4663-836E-2F14A93533B4}"/>
               </a:ext>
             </a:extLst>
           </p:cNvPr>
@@ -22206,7 +22378,7 @@
           <p:cNvPr id="8" name="文本框 7">
             <a:extLst>
               <a:ext uri="{FF2B5EF4-FFF2-40B4-BE49-F238E27FC236}">
-                <a16:creationId xmlns:a16="http://schemas.microsoft.com/office/drawing/2014/main" id="{F740B855-B4F2-4C89-9C91-6E3EBB86A768}"/>
+                <a16:creationId xmlns="" xmlns:a16="http://schemas.microsoft.com/office/drawing/2014/main" id="{F740B855-B4F2-4C89-9C91-6E3EBB86A768}"/>
               </a:ext>
             </a:extLst>
           </p:cNvPr>
@@ -22271,7 +22443,7 @@
           <p:cNvPr id="5" name="文本框 4">
             <a:extLst>
               <a:ext uri="{FF2B5EF4-FFF2-40B4-BE49-F238E27FC236}">
-                <a16:creationId xmlns:a16="http://schemas.microsoft.com/office/drawing/2014/main" id="{8DD5A966-C00A-4F10-A054-95E8E14BD01B}"/>
+                <a16:creationId xmlns="" xmlns:a16="http://schemas.microsoft.com/office/drawing/2014/main" id="{8DD5A966-C00A-4F10-A054-95E8E14BD01B}"/>
               </a:ext>
             </a:extLst>
           </p:cNvPr>
@@ -22886,8 +23058,8 @@
         </p:blipFill>
         <p:spPr>
           <a:xfrm>
-            <a:off x="1228740" y="596991"/>
-            <a:ext cx="6758528" cy="5664017"/>
+            <a:off x="1763688" y="1988840"/>
+            <a:ext cx="5383764" cy="4511889"/>
           </a:xfrm>
         </p:spPr>
       </p:pic>
@@ -23055,7 +23227,7 @@
           <p:cNvPr id="74" name="PA_矩形 73">
             <a:extLst>
               <a:ext uri="{FF2B5EF4-FFF2-40B4-BE49-F238E27FC236}">
-                <a16:creationId xmlns:a16="http://schemas.microsoft.com/office/drawing/2014/main" id="{35DB04E3-85CF-498C-AC5C-B792CBAA75B4}"/>
+                <a16:creationId xmlns="" xmlns:a16="http://schemas.microsoft.com/office/drawing/2014/main" id="{35DB04E3-85CF-498C-AC5C-B792CBAA75B4}"/>
               </a:ext>
             </a:extLst>
           </p:cNvPr>
@@ -23118,7 +23290,7 @@
           <p:cNvPr id="76" name="PA_文本框 75">
             <a:extLst>
               <a:ext uri="{FF2B5EF4-FFF2-40B4-BE49-F238E27FC236}">
-                <a16:creationId xmlns:a16="http://schemas.microsoft.com/office/drawing/2014/main" id="{00650523-FA2D-44E4-9CB7-DA6CC5F64816}"/>
+                <a16:creationId xmlns="" xmlns:a16="http://schemas.microsoft.com/office/drawing/2014/main" id="{00650523-FA2D-44E4-9CB7-DA6CC5F64816}"/>
               </a:ext>
             </a:extLst>
           </p:cNvPr>
@@ -23178,7 +23350,7 @@
           <p:cNvPr id="77" name="PA_文本框 76">
             <a:extLst>
               <a:ext uri="{FF2B5EF4-FFF2-40B4-BE49-F238E27FC236}">
-                <a16:creationId xmlns:a16="http://schemas.microsoft.com/office/drawing/2014/main" id="{35E14A86-DC5E-49F6-AF13-492C2A8E2D0E}"/>
+                <a16:creationId xmlns="" xmlns:a16="http://schemas.microsoft.com/office/drawing/2014/main" id="{35E14A86-DC5E-49F6-AF13-492C2A8E2D0E}"/>
               </a:ext>
             </a:extLst>
           </p:cNvPr>
@@ -23239,7 +23411,7 @@
           <p:cNvPr id="78" name="PA_直接连接符 77">
             <a:extLst>
               <a:ext uri="{FF2B5EF4-FFF2-40B4-BE49-F238E27FC236}">
-                <a16:creationId xmlns:a16="http://schemas.microsoft.com/office/drawing/2014/main" id="{2000646F-54A6-4F93-BDAD-DB321469E710}"/>
+                <a16:creationId xmlns="" xmlns:a16="http://schemas.microsoft.com/office/drawing/2014/main" id="{2000646F-54A6-4F93-BDAD-DB321469E710}"/>
               </a:ext>
             </a:extLst>
           </p:cNvPr>
@@ -23743,7 +23915,7 @@
           <p:cNvPr id="4" name="矩形 3">
             <a:extLst>
               <a:ext uri="{FF2B5EF4-FFF2-40B4-BE49-F238E27FC236}">
-                <a16:creationId xmlns:a16="http://schemas.microsoft.com/office/drawing/2014/main" id="{D3C59978-E4BC-4E53-B081-ECFC07D0DCDA}"/>
+                <a16:creationId xmlns="" xmlns:a16="http://schemas.microsoft.com/office/drawing/2014/main" id="{D3C59978-E4BC-4E53-B081-ECFC07D0DCDA}"/>
               </a:ext>
             </a:extLst>
           </p:cNvPr>
@@ -24197,11 +24369,7 @@
           <a:p>
             <a:r>
               <a:rPr lang="zh-TW" altLang="en-US" sz="2800" dirty="0" smtClean="0"/>
-              <a:t>兩</a:t>
-            </a:r>
-            <a:r>
-              <a:rPr lang="zh-TW" altLang="en-US" sz="2800" dirty="0" smtClean="0"/>
-              <a:t>份*</a:t>
+              <a:t>兩份*</a:t>
             </a:r>
             <a:r>
               <a:rPr lang="en-US" altLang="zh-TW" sz="2800" dirty="0" smtClean="0"/>
@@ -24209,11 +24377,7 @@
             </a:r>
             <a:r>
               <a:rPr lang="zh-TW" altLang="en-US" sz="2800" dirty="0" smtClean="0"/>
-              <a:t>本</a:t>
-            </a:r>
-            <a:r>
-              <a:rPr lang="zh-TW" altLang="en-US" sz="2800" dirty="0" smtClean="0"/>
-              <a:t>以</a:t>
+              <a:t>本以</a:t>
             </a:r>
             <a:r>
               <a:rPr lang="zh-TW" altLang="en-US" sz="2800" dirty="0"/>
@@ -24232,7 +24396,7 @@
           <p:cNvPr id="10" name="矩形 9">
             <a:extLst>
               <a:ext uri="{FF2B5EF4-FFF2-40B4-BE49-F238E27FC236}">
-                <a16:creationId xmlns:a16="http://schemas.microsoft.com/office/drawing/2014/main" id="{D3C59978-E4BC-4E53-B081-ECFC07D0DCDA}"/>
+                <a16:creationId xmlns="" xmlns:a16="http://schemas.microsoft.com/office/drawing/2014/main" id="{D3C59978-E4BC-4E53-B081-ECFC07D0DCDA}"/>
               </a:ext>
             </a:extLst>
           </p:cNvPr>
@@ -24441,7 +24605,7 @@
           <p:cNvPr id="3" name="任意多边形: 形状 9">
             <a:extLst>
               <a:ext uri="{FF2B5EF4-FFF2-40B4-BE49-F238E27FC236}">
-                <a16:creationId xmlns:a16="http://schemas.microsoft.com/office/drawing/2014/main" id="{007B8CB1-CDB3-42D7-9ED9-B29B57AD2E12}"/>
+                <a16:creationId xmlns="" xmlns:a16="http://schemas.microsoft.com/office/drawing/2014/main" id="{007B8CB1-CDB3-42D7-9ED9-B29B57AD2E12}"/>
               </a:ext>
             </a:extLst>
           </p:cNvPr>
@@ -24560,7 +24724,7 @@
         <p:spPr>
           <a:xfrm>
             <a:off x="1259632" y="1628800"/>
-            <a:ext cx="7272808" cy="3785652"/>
+            <a:ext cx="7272808" cy="3046988"/>
           </a:xfrm>
           <a:prstGeom prst="rect">
             <a:avLst/>
@@ -24575,7 +24739,7 @@
           <a:p>
             <a:r>
               <a:rPr lang="en-US" altLang="zh-TW" sz="2400" b="1" dirty="0" smtClean="0"/>
-              <a:t>1992~2018</a:t>
+              <a:t>1997~2018</a:t>
             </a:r>
             <a:r>
               <a:rPr lang="zh-TW" altLang="en-US" sz="2400" b="1" dirty="0" smtClean="0"/>
@@ -24591,17 +24755,6 @@
             <a:r>
               <a:rPr lang="zh-TW" altLang="en-US" sz="2400" b="1" dirty="0" smtClean="0"/>
               <a:t>歷年刑事案件嫌疑犯人數  </a:t>
-            </a:r>
-            <a:endParaRPr lang="en-US" altLang="zh-TW" sz="2400" b="1" dirty="0" smtClean="0"/>
-          </a:p>
-          <a:p>
-            <a:r>
-              <a:rPr lang="en-US" altLang="zh-TW" sz="2400" b="1" dirty="0" smtClean="0"/>
-              <a:t>1997~2016</a:t>
-            </a:r>
-            <a:r>
-              <a:rPr lang="zh-TW" altLang="en-US" sz="2400" b="1" dirty="0" smtClean="0"/>
-              <a:t>歷年國內生產毛額年增率與刑事案件嫌疑犯人數 </a:t>
             </a:r>
             <a:endParaRPr lang="en-US" altLang="zh-TW" sz="2400" b="1" dirty="0" smtClean="0"/>
           </a:p>
@@ -25078,7 +25231,7 @@
   <a:extraClrSchemeLst/>
   <a:extLst>
     <a:ext uri="{05A4C25C-085E-4340-85A3-A5531E510DB2}">
-      <thm15:themeFamily xmlns:thm15="http://schemas.microsoft.com/office/thememl/2012/main" name="Office Theme" id="{62F939B6-93AF-4DB8-9C6B-D6C7DFDC589F}" vid="{4A3C46E8-61CC-4603-A589-7422A47A8E4A}"/>
+      <thm15:themeFamily xmlns="" xmlns:thm15="http://schemas.microsoft.com/office/thememl/2012/main" name="Office Theme" id="{62F939B6-93AF-4DB8-9C6B-D6C7DFDC589F}" vid="{4A3C46E8-61CC-4603-A589-7422A47A8E4A}"/>
     </a:ext>
   </a:extLst>
 </a:theme>
@@ -25279,7 +25432,7 @@
   <a:extraClrSchemeLst/>
   <a:extLst>
     <a:ext uri="{05A4C25C-085E-4340-85A3-A5531E510DB2}">
-      <thm15:themeFamily xmlns:thm15="http://schemas.microsoft.com/office/thememl/2012/main" name="Office Theme" id="{62F939B6-93AF-4DB8-9C6B-D6C7DFDC589F}" vid="{4A3C46E8-61CC-4603-A589-7422A47A8E4A}"/>
+      <thm15:themeFamily xmlns="" xmlns:thm15="http://schemas.microsoft.com/office/thememl/2012/main" name="Office Theme" id="{62F939B6-93AF-4DB8-9C6B-D6C7DFDC589F}" vid="{4A3C46E8-61CC-4603-A589-7422A47A8E4A}"/>
     </a:ext>
   </a:extLst>
 </a:theme>
@@ -25480,7 +25633,7 @@
   <a:extraClrSchemeLst/>
   <a:extLst>
     <a:ext uri="{05A4C25C-085E-4340-85A3-A5531E510DB2}">
-      <thm15:themeFamily xmlns:thm15="http://schemas.microsoft.com/office/thememl/2012/main" name="Office Theme" id="{62F939B6-93AF-4DB8-9C6B-D6C7DFDC589F}" vid="{4A3C46E8-61CC-4603-A589-7422A47A8E4A}"/>
+      <thm15:themeFamily xmlns="" xmlns:thm15="http://schemas.microsoft.com/office/thememl/2012/main" name="Office Theme" id="{62F939B6-93AF-4DB8-9C6B-D6C7DFDC589F}" vid="{4A3C46E8-61CC-4603-A589-7422A47A8E4A}"/>
     </a:ext>
   </a:extLst>
 </a:theme>
@@ -25681,7 +25834,7 @@
   <a:extraClrSchemeLst/>
   <a:extLst>
     <a:ext uri="{05A4C25C-085E-4340-85A3-A5531E510DB2}">
-      <thm15:themeFamily xmlns:thm15="http://schemas.microsoft.com/office/thememl/2012/main" name="Office Theme" id="{62F939B6-93AF-4DB8-9C6B-D6C7DFDC589F}" vid="{4A3C46E8-61CC-4603-A589-7422A47A8E4A}"/>
+      <thm15:themeFamily xmlns="" xmlns:thm15="http://schemas.microsoft.com/office/thememl/2012/main" name="Office Theme" id="{62F939B6-93AF-4DB8-9C6B-D6C7DFDC589F}" vid="{4A3C46E8-61CC-4603-A589-7422A47A8E4A}"/>
     </a:ext>
   </a:extLst>
 </a:theme>
@@ -25882,7 +26035,7 @@
   <a:extraClrSchemeLst/>
   <a:extLst>
     <a:ext uri="{05A4C25C-085E-4340-85A3-A5531E510DB2}">
-      <thm15:themeFamily xmlns:thm15="http://schemas.microsoft.com/office/thememl/2012/main" name="Office Theme" id="{62F939B6-93AF-4DB8-9C6B-D6C7DFDC589F}" vid="{4A3C46E8-61CC-4603-A589-7422A47A8E4A}"/>
+      <thm15:themeFamily xmlns="" xmlns:thm15="http://schemas.microsoft.com/office/thememl/2012/main" name="Office Theme" id="{62F939B6-93AF-4DB8-9C6B-D6C7DFDC589F}" vid="{4A3C46E8-61CC-4603-A589-7422A47A8E4A}"/>
     </a:ext>
   </a:extLst>
 </a:theme>
